--- a/presentation/Mobile Sensors Workshop, Part 2.pptx
+++ b/presentation/Mobile Sensors Workshop, Part 2.pptx
@@ -5,7 +5,7 @@
     <p:sldMasterId id="2147483648" r:id="rId1"/>
   </p:sldMasterIdLst>
   <p:notesMasterIdLst>
-    <p:notesMasterId r:id="rId24"/>
+    <p:notesMasterId r:id="rId26"/>
   </p:notesMasterIdLst>
   <p:sldIdLst>
     <p:sldId id="256" r:id="rId2"/>
@@ -30,6 +30,8 @@
     <p:sldId id="275" r:id="rId21"/>
     <p:sldId id="277" r:id="rId22"/>
     <p:sldId id="276" r:id="rId23"/>
+    <p:sldId id="278" r:id="rId24"/>
+    <p:sldId id="279" r:id="rId25"/>
   </p:sldIdLst>
   <p:sldSz cx="12192000" cy="6858000"/>
   <p:notesSz cx="6858000" cy="9144000"/>
@@ -5334,7 +5336,11 @@
           <a:bodyPr/>
           <a:lstStyle/>
           <a:p>
-            <a:endParaRPr lang="en-US"/>
+            <a:r>
+              <a:rPr lang="en-US" dirty="0" smtClean="0"/>
+              <a:t>9-DoF IMU</a:t>
+            </a:r>
+            <a:endParaRPr lang="en-US" dirty="0"/>
           </a:p>
         </p:txBody>
       </p:sp>
@@ -5353,7 +5359,52 @@
           <a:bodyPr/>
           <a:lstStyle/>
           <a:p>
-            <a:endParaRPr lang="en-US"/>
+            <a:r>
+              <a:rPr lang="en-US" dirty="0" smtClean="0"/>
+              <a:t>Nine degrees of freedom inertial measurement unit</a:t>
+            </a:r>
+          </a:p>
+          <a:p>
+            <a:pPr lvl="1"/>
+            <a:r>
+              <a:rPr lang="en-US" dirty="0" smtClean="0"/>
+              <a:t>3 axis accelerometer</a:t>
+            </a:r>
+          </a:p>
+          <a:p>
+            <a:pPr lvl="1"/>
+            <a:r>
+              <a:rPr lang="en-US" dirty="0" smtClean="0"/>
+              <a:t>3 axis rate gyroscope</a:t>
+            </a:r>
+          </a:p>
+          <a:p>
+            <a:pPr lvl="1"/>
+            <a:r>
+              <a:rPr lang="en-US" dirty="0" smtClean="0"/>
+              <a:t>3 axis magnetometer (compass)</a:t>
+            </a:r>
+          </a:p>
+          <a:p>
+            <a:r>
+              <a:rPr lang="en-US" dirty="0" smtClean="0"/>
+              <a:t>All sensors communicate I</a:t>
+            </a:r>
+            <a:r>
+              <a:rPr lang="en-US" baseline="30000" dirty="0" smtClean="0"/>
+              <a:t>2</a:t>
+            </a:r>
+            <a:r>
+              <a:rPr lang="en-US" dirty="0" smtClean="0"/>
+              <a:t>C</a:t>
+            </a:r>
+          </a:p>
+          <a:p>
+            <a:r>
+              <a:rPr lang="en-US" dirty="0" smtClean="0"/>
+              <a:t>Cheap sensors enabled by cell phone requirements</a:t>
+            </a:r>
+            <a:endParaRPr lang="en-US" dirty="0"/>
           </a:p>
         </p:txBody>
       </p:sp>
@@ -5361,6 +5412,192 @@
     <p:extLst>
       <p:ext uri="{BB962C8B-B14F-4D97-AF65-F5344CB8AC3E}">
         <p14:creationId xmlns:p14="http://schemas.microsoft.com/office/powerpoint/2010/main" val="2617838939"/>
+      </p:ext>
+    </p:extLst>
+  </p:cSld>
+  <p:clrMapOvr>
+    <a:masterClrMapping/>
+  </p:clrMapOvr>
+</p:sld>
+</file>
+
+<file path=ppt/slides/slide23.xml><?xml version="1.0" encoding="utf-8"?>
+<p:sld xmlns:a="http://schemas.openxmlformats.org/drawingml/2006/main" xmlns:r="http://schemas.openxmlformats.org/officeDocument/2006/relationships" xmlns:p="http://schemas.openxmlformats.org/presentationml/2006/main">
+  <p:cSld>
+    <p:spTree>
+      <p:nvGrpSpPr>
+        <p:cNvPr id="1" name=""/>
+        <p:cNvGrpSpPr/>
+        <p:nvPr/>
+      </p:nvGrpSpPr>
+      <p:grpSpPr>
+        <a:xfrm>
+          <a:off x="0" y="0"/>
+          <a:ext cx="0" cy="0"/>
+          <a:chOff x="0" y="0"/>
+          <a:chExt cx="0" cy="0"/>
+        </a:xfrm>
+      </p:grpSpPr>
+      <p:pic>
+        <p:nvPicPr>
+          <p:cNvPr id="4" name="Content Placeholder 3"/>
+          <p:cNvPicPr>
+            <a:picLocks noGrp="1" noChangeAspect="1"/>
+          </p:cNvPicPr>
+          <p:nvPr>
+            <p:ph idx="1"/>
+          </p:nvPr>
+        </p:nvPicPr>
+        <p:blipFill rotWithShape="1">
+          <a:blip r:embed="rId2" cstate="print">
+            <a:extLst>
+              <a:ext uri="{28A0092B-C50C-407E-A947-70E740481C1C}">
+                <a14:useLocalDpi xmlns:a14="http://schemas.microsoft.com/office/drawing/2010/main" val="0"/>
+              </a:ext>
+            </a:extLst>
+          </a:blip>
+          <a:srcRect b="5591"/>
+          <a:stretch/>
+        </p:blipFill>
+        <p:spPr>
+          <a:xfrm rot="5400000">
+            <a:off x="3551574" y="-136070"/>
+            <a:ext cx="6036783" cy="7562092"/>
+          </a:xfrm>
+        </p:spPr>
+      </p:pic>
+      <p:sp>
+        <p:nvSpPr>
+          <p:cNvPr id="2" name="Title 1"/>
+          <p:cNvSpPr>
+            <a:spLocks noGrp="1"/>
+          </p:cNvSpPr>
+          <p:nvPr>
+            <p:ph type="title"/>
+          </p:nvPr>
+        </p:nvSpPr>
+        <p:spPr/>
+        <p:txBody>
+          <a:bodyPr/>
+          <a:lstStyle/>
+          <a:p>
+            <a:r>
+              <a:rPr lang="en-US" dirty="0" smtClean="0"/>
+              <a:t>Wiring up the IMU</a:t>
+            </a:r>
+            <a:endParaRPr lang="en-US" dirty="0"/>
+          </a:p>
+        </p:txBody>
+      </p:sp>
+    </p:spTree>
+    <p:extLst>
+      <p:ext uri="{BB962C8B-B14F-4D97-AF65-F5344CB8AC3E}">
+        <p14:creationId xmlns:p14="http://schemas.microsoft.com/office/powerpoint/2010/main" val="1093685422"/>
+      </p:ext>
+    </p:extLst>
+  </p:cSld>
+  <p:clrMapOvr>
+    <a:masterClrMapping/>
+  </p:clrMapOvr>
+</p:sld>
+</file>
+
+<file path=ppt/slides/slide24.xml><?xml version="1.0" encoding="utf-8"?>
+<p:sld xmlns:a="http://schemas.openxmlformats.org/drawingml/2006/main" xmlns:r="http://schemas.openxmlformats.org/officeDocument/2006/relationships" xmlns:p="http://schemas.openxmlformats.org/presentationml/2006/main">
+  <p:cSld>
+    <p:spTree>
+      <p:nvGrpSpPr>
+        <p:cNvPr id="1" name=""/>
+        <p:cNvGrpSpPr/>
+        <p:nvPr/>
+      </p:nvGrpSpPr>
+      <p:grpSpPr>
+        <a:xfrm>
+          <a:off x="0" y="0"/>
+          <a:ext cx="0" cy="0"/>
+          <a:chOff x="0" y="0"/>
+          <a:chExt cx="0" cy="0"/>
+        </a:xfrm>
+      </p:grpSpPr>
+      <p:sp>
+        <p:nvSpPr>
+          <p:cNvPr id="2" name="Title 1"/>
+          <p:cNvSpPr>
+            <a:spLocks noGrp="1"/>
+          </p:cNvSpPr>
+          <p:nvPr>
+            <p:ph type="title"/>
+          </p:nvPr>
+        </p:nvSpPr>
+        <p:spPr/>
+        <p:txBody>
+          <a:bodyPr/>
+          <a:lstStyle/>
+          <a:p>
+            <a:r>
+              <a:rPr lang="en-US" dirty="0" smtClean="0"/>
+              <a:t>Libraries required</a:t>
+            </a:r>
+            <a:endParaRPr lang="en-US" dirty="0"/>
+          </a:p>
+        </p:txBody>
+      </p:sp>
+      <p:sp>
+        <p:nvSpPr>
+          <p:cNvPr id="3" name="Content Placeholder 2"/>
+          <p:cNvSpPr>
+            <a:spLocks noGrp="1"/>
+          </p:cNvSpPr>
+          <p:nvPr>
+            <p:ph idx="1"/>
+          </p:nvPr>
+        </p:nvSpPr>
+        <p:spPr/>
+        <p:txBody>
+          <a:bodyPr/>
+          <a:lstStyle/>
+          <a:p>
+            <a:r>
+              <a:rPr lang="en-US" dirty="0" smtClean="0"/>
+              <a:t>Move the following directories from the Arduino/libraries directory in the class files to your Arduino/libraries directory.</a:t>
+            </a:r>
+          </a:p>
+          <a:p>
+            <a:pPr lvl="1"/>
+            <a:r>
+              <a:rPr lang="en-US" dirty="0" err="1" smtClean="0"/>
+              <a:t>Adafruit_Sensor</a:t>
+            </a:r>
+            <a:endParaRPr lang="en-US" dirty="0" smtClean="0"/>
+          </a:p>
+          <a:p>
+            <a:pPr lvl="1"/>
+            <a:r>
+              <a:rPr lang="en-US" dirty="0" smtClean="0"/>
+              <a:t>Adafruit_9DOF</a:t>
+            </a:r>
+          </a:p>
+          <a:p>
+            <a:pPr lvl="1"/>
+            <a:r>
+              <a:rPr lang="en-US" dirty="0" smtClean="0"/>
+              <a:t>Adafruit_L3GD20_U (gyro)</a:t>
+            </a:r>
+          </a:p>
+          <a:p>
+            <a:pPr lvl="1"/>
+            <a:r>
+              <a:rPr lang="en-US" dirty="0" smtClean="0"/>
+              <a:t>Adafruit_LSM303DLHC (accelerometer &amp; magnetometer)</a:t>
+            </a:r>
+            <a:endParaRPr lang="en-US" dirty="0"/>
+          </a:p>
+        </p:txBody>
+      </p:sp>
+    </p:spTree>
+    <p:extLst>
+      <p:ext uri="{BB962C8B-B14F-4D97-AF65-F5344CB8AC3E}">
+        <p14:creationId xmlns:p14="http://schemas.microsoft.com/office/powerpoint/2010/main" val="724928521"/>
       </p:ext>
     </p:extLst>
   </p:cSld>

--- a/presentation/Mobile Sensors Workshop, Part 2.pptx
+++ b/presentation/Mobile Sensors Workshop, Part 2.pptx
@@ -5,7 +5,7 @@
     <p:sldMasterId id="2147483648" r:id="rId1"/>
   </p:sldMasterIdLst>
   <p:notesMasterIdLst>
-    <p:notesMasterId r:id="rId26"/>
+    <p:notesMasterId r:id="rId40"/>
   </p:notesMasterIdLst>
   <p:sldIdLst>
     <p:sldId id="256" r:id="rId2"/>
@@ -16,22 +16,36 @@
     <p:sldId id="260" r:id="rId7"/>
     <p:sldId id="262" r:id="rId8"/>
     <p:sldId id="266" r:id="rId9"/>
-    <p:sldId id="264" r:id="rId10"/>
-    <p:sldId id="265" r:id="rId11"/>
-    <p:sldId id="263" r:id="rId12"/>
-    <p:sldId id="267" r:id="rId13"/>
-    <p:sldId id="271" r:id="rId14"/>
-    <p:sldId id="268" r:id="rId15"/>
-    <p:sldId id="269" r:id="rId16"/>
-    <p:sldId id="270" r:id="rId17"/>
-    <p:sldId id="273" r:id="rId18"/>
-    <p:sldId id="272" r:id="rId19"/>
-    <p:sldId id="274" r:id="rId20"/>
-    <p:sldId id="275" r:id="rId21"/>
-    <p:sldId id="277" r:id="rId22"/>
-    <p:sldId id="276" r:id="rId23"/>
-    <p:sldId id="278" r:id="rId24"/>
-    <p:sldId id="279" r:id="rId25"/>
+    <p:sldId id="280" r:id="rId10"/>
+    <p:sldId id="264" r:id="rId11"/>
+    <p:sldId id="265" r:id="rId12"/>
+    <p:sldId id="263" r:id="rId13"/>
+    <p:sldId id="267" r:id="rId14"/>
+    <p:sldId id="271" r:id="rId15"/>
+    <p:sldId id="268" r:id="rId16"/>
+    <p:sldId id="269" r:id="rId17"/>
+    <p:sldId id="270" r:id="rId18"/>
+    <p:sldId id="273" r:id="rId19"/>
+    <p:sldId id="272" r:id="rId20"/>
+    <p:sldId id="274" r:id="rId21"/>
+    <p:sldId id="275" r:id="rId22"/>
+    <p:sldId id="277" r:id="rId23"/>
+    <p:sldId id="276" r:id="rId24"/>
+    <p:sldId id="278" r:id="rId25"/>
+    <p:sldId id="279" r:id="rId26"/>
+    <p:sldId id="281" r:id="rId27"/>
+    <p:sldId id="282" r:id="rId28"/>
+    <p:sldId id="283" r:id="rId29"/>
+    <p:sldId id="284" r:id="rId30"/>
+    <p:sldId id="285" r:id="rId31"/>
+    <p:sldId id="286" r:id="rId32"/>
+    <p:sldId id="287" r:id="rId33"/>
+    <p:sldId id="288" r:id="rId34"/>
+    <p:sldId id="289" r:id="rId35"/>
+    <p:sldId id="290" r:id="rId36"/>
+    <p:sldId id="292" r:id="rId37"/>
+    <p:sldId id="295" r:id="rId38"/>
+    <p:sldId id="293" r:id="rId39"/>
   </p:sldIdLst>
   <p:sldSz cx="12192000" cy="6858000"/>
   <p:notesSz cx="6858000" cy="9144000"/>
@@ -130,6 +144,11 @@
       </a:defRPr>
     </a:lvl9pPr>
   </p:defaultTextStyle>
+  <p:extLst>
+    <p:ext uri="{EFAFB233-063F-42B5-8137-9DF3F51BA10A}">
+      <p15:sldGuideLst xmlns:p15="http://schemas.microsoft.com/office/powerpoint/2012/main"/>
+    </p:ext>
+  </p:extLst>
 </p:presentation>
 </file>
 
@@ -215,7 +234,7 @@
           <a:p>
             <a:fld id="{A7C5DE8E-CB8C-4F00-9EBE-0F5775031933}" type="datetimeFigureOut">
               <a:rPr lang="en-US" smtClean="0"/>
-              <a:t>10/17/2014</a:t>
+              <a:t>10/18/2014</a:t>
             </a:fld>
             <a:endParaRPr lang="en-US"/>
           </a:p>
@@ -714,7 +733,7 @@
           <a:p>
             <a:fld id="{F635EFCD-DE28-441F-88C5-3E2C5E31EA82}" type="datetimeFigureOut">
               <a:rPr lang="en-US" smtClean="0"/>
-              <a:t>10/15/2014</a:t>
+              <a:t>10/18/2014</a:t>
             </a:fld>
             <a:endParaRPr lang="en-US"/>
           </a:p>
@@ -884,7 +903,7 @@
           <a:p>
             <a:fld id="{F635EFCD-DE28-441F-88C5-3E2C5E31EA82}" type="datetimeFigureOut">
               <a:rPr lang="en-US" smtClean="0"/>
-              <a:t>10/15/2014</a:t>
+              <a:t>10/18/2014</a:t>
             </a:fld>
             <a:endParaRPr lang="en-US"/>
           </a:p>
@@ -1064,7 +1083,7 @@
           <a:p>
             <a:fld id="{F635EFCD-DE28-441F-88C5-3E2C5E31EA82}" type="datetimeFigureOut">
               <a:rPr lang="en-US" smtClean="0"/>
-              <a:t>10/15/2014</a:t>
+              <a:t>10/18/2014</a:t>
             </a:fld>
             <a:endParaRPr lang="en-US"/>
           </a:p>
@@ -1234,7 +1253,7 @@
           <a:p>
             <a:fld id="{F635EFCD-DE28-441F-88C5-3E2C5E31EA82}" type="datetimeFigureOut">
               <a:rPr lang="en-US" smtClean="0"/>
-              <a:t>10/15/2014</a:t>
+              <a:t>10/18/2014</a:t>
             </a:fld>
             <a:endParaRPr lang="en-US"/>
           </a:p>
@@ -1480,7 +1499,7 @@
           <a:p>
             <a:fld id="{F635EFCD-DE28-441F-88C5-3E2C5E31EA82}" type="datetimeFigureOut">
               <a:rPr lang="en-US" smtClean="0"/>
-              <a:t>10/15/2014</a:t>
+              <a:t>10/18/2014</a:t>
             </a:fld>
             <a:endParaRPr lang="en-US"/>
           </a:p>
@@ -1712,7 +1731,7 @@
           <a:p>
             <a:fld id="{F635EFCD-DE28-441F-88C5-3E2C5E31EA82}" type="datetimeFigureOut">
               <a:rPr lang="en-US" smtClean="0"/>
-              <a:t>10/15/2014</a:t>
+              <a:t>10/18/2014</a:t>
             </a:fld>
             <a:endParaRPr lang="en-US"/>
           </a:p>
@@ -2079,7 +2098,7 @@
           <a:p>
             <a:fld id="{F635EFCD-DE28-441F-88C5-3E2C5E31EA82}" type="datetimeFigureOut">
               <a:rPr lang="en-US" smtClean="0"/>
-              <a:t>10/15/2014</a:t>
+              <a:t>10/18/2014</a:t>
             </a:fld>
             <a:endParaRPr lang="en-US"/>
           </a:p>
@@ -2197,7 +2216,7 @@
           <a:p>
             <a:fld id="{F635EFCD-DE28-441F-88C5-3E2C5E31EA82}" type="datetimeFigureOut">
               <a:rPr lang="en-US" smtClean="0"/>
-              <a:t>10/15/2014</a:t>
+              <a:t>10/18/2014</a:t>
             </a:fld>
             <a:endParaRPr lang="en-US"/>
           </a:p>
@@ -2292,7 +2311,7 @@
           <a:p>
             <a:fld id="{F635EFCD-DE28-441F-88C5-3E2C5E31EA82}" type="datetimeFigureOut">
               <a:rPr lang="en-US" smtClean="0"/>
-              <a:t>10/15/2014</a:t>
+              <a:t>10/18/2014</a:t>
             </a:fld>
             <a:endParaRPr lang="en-US"/>
           </a:p>
@@ -2569,7 +2588,7 @@
           <a:p>
             <a:fld id="{F635EFCD-DE28-441F-88C5-3E2C5E31EA82}" type="datetimeFigureOut">
               <a:rPr lang="en-US" smtClean="0"/>
-              <a:t>10/15/2014</a:t>
+              <a:t>10/18/2014</a:t>
             </a:fld>
             <a:endParaRPr lang="en-US"/>
           </a:p>
@@ -2822,7 +2841,7 @@
           <a:p>
             <a:fld id="{F635EFCD-DE28-441F-88C5-3E2C5E31EA82}" type="datetimeFigureOut">
               <a:rPr lang="en-US" smtClean="0"/>
-              <a:t>10/15/2014</a:t>
+              <a:t>10/18/2014</a:t>
             </a:fld>
             <a:endParaRPr lang="en-US"/>
           </a:p>
@@ -3035,7 +3054,7 @@
           <a:p>
             <a:fld id="{F635EFCD-DE28-441F-88C5-3E2C5E31EA82}" type="datetimeFigureOut">
               <a:rPr lang="en-US" smtClean="0"/>
-              <a:t>10/15/2014</a:t>
+              <a:t>10/18/2014</a:t>
             </a:fld>
             <a:endParaRPr lang="en-US"/>
           </a:p>
@@ -3541,14 +3560,145 @@
           <a:p>
             <a:r>
               <a:rPr lang="en-US" dirty="0" smtClean="0"/>
+              <a:t>A quick note on decibels (dB)</a:t>
+            </a:r>
+            <a:endParaRPr lang="en-US" dirty="0"/>
+          </a:p>
+        </p:txBody>
+      </p:sp>
+      <p:sp>
+        <p:nvSpPr>
+          <p:cNvPr id="3" name="Content Placeholder 2"/>
+          <p:cNvSpPr>
+            <a:spLocks noGrp="1"/>
+          </p:cNvSpPr>
+          <p:nvPr>
+            <p:ph idx="1"/>
+          </p:nvPr>
+        </p:nvSpPr>
+        <p:spPr/>
+        <p:txBody>
+          <a:bodyPr>
+            <a:normAutofit/>
+          </a:bodyPr>
+          <a:lstStyle/>
+          <a:p>
+            <a:r>
+              <a:rPr lang="en-US" dirty="0" smtClean="0"/>
+              <a:t>The decibel is a logarithmic unit for expressing ratios</a:t>
+            </a:r>
+          </a:p>
+          <a:p>
+            <a:r>
+              <a:rPr lang="en-US" dirty="0" smtClean="0"/>
+              <a:t>10 dB is one order of magnitude (x10) when measuring power</a:t>
+            </a:r>
+          </a:p>
+          <a:p>
+            <a:r>
+              <a:rPr lang="en-US" dirty="0" smtClean="0"/>
+              <a:t>20 dB is one order of magnitude when measuring voltage or amplitude, since power is usually proportional to the square of amplitude                </a:t>
+            </a:r>
+          </a:p>
+          <a:p>
+            <a:r>
+              <a:rPr lang="en-US" dirty="0" smtClean="0"/>
+              <a:t>Decibels used to measure things like sound power and output power are based on some reference level</a:t>
+            </a:r>
+          </a:p>
+          <a:p>
+            <a:pPr lvl="1"/>
+            <a:r>
+              <a:rPr lang="en-US" dirty="0" smtClean="0"/>
+              <a:t>Sound in air, 1 dB = 20 </a:t>
+            </a:r>
+            <a:r>
+              <a:rPr lang="en-US" dirty="0" err="1" smtClean="0"/>
+              <a:t>micropascals</a:t>
+            </a:r>
+            <a:endParaRPr lang="en-US" dirty="0" smtClean="0"/>
+          </a:p>
+          <a:p>
+            <a:pPr lvl="1"/>
+            <a:r>
+              <a:rPr lang="en-US" dirty="0" smtClean="0"/>
+              <a:t>Sound in water, 1 dB = 1 </a:t>
+            </a:r>
+            <a:r>
+              <a:rPr lang="en-US" dirty="0" err="1" smtClean="0"/>
+              <a:t>micropascal</a:t>
+            </a:r>
+            <a:endParaRPr lang="en-US" dirty="0" smtClean="0"/>
+          </a:p>
+          <a:p>
+            <a:pPr lvl="1"/>
+            <a:r>
+              <a:rPr lang="en-US" dirty="0" smtClean="0"/>
+              <a:t>RF output, 1 dB = 1 </a:t>
+            </a:r>
+            <a:r>
+              <a:rPr lang="en-US" dirty="0" err="1" smtClean="0"/>
+              <a:t>mW</a:t>
+            </a:r>
+            <a:endParaRPr lang="en-US" dirty="0"/>
+          </a:p>
+        </p:txBody>
+      </p:sp>
+    </p:spTree>
+    <p:extLst>
+      <p:ext uri="{BB962C8B-B14F-4D97-AF65-F5344CB8AC3E}">
+        <p14:creationId xmlns:p14="http://schemas.microsoft.com/office/powerpoint/2010/main" val="2134029180"/>
+      </p:ext>
+    </p:extLst>
+  </p:cSld>
+  <p:clrMapOvr>
+    <a:masterClrMapping/>
+  </p:clrMapOvr>
+</p:sld>
+</file>
+
+<file path=ppt/slides/slide11.xml><?xml version="1.0" encoding="utf-8"?>
+<p:sld xmlns:a="http://schemas.openxmlformats.org/drawingml/2006/main" xmlns:r="http://schemas.openxmlformats.org/officeDocument/2006/relationships" xmlns:p="http://schemas.openxmlformats.org/presentationml/2006/main">
+  <p:cSld>
+    <p:spTree>
+      <p:nvGrpSpPr>
+        <p:cNvPr id="1" name=""/>
+        <p:cNvGrpSpPr/>
+        <p:nvPr/>
+      </p:nvGrpSpPr>
+      <p:grpSpPr>
+        <a:xfrm>
+          <a:off x="0" y="0"/>
+          <a:ext cx="0" cy="0"/>
+          <a:chOff x="0" y="0"/>
+          <a:chExt cx="0" cy="0"/>
+        </a:xfrm>
+      </p:grpSpPr>
+      <p:sp>
+        <p:nvSpPr>
+          <p:cNvPr id="2" name="Title 1"/>
+          <p:cNvSpPr>
+            <a:spLocks noGrp="1"/>
+          </p:cNvSpPr>
+          <p:nvPr>
+            <p:ph type="title"/>
+          </p:nvPr>
+        </p:nvSpPr>
+        <p:spPr/>
+        <p:txBody>
+          <a:bodyPr/>
+          <a:lstStyle/>
+          <a:p>
+            <a:r>
+              <a:rPr lang="en-US" dirty="0" smtClean="0"/>
               <a:t>Calculating dB</a:t>
             </a:r>
             <a:endParaRPr lang="en-US" dirty="0"/>
           </a:p>
         </p:txBody>
       </p:sp>
-      <mc:AlternateContent xmlns:mc="http://schemas.openxmlformats.org/markup-compatibility/2006">
-        <mc:Choice xmlns:a14="http://schemas.microsoft.com/office/drawing/2010/main" Requires="a14">
+      <mc:AlternateContent xmlns:mc="http://schemas.openxmlformats.org/markup-compatibility/2006" xmlns:a14="http://schemas.microsoft.com/office/drawing/2010/main">
+        <mc:Choice Requires="a14">
           <p:sp>
             <p:nvSpPr>
               <p:cNvPr id="3" name="Content Placeholder 2"/>
@@ -3885,11 +4035,7 @@
                 </a14:m>
                 <a:r>
                   <a:rPr lang="en-US" dirty="0" smtClean="0"/>
-                  <a:t> (Ohm’s Law</a:t>
-                </a:r>
-                <a:r>
-                  <a:rPr lang="en-US" dirty="0" smtClean="0"/>
-                  <a:t>), these give the same values for the same circuit.</a:t>
+                  <a:t> (Ohm’s Law), these give the same values for the same circuit.</a:t>
                 </a:r>
               </a:p>
               <a:p>
@@ -3903,7 +4049,6 @@
                   <a:rPr lang="en-US" dirty="0" smtClean="0"/>
                   <a:t>10 dB (power) is a factor of 2</a:t>
                 </a:r>
-                <a:endParaRPr lang="en-US" dirty="0" smtClean="0"/>
               </a:p>
               <a:p>
                 <a:endParaRPr lang="en-US" dirty="0"/>
@@ -3911,7 +4056,7 @@
             </p:txBody>
           </p:sp>
         </mc:Choice>
-        <mc:Fallback>
+        <mc:Fallback xmlns="">
           <p:sp>
             <p:nvSpPr>
               <p:cNvPr id="3" name="Content Placeholder 2"/>
@@ -3958,124 +4103,6 @@
 </p:sld>
 </file>
 
-<file path=ppt/slides/slide11.xml><?xml version="1.0" encoding="utf-8"?>
-<p:sld xmlns:a="http://schemas.openxmlformats.org/drawingml/2006/main" xmlns:r="http://schemas.openxmlformats.org/officeDocument/2006/relationships" xmlns:p="http://schemas.openxmlformats.org/presentationml/2006/main">
-  <p:cSld>
-    <p:spTree>
-      <p:nvGrpSpPr>
-        <p:cNvPr id="1" name=""/>
-        <p:cNvGrpSpPr/>
-        <p:nvPr/>
-      </p:nvGrpSpPr>
-      <p:grpSpPr>
-        <a:xfrm>
-          <a:off x="0" y="0"/>
-          <a:ext cx="0" cy="0"/>
-          <a:chOff x="0" y="0"/>
-          <a:chExt cx="0" cy="0"/>
-        </a:xfrm>
-      </p:grpSpPr>
-      <p:sp>
-        <p:nvSpPr>
-          <p:cNvPr id="2" name="Title 1"/>
-          <p:cNvSpPr>
-            <a:spLocks noGrp="1"/>
-          </p:cNvSpPr>
-          <p:nvPr>
-            <p:ph type="title"/>
-          </p:nvPr>
-        </p:nvSpPr>
-        <p:spPr/>
-        <p:txBody>
-          <a:bodyPr/>
-          <a:lstStyle/>
-          <a:p>
-            <a:r>
-              <a:rPr lang="en-US" dirty="0" smtClean="0"/>
-              <a:t>More advanced filters…</a:t>
-            </a:r>
-            <a:endParaRPr lang="en-US" dirty="0"/>
-          </a:p>
-        </p:txBody>
-      </p:sp>
-      <p:sp>
-        <p:nvSpPr>
-          <p:cNvPr id="3" name="Content Placeholder 2"/>
-          <p:cNvSpPr>
-            <a:spLocks noGrp="1"/>
-          </p:cNvSpPr>
-          <p:nvPr>
-            <p:ph idx="1"/>
-          </p:nvPr>
-        </p:nvSpPr>
-        <p:spPr/>
-        <p:txBody>
-          <a:bodyPr/>
-          <a:lstStyle/>
-          <a:p>
-            <a:r>
-              <a:rPr lang="en-US" dirty="0" smtClean="0"/>
-              <a:t>It is possible to make a multi-pole filter with a </a:t>
-            </a:r>
-            <a:r>
-              <a:rPr lang="en-US" dirty="0" err="1" smtClean="0"/>
-              <a:t>passband</a:t>
-            </a:r>
-            <a:r>
-              <a:rPr lang="en-US" dirty="0" smtClean="0"/>
-              <a:t> gain of 1 (or higher) by adding op-amps to the mix. </a:t>
-            </a:r>
-          </a:p>
-          <a:p>
-            <a:r>
-              <a:rPr lang="en-US" dirty="0" smtClean="0"/>
-              <a:t>A </a:t>
-            </a:r>
-            <a:r>
-              <a:rPr lang="en-US" dirty="0" err="1" smtClean="0"/>
-              <a:t>Sallen</a:t>
-            </a:r>
-            <a:r>
-              <a:rPr lang="en-US" dirty="0" smtClean="0"/>
-              <a:t>-Key filter gives two poles per op-amp</a:t>
-            </a:r>
-          </a:p>
-          <a:p>
-            <a:r>
-              <a:rPr lang="en-US" dirty="0" smtClean="0"/>
-              <a:t>A </a:t>
-            </a:r>
-            <a:r>
-              <a:rPr lang="en-US" dirty="0" err="1" smtClean="0"/>
-              <a:t>Biquad</a:t>
-            </a:r>
-            <a:r>
-              <a:rPr lang="en-US" dirty="0" smtClean="0"/>
-              <a:t> filter can, with proper passive selection, replicate any continuous filter function.</a:t>
-            </a:r>
-          </a:p>
-          <a:p>
-            <a:r>
-              <a:rPr lang="en-US" dirty="0" smtClean="0"/>
-              <a:t>Typical modern practice is to minimally filter the signal, oversample enormously, and then do all remaining filtering digitally.</a:t>
-            </a:r>
-            <a:endParaRPr lang="en-US" dirty="0"/>
-          </a:p>
-        </p:txBody>
-      </p:sp>
-    </p:spTree>
-    <p:extLst>
-      <p:ext uri="{BB962C8B-B14F-4D97-AF65-F5344CB8AC3E}">
-        <p14:creationId xmlns:p14="http://schemas.microsoft.com/office/powerpoint/2010/main" val="546351892"/>
-      </p:ext>
-    </p:extLst>
-  </p:cSld>
-  <p:clrMapOvr>
-    <a:masterClrMapping/>
-  </p:clrMapOvr>
-</p:sld>
-</file>
-
 <file path=ppt/slides/slide12.xml><?xml version="1.0" encoding="utf-8"?>
 <p:sld xmlns:a="http://schemas.openxmlformats.org/drawingml/2006/main" xmlns:r="http://schemas.openxmlformats.org/officeDocument/2006/relationships" xmlns:p="http://schemas.openxmlformats.org/presentationml/2006/main">
   <p:cSld>
@@ -4110,7 +4137,7 @@
           <a:p>
             <a:r>
               <a:rPr lang="en-US" dirty="0" smtClean="0"/>
-              <a:t>Ten minute break…</a:t>
+              <a:t>More advanced filters…</a:t>
             </a:r>
             <a:endParaRPr lang="en-US" dirty="0"/>
           </a:p>
@@ -4118,12 +4145,12 @@
       </p:sp>
       <p:sp>
         <p:nvSpPr>
-          <p:cNvPr id="3" name="Text Placeholder 2"/>
-          <p:cNvSpPr>
-            <a:spLocks noGrp="1"/>
-          </p:cNvSpPr>
-          <p:nvPr>
-            <p:ph type="body" idx="1"/>
+          <p:cNvPr id="3" name="Content Placeholder 2"/>
+          <p:cNvSpPr>
+            <a:spLocks noGrp="1"/>
+          </p:cNvSpPr>
+          <p:nvPr>
+            <p:ph idx="1"/>
           </p:nvPr>
         </p:nvSpPr>
         <p:spPr/>
@@ -4131,14 +4158,60 @@
           <a:bodyPr/>
           <a:lstStyle/>
           <a:p>
-            <a:endParaRPr lang="en-US"/>
+            <a:r>
+              <a:rPr lang="en-US" dirty="0" smtClean="0"/>
+              <a:t>It is possible to make a multi-pole filter with a </a:t>
+            </a:r>
+            <a:r>
+              <a:rPr lang="en-US" dirty="0" err="1" smtClean="0"/>
+              <a:t>passband</a:t>
+            </a:r>
+            <a:r>
+              <a:rPr lang="en-US" dirty="0" smtClean="0"/>
+              <a:t> gain of 1 (or higher) by adding op-amps to the mix. </a:t>
+            </a:r>
+          </a:p>
+          <a:p>
+            <a:r>
+              <a:rPr lang="en-US" dirty="0" smtClean="0"/>
+              <a:t>A </a:t>
+            </a:r>
+            <a:r>
+              <a:rPr lang="en-US" dirty="0" err="1" smtClean="0"/>
+              <a:t>Sallen</a:t>
+            </a:r>
+            <a:r>
+              <a:rPr lang="en-US" dirty="0" smtClean="0"/>
+              <a:t>-Key filter gives two poles per op-amp</a:t>
+            </a:r>
+          </a:p>
+          <a:p>
+            <a:r>
+              <a:rPr lang="en-US" dirty="0" smtClean="0"/>
+              <a:t>A </a:t>
+            </a:r>
+            <a:r>
+              <a:rPr lang="en-US" dirty="0" err="1" smtClean="0"/>
+              <a:t>Biquad</a:t>
+            </a:r>
+            <a:r>
+              <a:rPr lang="en-US" dirty="0" smtClean="0"/>
+              <a:t> filter can, with proper passive selection, replicate any continuous filter function.</a:t>
+            </a:r>
+          </a:p>
+          <a:p>
+            <a:r>
+              <a:rPr lang="en-US" dirty="0" smtClean="0"/>
+              <a:t>Typical modern practice is to minimally filter the signal, oversample enormously, and then do all remaining filtering digitally.</a:t>
+            </a:r>
+            <a:endParaRPr lang="en-US" dirty="0"/>
           </a:p>
         </p:txBody>
       </p:sp>
     </p:spTree>
     <p:extLst>
       <p:ext uri="{BB962C8B-B14F-4D97-AF65-F5344CB8AC3E}">
-        <p14:creationId xmlns:p14="http://schemas.microsoft.com/office/powerpoint/2010/main" val="1439279044"/>
+        <p14:creationId xmlns:p14="http://schemas.microsoft.com/office/powerpoint/2010/main" val="546351892"/>
       </p:ext>
     </p:extLst>
   </p:cSld>
@@ -4182,6 +4255,78 @@
           <a:p>
             <a:r>
               <a:rPr lang="en-US" dirty="0" smtClean="0"/>
+              <a:t>Ten minute break…</a:t>
+            </a:r>
+            <a:endParaRPr lang="en-US" dirty="0"/>
+          </a:p>
+        </p:txBody>
+      </p:sp>
+      <p:sp>
+        <p:nvSpPr>
+          <p:cNvPr id="3" name="Text Placeholder 2"/>
+          <p:cNvSpPr>
+            <a:spLocks noGrp="1"/>
+          </p:cNvSpPr>
+          <p:nvPr>
+            <p:ph type="body" idx="1"/>
+          </p:nvPr>
+        </p:nvSpPr>
+        <p:spPr/>
+        <p:txBody>
+          <a:bodyPr/>
+          <a:lstStyle/>
+          <a:p>
+            <a:endParaRPr lang="en-US"/>
+          </a:p>
+        </p:txBody>
+      </p:sp>
+    </p:spTree>
+    <p:extLst>
+      <p:ext uri="{BB962C8B-B14F-4D97-AF65-F5344CB8AC3E}">
+        <p14:creationId xmlns:p14="http://schemas.microsoft.com/office/powerpoint/2010/main" val="1439279044"/>
+      </p:ext>
+    </p:extLst>
+  </p:cSld>
+  <p:clrMapOvr>
+    <a:masterClrMapping/>
+  </p:clrMapOvr>
+</p:sld>
+</file>
+
+<file path=ppt/slides/slide14.xml><?xml version="1.0" encoding="utf-8"?>
+<p:sld xmlns:a="http://schemas.openxmlformats.org/drawingml/2006/main" xmlns:r="http://schemas.openxmlformats.org/officeDocument/2006/relationships" xmlns:p="http://schemas.openxmlformats.org/presentationml/2006/main">
+  <p:cSld>
+    <p:spTree>
+      <p:nvGrpSpPr>
+        <p:cNvPr id="1" name=""/>
+        <p:cNvGrpSpPr/>
+        <p:nvPr/>
+      </p:nvGrpSpPr>
+      <p:grpSpPr>
+        <a:xfrm>
+          <a:off x="0" y="0"/>
+          <a:ext cx="0" cy="0"/>
+          <a:chOff x="0" y="0"/>
+          <a:chExt cx="0" cy="0"/>
+        </a:xfrm>
+      </p:grpSpPr>
+      <p:sp>
+        <p:nvSpPr>
+          <p:cNvPr id="2" name="Title 1"/>
+          <p:cNvSpPr>
+            <a:spLocks noGrp="1"/>
+          </p:cNvSpPr>
+          <p:nvPr>
+            <p:ph type="title"/>
+          </p:nvPr>
+        </p:nvSpPr>
+        <p:spPr/>
+        <p:txBody>
+          <a:bodyPr/>
+          <a:lstStyle/>
+          <a:p>
+            <a:r>
+              <a:rPr lang="en-US" dirty="0" smtClean="0"/>
               <a:t>Digital sensors</a:t>
             </a:r>
             <a:endParaRPr lang="en-US" dirty="0"/>
@@ -4236,7 +4381,7 @@
 </p:sld>
 </file>
 
-<file path=ppt/slides/slide14.xml><?xml version="1.0" encoding="utf-8"?>
+<file path=ppt/slides/slide15.xml><?xml version="1.0" encoding="utf-8"?>
 <p:sld xmlns:a="http://schemas.openxmlformats.org/drawingml/2006/main" xmlns:r="http://schemas.openxmlformats.org/officeDocument/2006/relationships" xmlns:p="http://schemas.openxmlformats.org/presentationml/2006/main">
   <p:cSld>
     <p:spTree>
@@ -4353,7 +4498,7 @@
 </p:sld>
 </file>
 
-<file path=ppt/slides/slide15.xml><?xml version="1.0" encoding="utf-8"?>
+<file path=ppt/slides/slide16.xml><?xml version="1.0" encoding="utf-8"?>
 <p:sld xmlns:a="http://schemas.openxmlformats.org/drawingml/2006/main" xmlns:r="http://schemas.openxmlformats.org/officeDocument/2006/relationships" xmlns:p="http://schemas.openxmlformats.org/presentationml/2006/main">
   <p:cSld>
     <p:spTree>
@@ -4500,126 +4645,6 @@
 </p:sld>
 </file>
 
-<file path=ppt/slides/slide16.xml><?xml version="1.0" encoding="utf-8"?>
-<p:sld xmlns:a="http://schemas.openxmlformats.org/drawingml/2006/main" xmlns:r="http://schemas.openxmlformats.org/officeDocument/2006/relationships" xmlns:p="http://schemas.openxmlformats.org/presentationml/2006/main">
-  <p:cSld>
-    <p:spTree>
-      <p:nvGrpSpPr>
-        <p:cNvPr id="1" name=""/>
-        <p:cNvGrpSpPr/>
-        <p:nvPr/>
-      </p:nvGrpSpPr>
-      <p:grpSpPr>
-        <a:xfrm>
-          <a:off x="0" y="0"/>
-          <a:ext cx="0" cy="0"/>
-          <a:chOff x="0" y="0"/>
-          <a:chExt cx="0" cy="0"/>
-        </a:xfrm>
-      </p:grpSpPr>
-      <p:sp>
-        <p:nvSpPr>
-          <p:cNvPr id="2" name="Title 1"/>
-          <p:cNvSpPr>
-            <a:spLocks noGrp="1"/>
-          </p:cNvSpPr>
-          <p:nvPr>
-            <p:ph type="title"/>
-          </p:nvPr>
-        </p:nvSpPr>
-        <p:spPr/>
-        <p:txBody>
-          <a:bodyPr/>
-          <a:lstStyle/>
-          <a:p>
-            <a:r>
-              <a:rPr lang="en-US" dirty="0" smtClean="0"/>
-              <a:t>Digital busses for sensors</a:t>
-            </a:r>
-            <a:endParaRPr lang="en-US" dirty="0"/>
-          </a:p>
-        </p:txBody>
-      </p:sp>
-      <p:sp>
-        <p:nvSpPr>
-          <p:cNvPr id="3" name="Content Placeholder 2"/>
-          <p:cNvSpPr>
-            <a:spLocks noGrp="1"/>
-          </p:cNvSpPr>
-          <p:nvPr>
-            <p:ph idx="1"/>
-          </p:nvPr>
-        </p:nvSpPr>
-        <p:spPr/>
-        <p:txBody>
-          <a:bodyPr>
-            <a:normAutofit lnSpcReduction="10000"/>
-          </a:bodyPr>
-          <a:lstStyle/>
-          <a:p>
-            <a:r>
-              <a:rPr lang="en-US" b="1" dirty="0" smtClean="0"/>
-              <a:t>TTL Serial </a:t>
-            </a:r>
-            <a:r>
-              <a:rPr lang="en-US" dirty="0" smtClean="0"/>
-              <a:t>– Simple, implemented in hardware on nearly every µC. One wire for each direction plus ground. </a:t>
-            </a:r>
-          </a:p>
-          <a:p>
-            <a:r>
-              <a:rPr lang="en-US" b="1" dirty="0" smtClean="0"/>
-              <a:t>Serial Peripheral Interface (SPI) </a:t>
-            </a:r>
-            <a:r>
-              <a:rPr lang="en-US" dirty="0" smtClean="0"/>
-              <a:t>– Widely implemented in hardware, speeds to ten of megabits/sec, good noise resistance. Requires three wires, ground, and one select line per device on multi-drop busses. Good noise immunity, fast. </a:t>
-            </a:r>
-          </a:p>
-          <a:p>
-            <a:r>
-              <a:rPr lang="en-US" b="1" dirty="0" smtClean="0"/>
-              <a:t>Parallel</a:t>
-            </a:r>
-            <a:r>
-              <a:rPr lang="en-US" dirty="0" smtClean="0"/>
-              <a:t> – One wire per bit plus ground and a clock/latch line. Extraordinarily fast.</a:t>
-            </a:r>
-          </a:p>
-          <a:p>
-            <a:r>
-              <a:rPr lang="en-US" b="1" dirty="0" smtClean="0"/>
-              <a:t>Inter-IC (I</a:t>
-            </a:r>
-            <a:r>
-              <a:rPr lang="en-US" b="1" baseline="30000" dirty="0" smtClean="0"/>
-              <a:t>2</a:t>
-            </a:r>
-            <a:r>
-              <a:rPr lang="en-US" b="1" dirty="0" smtClean="0"/>
-              <a:t>C) </a:t>
-            </a:r>
-            <a:r>
-              <a:rPr lang="en-US" dirty="0" smtClean="0"/>
-              <a:t>– Two wires (SDA &amp; SCL) plus ground. 7-bit addresses, so up to 112 devices on a single bus. Not very fast and questionable noise immunity, but very common.</a:t>
-            </a:r>
-            <a:endParaRPr lang="en-US" dirty="0"/>
-          </a:p>
-        </p:txBody>
-      </p:sp>
-    </p:spTree>
-    <p:extLst>
-      <p:ext uri="{BB962C8B-B14F-4D97-AF65-F5344CB8AC3E}">
-        <p14:creationId xmlns:p14="http://schemas.microsoft.com/office/powerpoint/2010/main" val="1190792738"/>
-      </p:ext>
-    </p:extLst>
-  </p:cSld>
-  <p:clrMapOvr>
-    <a:masterClrMapping/>
-  </p:clrMapOvr>
-</p:sld>
-</file>
-
 <file path=ppt/slides/slide17.xml><?xml version="1.0" encoding="utf-8"?>
 <p:sld xmlns:a="http://schemas.openxmlformats.org/drawingml/2006/main" xmlns:r="http://schemas.openxmlformats.org/officeDocument/2006/relationships" xmlns:p="http://schemas.openxmlformats.org/presentationml/2006/main">
   <p:cSld>
@@ -4654,76 +4679,74 @@
           <a:p>
             <a:r>
               <a:rPr lang="en-US" dirty="0" smtClean="0"/>
-              <a:t>I</a:t>
-            </a:r>
-            <a:r>
-              <a:rPr lang="en-US" baseline="30000" dirty="0" smtClean="0"/>
+              <a:t>Digital busses for sensors</a:t>
+            </a:r>
+            <a:endParaRPr lang="en-US" dirty="0"/>
+          </a:p>
+        </p:txBody>
+      </p:sp>
+      <p:sp>
+        <p:nvSpPr>
+          <p:cNvPr id="3" name="Content Placeholder 2"/>
+          <p:cNvSpPr>
+            <a:spLocks noGrp="1"/>
+          </p:cNvSpPr>
+          <p:nvPr>
+            <p:ph idx="1"/>
+          </p:nvPr>
+        </p:nvSpPr>
+        <p:spPr/>
+        <p:txBody>
+          <a:bodyPr>
+            <a:normAutofit lnSpcReduction="10000"/>
+          </a:bodyPr>
+          <a:lstStyle/>
+          <a:p>
+            <a:r>
+              <a:rPr lang="en-US" b="1" dirty="0" smtClean="0"/>
+              <a:t>TTL Serial </a:t>
+            </a:r>
+            <a:r>
+              <a:rPr lang="en-US" dirty="0" smtClean="0"/>
+              <a:t>– Simple, implemented in hardware on nearly every µC. One wire for each direction plus ground. </a:t>
+            </a:r>
+          </a:p>
+          <a:p>
+            <a:r>
+              <a:rPr lang="en-US" b="1" dirty="0" smtClean="0"/>
+              <a:t>Serial Peripheral Interface (SPI) </a:t>
+            </a:r>
+            <a:r>
+              <a:rPr lang="en-US" dirty="0" smtClean="0"/>
+              <a:t>– Widely implemented in hardware, speeds to ten of megabits/sec, good noise resistance. Requires three wires, ground, and one select line per device on multi-drop busses. Good noise immunity, fast. </a:t>
+            </a:r>
+          </a:p>
+          <a:p>
+            <a:r>
+              <a:rPr lang="en-US" b="1" dirty="0" smtClean="0"/>
+              <a:t>Parallel</a:t>
+            </a:r>
+            <a:r>
+              <a:rPr lang="en-US" dirty="0" smtClean="0"/>
+              <a:t> – One wire per bit plus ground and a clock/latch line. Extraordinarily fast.</a:t>
+            </a:r>
+          </a:p>
+          <a:p>
+            <a:r>
+              <a:rPr lang="en-US" b="1" dirty="0" smtClean="0"/>
+              <a:t>Inter-IC (I</a:t>
+            </a:r>
+            <a:r>
+              <a:rPr lang="en-US" b="1" baseline="30000" dirty="0" smtClean="0"/>
               <a:t>2</a:t>
             </a:r>
             <a:r>
-              <a:rPr lang="en-US" dirty="0" smtClean="0"/>
-              <a:t>C Properties</a:t>
-            </a:r>
-            <a:endParaRPr lang="en-US" dirty="0"/>
-          </a:p>
-        </p:txBody>
-      </p:sp>
-      <p:sp>
-        <p:nvSpPr>
-          <p:cNvPr id="3" name="Content Placeholder 2"/>
-          <p:cNvSpPr>
-            <a:spLocks noGrp="1"/>
-          </p:cNvSpPr>
-          <p:nvPr>
-            <p:ph idx="1"/>
-          </p:nvPr>
-        </p:nvSpPr>
-        <p:spPr/>
-        <p:txBody>
-          <a:bodyPr/>
-          <a:lstStyle/>
-          <a:p>
-            <a:r>
-              <a:rPr lang="en-US" dirty="0" smtClean="0"/>
-              <a:t>Leader-follower bus architecture. One device (the Arduino in our case) is the leader, and all other devices follow.</a:t>
-            </a:r>
-          </a:p>
-          <a:p>
-            <a:r>
-              <a:rPr lang="en-US" dirty="0" smtClean="0"/>
-              <a:t>SDA (data) and SCL (clock) lines are pulled up to </a:t>
-            </a:r>
-            <a:r>
-              <a:rPr lang="en-US" dirty="0" err="1" smtClean="0"/>
-              <a:t>Vcc</a:t>
-            </a:r>
-            <a:r>
-              <a:rPr lang="en-US" dirty="0" smtClean="0"/>
-              <a:t> by pull-up resistors. </a:t>
-            </a:r>
-          </a:p>
-          <a:p>
-            <a:r>
-              <a:rPr lang="en-US" dirty="0" smtClean="0"/>
-              <a:t>Active state (the one) of each line is ground.</a:t>
-            </a:r>
-          </a:p>
-          <a:p>
-            <a:r>
-              <a:rPr lang="en-US" dirty="0" smtClean="0"/>
-              <a:t>Typical clock frequency is 100 kHz</a:t>
-            </a:r>
-          </a:p>
-          <a:p>
-            <a:r>
-              <a:rPr lang="en-US" dirty="0" smtClean="0"/>
-              <a:t>High speed mode (supported by Atmega328P but not Arduino) is 400 kHz.</a:t>
-            </a:r>
-          </a:p>
-          <a:p>
-            <a:r>
-              <a:rPr lang="en-US" dirty="0" smtClean="0"/>
-              <a:t>Leader mode supported by Arduino Wire library. </a:t>
+              <a:rPr lang="en-US" b="1" dirty="0" smtClean="0"/>
+              <a:t>C) </a:t>
+            </a:r>
+            <a:r>
+              <a:rPr lang="en-US" dirty="0" smtClean="0"/>
+              <a:t>– Two wires (SDA &amp; SCL) plus ground. 7-bit addresses, so up to 112 devices on a single bus. Not very fast and questionable noise immunity, but very common.</a:t>
             </a:r>
             <a:endParaRPr lang="en-US" dirty="0"/>
           </a:p>
@@ -4732,7 +4755,7 @@
     </p:spTree>
     <p:extLst>
       <p:ext uri="{BB962C8B-B14F-4D97-AF65-F5344CB8AC3E}">
-        <p14:creationId xmlns:p14="http://schemas.microsoft.com/office/powerpoint/2010/main" val="731527401"/>
+        <p14:creationId xmlns:p14="http://schemas.microsoft.com/office/powerpoint/2010/main" val="1190792738"/>
       </p:ext>
     </p:extLst>
   </p:cSld>
@@ -4784,45 +4807,77 @@
             </a:r>
             <a:r>
               <a:rPr lang="en-US" dirty="0" smtClean="0"/>
-              <a:t>C Connections</a:t>
+              <a:t>C Properties</a:t>
             </a:r>
             <a:endParaRPr lang="en-US" dirty="0"/>
           </a:p>
         </p:txBody>
       </p:sp>
-      <p:pic>
-        <p:nvPicPr>
-          <p:cNvPr id="4" name="Content Placeholder 3"/>
-          <p:cNvPicPr>
-            <a:picLocks noGrp="1" noChangeAspect="1"/>
-          </p:cNvPicPr>
+      <p:sp>
+        <p:nvSpPr>
+          <p:cNvPr id="3" name="Content Placeholder 2"/>
+          <p:cNvSpPr>
+            <a:spLocks noGrp="1"/>
+          </p:cNvSpPr>
           <p:nvPr>
             <p:ph idx="1"/>
           </p:nvPr>
-        </p:nvPicPr>
-        <p:blipFill>
-          <a:blip r:embed="rId2">
-            <a:extLst>
-              <a:ext uri="{28A0092B-C50C-407E-A947-70E740481C1C}">
-                <a14:useLocalDpi xmlns:a14="http://schemas.microsoft.com/office/drawing/2010/main" val="0"/>
-              </a:ext>
-            </a:extLst>
-          </a:blip>
-          <a:stretch>
-            <a:fillRect/>
-          </a:stretch>
-        </p:blipFill>
-        <p:spPr>
-          <a:xfrm>
-            <a:off x="114693" y="2084832"/>
-            <a:ext cx="11962614" cy="3867912"/>
-          </a:xfrm>
-        </p:spPr>
-      </p:pic>
+        </p:nvSpPr>
+        <p:spPr/>
+        <p:txBody>
+          <a:bodyPr/>
+          <a:lstStyle/>
+          <a:p>
+            <a:r>
+              <a:rPr lang="en-US" dirty="0" smtClean="0"/>
+              <a:t>Leader-follower bus architecture. One device (the Arduino in our case) is the leader, and all other devices follow.</a:t>
+            </a:r>
+          </a:p>
+          <a:p>
+            <a:r>
+              <a:rPr lang="en-US" dirty="0" smtClean="0"/>
+              <a:t>SDA (data) and SCL (clock) lines are pulled up to </a:t>
+            </a:r>
+            <a:r>
+              <a:rPr lang="en-US" dirty="0" err="1" smtClean="0"/>
+              <a:t>Vcc</a:t>
+            </a:r>
+            <a:r>
+              <a:rPr lang="en-US" dirty="0" smtClean="0"/>
+              <a:t> by pull-up resistors. </a:t>
+            </a:r>
+          </a:p>
+          <a:p>
+            <a:r>
+              <a:rPr lang="en-US" dirty="0" smtClean="0"/>
+              <a:t>Active state (the one) of each line is ground.</a:t>
+            </a:r>
+          </a:p>
+          <a:p>
+            <a:r>
+              <a:rPr lang="en-US" dirty="0" smtClean="0"/>
+              <a:t>Typical clock frequency is 100 kHz</a:t>
+            </a:r>
+          </a:p>
+          <a:p>
+            <a:r>
+              <a:rPr lang="en-US" dirty="0" smtClean="0"/>
+              <a:t>High speed mode (supported by Atmega328P but not Arduino) is 400 kHz.</a:t>
+            </a:r>
+          </a:p>
+          <a:p>
+            <a:r>
+              <a:rPr lang="en-US" dirty="0" smtClean="0"/>
+              <a:t>Leader mode supported by Arduino Wire library. </a:t>
+            </a:r>
+            <a:endParaRPr lang="en-US" dirty="0"/>
+          </a:p>
+        </p:txBody>
+      </p:sp>
     </p:spTree>
     <p:extLst>
       <p:ext uri="{BB962C8B-B14F-4D97-AF65-F5344CB8AC3E}">
-        <p14:creationId xmlns:p14="http://schemas.microsoft.com/office/powerpoint/2010/main" val="2661629285"/>
+        <p14:creationId xmlns:p14="http://schemas.microsoft.com/office/powerpoint/2010/main" val="731527401"/>
       </p:ext>
     </p:extLst>
   </p:cSld>
@@ -4874,136 +4929,45 @@
             </a:r>
             <a:r>
               <a:rPr lang="en-US" dirty="0" smtClean="0"/>
-              <a:t>C </a:t>
-            </a:r>
-            <a:r>
-              <a:rPr lang="en-US" dirty="0"/>
-              <a:t>c</a:t>
-            </a:r>
-            <a:r>
-              <a:rPr lang="en-US" dirty="0" smtClean="0"/>
-              <a:t>omponent selection</a:t>
+              <a:t>C Connections</a:t>
             </a:r>
             <a:endParaRPr lang="en-US" dirty="0"/>
           </a:p>
         </p:txBody>
       </p:sp>
-      <p:sp>
-        <p:nvSpPr>
-          <p:cNvPr id="3" name="Content Placeholder 2"/>
-          <p:cNvSpPr>
-            <a:spLocks noGrp="1"/>
-          </p:cNvSpPr>
+      <p:pic>
+        <p:nvPicPr>
+          <p:cNvPr id="4" name="Content Placeholder 3"/>
+          <p:cNvPicPr>
+            <a:picLocks noGrp="1" noChangeAspect="1"/>
+          </p:cNvPicPr>
           <p:nvPr>
             <p:ph idx="1"/>
           </p:nvPr>
-        </p:nvSpPr>
-        <p:spPr/>
-        <p:txBody>
-          <a:bodyPr/>
-          <a:lstStyle/>
-          <a:p>
-            <a:r>
-              <a:rPr lang="en-US" dirty="0" smtClean="0"/>
-              <a:t>Minimize series resistances (</a:t>
-            </a:r>
-            <a:r>
-              <a:rPr lang="en-US" dirty="0" err="1" smtClean="0"/>
-              <a:t>R</a:t>
-            </a:r>
-            <a:r>
-              <a:rPr lang="en-US" baseline="-25000" dirty="0" err="1" smtClean="0"/>
-              <a:t>s</a:t>
-            </a:r>
-            <a:r>
-              <a:rPr lang="en-US" dirty="0" smtClean="0"/>
-              <a:t>)</a:t>
-            </a:r>
-          </a:p>
-          <a:p>
-            <a:r>
-              <a:rPr lang="en-US" dirty="0" smtClean="0"/>
-              <a:t>Pull-up resistors 2k</a:t>
-            </a:r>
-            <a:r>
-              <a:rPr lang="el-GR" dirty="0" smtClean="0"/>
-              <a:t>Ω</a:t>
-            </a:r>
-            <a:r>
-              <a:rPr lang="en-US" dirty="0" smtClean="0"/>
-              <a:t> – 10k</a:t>
-            </a:r>
-            <a:r>
-              <a:rPr lang="el-GR" dirty="0" smtClean="0"/>
-              <a:t>Ω</a:t>
-            </a:r>
-            <a:r>
-              <a:rPr lang="en-US" dirty="0" smtClean="0"/>
-              <a:t>. Smaller resistors for longer wires/faster speeds.</a:t>
-            </a:r>
-          </a:p>
-          <a:p>
-            <a:r>
-              <a:rPr lang="en-US" dirty="0" smtClean="0"/>
-              <a:t>Minimize parasitic capacitance between wires </a:t>
-            </a:r>
-            <a:r>
-              <a:rPr lang="en-US" dirty="0" smtClean="0"/>
-              <a:t>(</a:t>
-            </a:r>
-            <a:r>
-              <a:rPr lang="en-US" dirty="0"/>
-              <a:t>C</a:t>
-            </a:r>
-            <a:r>
-              <a:rPr lang="en-US" baseline="-25000" dirty="0" smtClean="0"/>
-              <a:t>c</a:t>
-            </a:r>
-            <a:r>
-              <a:rPr lang="en-US" dirty="0" smtClean="0"/>
-              <a:t>)</a:t>
-            </a:r>
-          </a:p>
-          <a:p>
-            <a:r>
-              <a:rPr lang="en-US" dirty="0" smtClean="0"/>
-              <a:t>Parasitic capacitance between wires and ground </a:t>
-            </a:r>
-            <a:r>
-              <a:rPr lang="en-US" dirty="0" smtClean="0"/>
-              <a:t>(</a:t>
-            </a:r>
-            <a:r>
-              <a:rPr lang="en-US" dirty="0" err="1" smtClean="0"/>
-              <a:t>C</a:t>
-            </a:r>
-            <a:r>
-              <a:rPr lang="en-US" baseline="-25000" dirty="0" err="1"/>
-              <a:t>p</a:t>
-            </a:r>
-            <a:r>
-              <a:rPr lang="en-US" dirty="0" smtClean="0"/>
-              <a:t>) must be less than 400 pF</a:t>
-            </a:r>
-          </a:p>
-          <a:p>
-            <a:r>
-              <a:rPr lang="en-US" dirty="0" smtClean="0"/>
-              <a:t>Longer lines = higher parasitic capacitance!</a:t>
-            </a:r>
-          </a:p>
-          <a:p>
-            <a:endParaRPr lang="en-US" dirty="0" smtClean="0"/>
-          </a:p>
-          <a:p>
-            <a:endParaRPr lang="en-US" dirty="0"/>
-          </a:p>
-        </p:txBody>
-      </p:sp>
+        </p:nvPicPr>
+        <p:blipFill>
+          <a:blip r:embed="rId2">
+            <a:extLst>
+              <a:ext uri="{28A0092B-C50C-407E-A947-70E740481C1C}">
+                <a14:useLocalDpi xmlns:a14="http://schemas.microsoft.com/office/drawing/2010/main" val="0"/>
+              </a:ext>
+            </a:extLst>
+          </a:blip>
+          <a:stretch>
+            <a:fillRect/>
+          </a:stretch>
+        </p:blipFill>
+        <p:spPr>
+          <a:xfrm>
+            <a:off x="114693" y="2084832"/>
+            <a:ext cx="11962614" cy="3867912"/>
+          </a:xfrm>
+        </p:spPr>
+      </p:pic>
     </p:spTree>
     <p:extLst>
       <p:ext uri="{BB962C8B-B14F-4D97-AF65-F5344CB8AC3E}">
-        <p14:creationId xmlns:p14="http://schemas.microsoft.com/office/powerpoint/2010/main" val="3749657524"/>
+        <p14:creationId xmlns:p14="http://schemas.microsoft.com/office/powerpoint/2010/main" val="2661629285"/>
       </p:ext>
     </p:extLst>
   </p:cSld>
@@ -5184,6 +5148,179 @@
             </a:r>
             <a:r>
               <a:rPr lang="en-US" dirty="0" smtClean="0"/>
+              <a:t>C </a:t>
+            </a:r>
+            <a:r>
+              <a:rPr lang="en-US" dirty="0"/>
+              <a:t>c</a:t>
+            </a:r>
+            <a:r>
+              <a:rPr lang="en-US" dirty="0" smtClean="0"/>
+              <a:t>omponent selection</a:t>
+            </a:r>
+            <a:endParaRPr lang="en-US" dirty="0"/>
+          </a:p>
+        </p:txBody>
+      </p:sp>
+      <p:sp>
+        <p:nvSpPr>
+          <p:cNvPr id="3" name="Content Placeholder 2"/>
+          <p:cNvSpPr>
+            <a:spLocks noGrp="1"/>
+          </p:cNvSpPr>
+          <p:nvPr>
+            <p:ph idx="1"/>
+          </p:nvPr>
+        </p:nvSpPr>
+        <p:spPr/>
+        <p:txBody>
+          <a:bodyPr/>
+          <a:lstStyle/>
+          <a:p>
+            <a:r>
+              <a:rPr lang="en-US" dirty="0" smtClean="0"/>
+              <a:t>Minimize series resistances (</a:t>
+            </a:r>
+            <a:r>
+              <a:rPr lang="en-US" dirty="0" err="1" smtClean="0"/>
+              <a:t>R</a:t>
+            </a:r>
+            <a:r>
+              <a:rPr lang="en-US" baseline="-25000" dirty="0" err="1" smtClean="0"/>
+              <a:t>s</a:t>
+            </a:r>
+            <a:r>
+              <a:rPr lang="en-US" dirty="0" smtClean="0"/>
+              <a:t>)</a:t>
+            </a:r>
+          </a:p>
+          <a:p>
+            <a:r>
+              <a:rPr lang="en-US" dirty="0" smtClean="0"/>
+              <a:t>Pull-up resistors 2k</a:t>
+            </a:r>
+            <a:r>
+              <a:rPr lang="el-GR" dirty="0" smtClean="0"/>
+              <a:t>Ω</a:t>
+            </a:r>
+            <a:r>
+              <a:rPr lang="en-US" dirty="0" smtClean="0"/>
+              <a:t> – 10k</a:t>
+            </a:r>
+            <a:r>
+              <a:rPr lang="el-GR" dirty="0" smtClean="0"/>
+              <a:t>Ω</a:t>
+            </a:r>
+            <a:r>
+              <a:rPr lang="en-US" dirty="0" smtClean="0"/>
+              <a:t>. Smaller resistors for longer wires/faster speeds.</a:t>
+            </a:r>
+          </a:p>
+          <a:p>
+            <a:r>
+              <a:rPr lang="en-US" dirty="0" smtClean="0"/>
+              <a:t>Minimize parasitic capacitance between wires (</a:t>
+            </a:r>
+            <a:r>
+              <a:rPr lang="en-US" dirty="0"/>
+              <a:t>C</a:t>
+            </a:r>
+            <a:r>
+              <a:rPr lang="en-US" baseline="-25000" dirty="0" smtClean="0"/>
+              <a:t>c</a:t>
+            </a:r>
+            <a:r>
+              <a:rPr lang="en-US" dirty="0" smtClean="0"/>
+              <a:t>)</a:t>
+            </a:r>
+          </a:p>
+          <a:p>
+            <a:r>
+              <a:rPr lang="en-US" dirty="0" smtClean="0"/>
+              <a:t>Parasitic capacitance between wires and ground (</a:t>
+            </a:r>
+            <a:r>
+              <a:rPr lang="en-US" dirty="0" err="1" smtClean="0"/>
+              <a:t>C</a:t>
+            </a:r>
+            <a:r>
+              <a:rPr lang="en-US" baseline="-25000" dirty="0" err="1"/>
+              <a:t>p</a:t>
+            </a:r>
+            <a:r>
+              <a:rPr lang="en-US" dirty="0" smtClean="0"/>
+              <a:t>) must be less than 400 pF</a:t>
+            </a:r>
+          </a:p>
+          <a:p>
+            <a:r>
+              <a:rPr lang="en-US" dirty="0" smtClean="0"/>
+              <a:t>Longer lines = higher parasitic capacitance!</a:t>
+            </a:r>
+          </a:p>
+          <a:p>
+            <a:endParaRPr lang="en-US" dirty="0" smtClean="0"/>
+          </a:p>
+          <a:p>
+            <a:endParaRPr lang="en-US" dirty="0"/>
+          </a:p>
+        </p:txBody>
+      </p:sp>
+    </p:spTree>
+    <p:extLst>
+      <p:ext uri="{BB962C8B-B14F-4D97-AF65-F5344CB8AC3E}">
+        <p14:creationId xmlns:p14="http://schemas.microsoft.com/office/powerpoint/2010/main" val="3749657524"/>
+      </p:ext>
+    </p:extLst>
+  </p:cSld>
+  <p:clrMapOvr>
+    <a:masterClrMapping/>
+  </p:clrMapOvr>
+</p:sld>
+</file>
+
+<file path=ppt/slides/slide21.xml><?xml version="1.0" encoding="utf-8"?>
+<p:sld xmlns:a="http://schemas.openxmlformats.org/drawingml/2006/main" xmlns:r="http://schemas.openxmlformats.org/officeDocument/2006/relationships" xmlns:p="http://schemas.openxmlformats.org/presentationml/2006/main">
+  <p:cSld>
+    <p:spTree>
+      <p:nvGrpSpPr>
+        <p:cNvPr id="1" name=""/>
+        <p:cNvGrpSpPr/>
+        <p:nvPr/>
+      </p:nvGrpSpPr>
+      <p:grpSpPr>
+        <a:xfrm>
+          <a:off x="0" y="0"/>
+          <a:ext cx="0" cy="0"/>
+          <a:chOff x="0" y="0"/>
+          <a:chExt cx="0" cy="0"/>
+        </a:xfrm>
+      </p:grpSpPr>
+      <p:sp>
+        <p:nvSpPr>
+          <p:cNvPr id="2" name="Title 1"/>
+          <p:cNvSpPr>
+            <a:spLocks noGrp="1"/>
+          </p:cNvSpPr>
+          <p:nvPr>
+            <p:ph type="title"/>
+          </p:nvPr>
+        </p:nvSpPr>
+        <p:spPr/>
+        <p:txBody>
+          <a:bodyPr/>
+          <a:lstStyle/>
+          <a:p>
+            <a:r>
+              <a:rPr lang="en-US" dirty="0" smtClean="0"/>
+              <a:t>I</a:t>
+            </a:r>
+            <a:r>
+              <a:rPr lang="en-US" baseline="30000" dirty="0" smtClean="0"/>
+              <a:t>2</a:t>
+            </a:r>
+            <a:r>
+              <a:rPr lang="en-US" dirty="0" smtClean="0"/>
               <a:t>C communications</a:t>
             </a:r>
             <a:endParaRPr lang="en-US" dirty="0"/>
@@ -5232,78 +5369,6 @@
 </p:sld>
 </file>
 
-<file path=ppt/slides/slide21.xml><?xml version="1.0" encoding="utf-8"?>
-<p:sld xmlns:a="http://schemas.openxmlformats.org/drawingml/2006/main" xmlns:r="http://schemas.openxmlformats.org/officeDocument/2006/relationships" xmlns:p="http://schemas.openxmlformats.org/presentationml/2006/main">
-  <p:cSld>
-    <p:spTree>
-      <p:nvGrpSpPr>
-        <p:cNvPr id="1" name=""/>
-        <p:cNvGrpSpPr/>
-        <p:nvPr/>
-      </p:nvGrpSpPr>
-      <p:grpSpPr>
-        <a:xfrm>
-          <a:off x="0" y="0"/>
-          <a:ext cx="0" cy="0"/>
-          <a:chOff x="0" y="0"/>
-          <a:chExt cx="0" cy="0"/>
-        </a:xfrm>
-      </p:grpSpPr>
-      <p:sp>
-        <p:nvSpPr>
-          <p:cNvPr id="2" name="Title 1"/>
-          <p:cNvSpPr>
-            <a:spLocks noGrp="1"/>
-          </p:cNvSpPr>
-          <p:nvPr>
-            <p:ph type="title"/>
-          </p:nvPr>
-        </p:nvSpPr>
-        <p:spPr/>
-        <p:txBody>
-          <a:bodyPr/>
-          <a:lstStyle/>
-          <a:p>
-            <a:r>
-              <a:rPr lang="en-US" dirty="0" smtClean="0"/>
-              <a:t>Ten minute break…</a:t>
-            </a:r>
-            <a:endParaRPr lang="en-US" dirty="0"/>
-          </a:p>
-        </p:txBody>
-      </p:sp>
-      <p:sp>
-        <p:nvSpPr>
-          <p:cNvPr id="3" name="Text Placeholder 2"/>
-          <p:cNvSpPr>
-            <a:spLocks noGrp="1"/>
-          </p:cNvSpPr>
-          <p:nvPr>
-            <p:ph type="body" idx="1"/>
-          </p:nvPr>
-        </p:nvSpPr>
-        <p:spPr/>
-        <p:txBody>
-          <a:bodyPr/>
-          <a:lstStyle/>
-          <a:p>
-            <a:endParaRPr lang="en-US"/>
-          </a:p>
-        </p:txBody>
-      </p:sp>
-    </p:spTree>
-    <p:extLst>
-      <p:ext uri="{BB962C8B-B14F-4D97-AF65-F5344CB8AC3E}">
-        <p14:creationId xmlns:p14="http://schemas.microsoft.com/office/powerpoint/2010/main" val="592059412"/>
-      </p:ext>
-    </p:extLst>
-  </p:cSld>
-  <p:clrMapOvr>
-    <a:masterClrMapping/>
-  </p:clrMapOvr>
-</p:sld>
-</file>
-
 <file path=ppt/slides/slide22.xml><?xml version="1.0" encoding="utf-8"?>
 <p:sld xmlns:a="http://schemas.openxmlformats.org/drawingml/2006/main" xmlns:r="http://schemas.openxmlformats.org/officeDocument/2006/relationships" xmlns:p="http://schemas.openxmlformats.org/presentationml/2006/main">
   <p:cSld>
@@ -5338,7 +5403,7 @@
           <a:p>
             <a:r>
               <a:rPr lang="en-US" dirty="0" smtClean="0"/>
-              <a:t>9-DoF IMU</a:t>
+              <a:t>Ten minute break…</a:t>
             </a:r>
             <a:endParaRPr lang="en-US" dirty="0"/>
           </a:p>
@@ -5346,12 +5411,12 @@
       </p:sp>
       <p:sp>
         <p:nvSpPr>
-          <p:cNvPr id="3" name="Content Placeholder 2"/>
-          <p:cNvSpPr>
-            <a:spLocks noGrp="1"/>
-          </p:cNvSpPr>
-          <p:nvPr>
-            <p:ph idx="1"/>
+          <p:cNvPr id="3" name="Text Placeholder 2"/>
+          <p:cNvSpPr>
+            <a:spLocks noGrp="1"/>
+          </p:cNvSpPr>
+          <p:nvPr>
+            <p:ph type="body" idx="1"/>
           </p:nvPr>
         </p:nvSpPr>
         <p:spPr/>
@@ -5359,59 +5424,14 @@
           <a:bodyPr/>
           <a:lstStyle/>
           <a:p>
-            <a:r>
-              <a:rPr lang="en-US" dirty="0" smtClean="0"/>
-              <a:t>Nine degrees of freedom inertial measurement unit</a:t>
-            </a:r>
-          </a:p>
-          <a:p>
-            <a:pPr lvl="1"/>
-            <a:r>
-              <a:rPr lang="en-US" dirty="0" smtClean="0"/>
-              <a:t>3 axis accelerometer</a:t>
-            </a:r>
-          </a:p>
-          <a:p>
-            <a:pPr lvl="1"/>
-            <a:r>
-              <a:rPr lang="en-US" dirty="0" smtClean="0"/>
-              <a:t>3 axis rate gyroscope</a:t>
-            </a:r>
-          </a:p>
-          <a:p>
-            <a:pPr lvl="1"/>
-            <a:r>
-              <a:rPr lang="en-US" dirty="0" smtClean="0"/>
-              <a:t>3 axis magnetometer (compass)</a:t>
-            </a:r>
-          </a:p>
-          <a:p>
-            <a:r>
-              <a:rPr lang="en-US" dirty="0" smtClean="0"/>
-              <a:t>All sensors communicate I</a:t>
-            </a:r>
-            <a:r>
-              <a:rPr lang="en-US" baseline="30000" dirty="0" smtClean="0"/>
-              <a:t>2</a:t>
-            </a:r>
-            <a:r>
-              <a:rPr lang="en-US" dirty="0" smtClean="0"/>
-              <a:t>C</a:t>
-            </a:r>
-          </a:p>
-          <a:p>
-            <a:r>
-              <a:rPr lang="en-US" dirty="0" smtClean="0"/>
-              <a:t>Cheap sensors enabled by cell phone requirements</a:t>
-            </a:r>
-            <a:endParaRPr lang="en-US" dirty="0"/>
+            <a:endParaRPr lang="en-US"/>
           </a:p>
         </p:txBody>
       </p:sp>
     </p:spTree>
     <p:extLst>
       <p:ext uri="{BB962C8B-B14F-4D97-AF65-F5344CB8AC3E}">
-        <p14:creationId xmlns:p14="http://schemas.microsoft.com/office/powerpoint/2010/main" val="2617838939"/>
+        <p14:creationId xmlns:p14="http://schemas.microsoft.com/office/powerpoint/2010/main" val="592059412"/>
       </p:ext>
     </p:extLst>
   </p:cSld>
@@ -5438,43 +5458,38 @@
           <a:chExt cx="0" cy="0"/>
         </a:xfrm>
       </p:grpSpPr>
-      <p:pic>
-        <p:nvPicPr>
-          <p:cNvPr id="4" name="Content Placeholder 3"/>
-          <p:cNvPicPr>
-            <a:picLocks noGrp="1" noChangeAspect="1"/>
-          </p:cNvPicPr>
+      <p:sp>
+        <p:nvSpPr>
+          <p:cNvPr id="2" name="Title 1"/>
+          <p:cNvSpPr>
+            <a:spLocks noGrp="1"/>
+          </p:cNvSpPr>
+          <p:nvPr>
+            <p:ph type="title"/>
+          </p:nvPr>
+        </p:nvSpPr>
+        <p:spPr/>
+        <p:txBody>
+          <a:bodyPr/>
+          <a:lstStyle/>
+          <a:p>
+            <a:r>
+              <a:rPr lang="en-US" dirty="0" smtClean="0"/>
+              <a:t>9-DoF IMU</a:t>
+            </a:r>
+            <a:endParaRPr lang="en-US" dirty="0"/>
+          </a:p>
+        </p:txBody>
+      </p:sp>
+      <p:sp>
+        <p:nvSpPr>
+          <p:cNvPr id="3" name="Content Placeholder 2"/>
+          <p:cNvSpPr>
+            <a:spLocks noGrp="1"/>
+          </p:cNvSpPr>
           <p:nvPr>
             <p:ph idx="1"/>
           </p:nvPr>
-        </p:nvPicPr>
-        <p:blipFill rotWithShape="1">
-          <a:blip r:embed="rId2" cstate="print">
-            <a:extLst>
-              <a:ext uri="{28A0092B-C50C-407E-A947-70E740481C1C}">
-                <a14:useLocalDpi xmlns:a14="http://schemas.microsoft.com/office/drawing/2010/main" val="0"/>
-              </a:ext>
-            </a:extLst>
-          </a:blip>
-          <a:srcRect b="5591"/>
-          <a:stretch/>
-        </p:blipFill>
-        <p:spPr>
-          <a:xfrm rot="5400000">
-            <a:off x="3551574" y="-136070"/>
-            <a:ext cx="6036783" cy="7562092"/>
-          </a:xfrm>
-        </p:spPr>
-      </p:pic>
-      <p:sp>
-        <p:nvSpPr>
-          <p:cNvPr id="2" name="Title 1"/>
-          <p:cNvSpPr>
-            <a:spLocks noGrp="1"/>
-          </p:cNvSpPr>
-          <p:nvPr>
-            <p:ph type="title"/>
-          </p:nvPr>
         </p:nvSpPr>
         <p:spPr/>
         <p:txBody>
@@ -5483,7 +5498,48 @@
           <a:p>
             <a:r>
               <a:rPr lang="en-US" dirty="0" smtClean="0"/>
-              <a:t>Wiring up the IMU</a:t>
+              <a:t>Nine degrees of freedom inertial measurement unit</a:t>
+            </a:r>
+          </a:p>
+          <a:p>
+            <a:pPr lvl="1"/>
+            <a:r>
+              <a:rPr lang="en-US" dirty="0" smtClean="0"/>
+              <a:t>3 axis accelerometer</a:t>
+            </a:r>
+          </a:p>
+          <a:p>
+            <a:pPr lvl="1"/>
+            <a:r>
+              <a:rPr lang="en-US" dirty="0" smtClean="0"/>
+              <a:t>3 axis rate gyroscope</a:t>
+            </a:r>
+          </a:p>
+          <a:p>
+            <a:pPr lvl="1"/>
+            <a:r>
+              <a:rPr lang="en-US" dirty="0" smtClean="0"/>
+              <a:t>3 axis magnetometer (compass)</a:t>
+            </a:r>
+          </a:p>
+          <a:p>
+            <a:r>
+              <a:rPr lang="en-US" dirty="0" smtClean="0"/>
+              <a:t>All sensors communicate I</a:t>
+            </a:r>
+            <a:r>
+              <a:rPr lang="en-US" baseline="30000" dirty="0" smtClean="0"/>
+              <a:t>2</a:t>
+            </a:r>
+            <a:r>
+              <a:rPr lang="en-US" dirty="0" smtClean="0"/>
+              <a:t>C</a:t>
+            </a:r>
+          </a:p>
+          <a:p>
+            <a:r>
+              <a:rPr lang="en-US" dirty="0" smtClean="0"/>
+              <a:t>Cheap sensors enabled by cell phone requirements</a:t>
             </a:r>
             <a:endParaRPr lang="en-US" dirty="0"/>
           </a:p>
@@ -5492,7 +5548,7 @@
     </p:spTree>
     <p:extLst>
       <p:ext uri="{BB962C8B-B14F-4D97-AF65-F5344CB8AC3E}">
-        <p14:creationId xmlns:p14="http://schemas.microsoft.com/office/powerpoint/2010/main" val="1093685422"/>
+        <p14:creationId xmlns:p14="http://schemas.microsoft.com/office/powerpoint/2010/main" val="2617838939"/>
       </p:ext>
     </p:extLst>
   </p:cSld>
@@ -5519,6 +5575,87 @@
           <a:chExt cx="0" cy="0"/>
         </a:xfrm>
       </p:grpSpPr>
+      <p:pic>
+        <p:nvPicPr>
+          <p:cNvPr id="4" name="Content Placeholder 3"/>
+          <p:cNvPicPr>
+            <a:picLocks noGrp="1" noChangeAspect="1"/>
+          </p:cNvPicPr>
+          <p:nvPr>
+            <p:ph idx="1"/>
+          </p:nvPr>
+        </p:nvPicPr>
+        <p:blipFill rotWithShape="1">
+          <a:blip r:embed="rId2" cstate="print">
+            <a:extLst>
+              <a:ext uri="{28A0092B-C50C-407E-A947-70E740481C1C}">
+                <a14:useLocalDpi xmlns:a14="http://schemas.microsoft.com/office/drawing/2010/main" val="0"/>
+              </a:ext>
+            </a:extLst>
+          </a:blip>
+          <a:srcRect b="5591"/>
+          <a:stretch/>
+        </p:blipFill>
+        <p:spPr>
+          <a:xfrm rot="5400000">
+            <a:off x="3551574" y="-136070"/>
+            <a:ext cx="6036783" cy="7562092"/>
+          </a:xfrm>
+        </p:spPr>
+      </p:pic>
+      <p:sp>
+        <p:nvSpPr>
+          <p:cNvPr id="2" name="Title 1"/>
+          <p:cNvSpPr>
+            <a:spLocks noGrp="1"/>
+          </p:cNvSpPr>
+          <p:nvPr>
+            <p:ph type="title"/>
+          </p:nvPr>
+        </p:nvSpPr>
+        <p:spPr/>
+        <p:txBody>
+          <a:bodyPr/>
+          <a:lstStyle/>
+          <a:p>
+            <a:r>
+              <a:rPr lang="en-US" dirty="0" smtClean="0"/>
+              <a:t>Wiring up the IMU</a:t>
+            </a:r>
+            <a:endParaRPr lang="en-US" dirty="0"/>
+          </a:p>
+        </p:txBody>
+      </p:sp>
+    </p:spTree>
+    <p:extLst>
+      <p:ext uri="{BB962C8B-B14F-4D97-AF65-F5344CB8AC3E}">
+        <p14:creationId xmlns:p14="http://schemas.microsoft.com/office/powerpoint/2010/main" val="1093685422"/>
+      </p:ext>
+    </p:extLst>
+  </p:cSld>
+  <p:clrMapOvr>
+    <a:masterClrMapping/>
+  </p:clrMapOvr>
+</p:sld>
+</file>
+
+<file path=ppt/slides/slide25.xml><?xml version="1.0" encoding="utf-8"?>
+<p:sld xmlns:a="http://schemas.openxmlformats.org/drawingml/2006/main" xmlns:r="http://schemas.openxmlformats.org/officeDocument/2006/relationships" xmlns:p="http://schemas.openxmlformats.org/presentationml/2006/main">
+  <p:cSld>
+    <p:spTree>
+      <p:nvGrpSpPr>
+        <p:cNvPr id="1" name=""/>
+        <p:cNvGrpSpPr/>
+        <p:nvPr/>
+      </p:nvGrpSpPr>
+      <p:grpSpPr>
+        <a:xfrm>
+          <a:off x="0" y="0"/>
+          <a:ext cx="0" cy="0"/>
+          <a:chOff x="0" y="0"/>
+          <a:chExt cx="0" cy="0"/>
+        </a:xfrm>
+      </p:grpSpPr>
       <p:sp>
         <p:nvSpPr>
           <p:cNvPr id="2" name="Title 1"/>
@@ -5588,7 +5725,18 @@
             <a:pPr lvl="1"/>
             <a:r>
               <a:rPr lang="en-US" dirty="0" smtClean="0"/>
-              <a:t>Adafruit_LSM303DLHC (accelerometer &amp; magnetometer)</a:t>
+              <a:t>Adafruit_LSM303DLHC (accelerometer &amp; magnetometer</a:t>
+            </a:r>
+            <a:r>
+              <a:rPr lang="en-US" dirty="0" smtClean="0"/>
+              <a:t>)</a:t>
+            </a:r>
+          </a:p>
+          <a:p>
+            <a:pPr lvl="1"/>
+            <a:r>
+              <a:rPr lang="en-US" dirty="0" err="1" smtClean="0"/>
+              <a:t>Adafruit_AHRS</a:t>
             </a:r>
             <a:endParaRPr lang="en-US" dirty="0"/>
           </a:p>
@@ -5598,6 +5746,341 @@
     <p:extLst>
       <p:ext uri="{BB962C8B-B14F-4D97-AF65-F5344CB8AC3E}">
         <p14:creationId xmlns:p14="http://schemas.microsoft.com/office/powerpoint/2010/main" val="724928521"/>
+      </p:ext>
+    </p:extLst>
+  </p:cSld>
+  <p:clrMapOvr>
+    <a:masterClrMapping/>
+  </p:clrMapOvr>
+</p:sld>
+</file>
+
+<file path=ppt/slides/slide26.xml><?xml version="1.0" encoding="utf-8"?>
+<p:sld xmlns:a="http://schemas.openxmlformats.org/drawingml/2006/main" xmlns:r="http://schemas.openxmlformats.org/officeDocument/2006/relationships" xmlns:p="http://schemas.openxmlformats.org/presentationml/2006/main">
+  <p:cSld>
+    <p:spTree>
+      <p:nvGrpSpPr>
+        <p:cNvPr id="1" name=""/>
+        <p:cNvGrpSpPr/>
+        <p:nvPr/>
+      </p:nvGrpSpPr>
+      <p:grpSpPr>
+        <a:xfrm>
+          <a:off x="0" y="0"/>
+          <a:ext cx="0" cy="0"/>
+          <a:chOff x="0" y="0"/>
+          <a:chExt cx="0" cy="0"/>
+        </a:xfrm>
+      </p:grpSpPr>
+      <p:sp>
+        <p:nvSpPr>
+          <p:cNvPr id="2" name="Title 1"/>
+          <p:cNvSpPr>
+            <a:spLocks noGrp="1"/>
+          </p:cNvSpPr>
+          <p:nvPr>
+            <p:ph type="title"/>
+          </p:nvPr>
+        </p:nvSpPr>
+        <p:spPr>
+          <a:xfrm>
+            <a:off x="838200" y="365125"/>
+            <a:ext cx="4575048" cy="5962523"/>
+          </a:xfrm>
+        </p:spPr>
+        <p:txBody>
+          <a:bodyPr>
+            <a:normAutofit/>
+          </a:bodyPr>
+          <a:lstStyle/>
+          <a:p>
+            <a:r>
+              <a:rPr lang="en-US" dirty="0" smtClean="0"/>
+              <a:t>Opening the ‘tester’ example sketch</a:t>
+            </a:r>
+            <a:endParaRPr lang="en-US" dirty="0"/>
+          </a:p>
+        </p:txBody>
+      </p:sp>
+      <p:pic>
+        <p:nvPicPr>
+          <p:cNvPr id="4" name="Content Placeholder 3"/>
+          <p:cNvPicPr>
+            <a:picLocks noGrp="1" noChangeAspect="1"/>
+          </p:cNvPicPr>
+          <p:nvPr>
+            <p:ph idx="1"/>
+          </p:nvPr>
+        </p:nvPicPr>
+        <p:blipFill>
+          <a:blip r:embed="rId2">
+            <a:extLst>
+              <a:ext uri="{28A0092B-C50C-407E-A947-70E740481C1C}">
+                <a14:useLocalDpi xmlns:a14="http://schemas.microsoft.com/office/drawing/2010/main" val="0"/>
+              </a:ext>
+            </a:extLst>
+          </a:blip>
+          <a:stretch>
+            <a:fillRect/>
+          </a:stretch>
+        </p:blipFill>
+        <p:spPr>
+          <a:xfrm>
+            <a:off x="5576098" y="19416"/>
+            <a:ext cx="5543006" cy="6838584"/>
+          </a:xfrm>
+        </p:spPr>
+      </p:pic>
+    </p:spTree>
+    <p:extLst>
+      <p:ext uri="{BB962C8B-B14F-4D97-AF65-F5344CB8AC3E}">
+        <p14:creationId xmlns:p14="http://schemas.microsoft.com/office/powerpoint/2010/main" val="3462843409"/>
+      </p:ext>
+    </p:extLst>
+  </p:cSld>
+  <p:clrMapOvr>
+    <a:masterClrMapping/>
+  </p:clrMapOvr>
+</p:sld>
+</file>
+
+<file path=ppt/slides/slide27.xml><?xml version="1.0" encoding="utf-8"?>
+<p:sld xmlns:a="http://schemas.openxmlformats.org/drawingml/2006/main" xmlns:r="http://schemas.openxmlformats.org/officeDocument/2006/relationships" xmlns:p="http://schemas.openxmlformats.org/presentationml/2006/main">
+  <p:cSld>
+    <p:spTree>
+      <p:nvGrpSpPr>
+        <p:cNvPr id="1" name=""/>
+        <p:cNvGrpSpPr/>
+        <p:nvPr/>
+      </p:nvGrpSpPr>
+      <p:grpSpPr>
+        <a:xfrm>
+          <a:off x="0" y="0"/>
+          <a:ext cx="0" cy="0"/>
+          <a:chOff x="0" y="0"/>
+          <a:chExt cx="0" cy="0"/>
+        </a:xfrm>
+      </p:grpSpPr>
+      <p:sp>
+        <p:nvSpPr>
+          <p:cNvPr id="2" name="Title 1"/>
+          <p:cNvSpPr>
+            <a:spLocks noGrp="1"/>
+          </p:cNvSpPr>
+          <p:nvPr>
+            <p:ph type="title"/>
+          </p:nvPr>
+        </p:nvSpPr>
+        <p:spPr/>
+        <p:txBody>
+          <a:bodyPr/>
+          <a:lstStyle/>
+          <a:p>
+            <a:r>
+              <a:rPr lang="en-US" dirty="0" smtClean="0"/>
+              <a:t>Start of the code…</a:t>
+            </a:r>
+            <a:endParaRPr lang="en-US" dirty="0"/>
+          </a:p>
+        </p:txBody>
+      </p:sp>
+      <p:pic>
+        <p:nvPicPr>
+          <p:cNvPr id="4" name="Content Placeholder 3"/>
+          <p:cNvPicPr>
+            <a:picLocks noGrp="1" noChangeAspect="1"/>
+          </p:cNvPicPr>
+          <p:nvPr>
+            <p:ph idx="1"/>
+          </p:nvPr>
+        </p:nvPicPr>
+        <p:blipFill>
+          <a:blip r:embed="rId2">
+            <a:extLst>
+              <a:ext uri="{28A0092B-C50C-407E-A947-70E740481C1C}">
+                <a14:useLocalDpi xmlns:a14="http://schemas.microsoft.com/office/drawing/2010/main" val="0"/>
+              </a:ext>
+            </a:extLst>
+          </a:blip>
+          <a:stretch>
+            <a:fillRect/>
+          </a:stretch>
+        </p:blipFill>
+        <p:spPr>
+          <a:xfrm>
+            <a:off x="1753885" y="1690688"/>
+            <a:ext cx="7856459" cy="5070790"/>
+          </a:xfrm>
+        </p:spPr>
+      </p:pic>
+    </p:spTree>
+    <p:extLst>
+      <p:ext uri="{BB962C8B-B14F-4D97-AF65-F5344CB8AC3E}">
+        <p14:creationId xmlns:p14="http://schemas.microsoft.com/office/powerpoint/2010/main" val="1413341004"/>
+      </p:ext>
+    </p:extLst>
+  </p:cSld>
+  <p:clrMapOvr>
+    <a:masterClrMapping/>
+  </p:clrMapOvr>
+</p:sld>
+</file>
+
+<file path=ppt/slides/slide28.xml><?xml version="1.0" encoding="utf-8"?>
+<p:sld xmlns:a="http://schemas.openxmlformats.org/drawingml/2006/main" xmlns:r="http://schemas.openxmlformats.org/officeDocument/2006/relationships" xmlns:p="http://schemas.openxmlformats.org/presentationml/2006/main">
+  <p:cSld>
+    <p:spTree>
+      <p:nvGrpSpPr>
+        <p:cNvPr id="1" name=""/>
+        <p:cNvGrpSpPr/>
+        <p:nvPr/>
+      </p:nvGrpSpPr>
+      <p:grpSpPr>
+        <a:xfrm>
+          <a:off x="0" y="0"/>
+          <a:ext cx="0" cy="0"/>
+          <a:chOff x="0" y="0"/>
+          <a:chExt cx="0" cy="0"/>
+        </a:xfrm>
+      </p:grpSpPr>
+      <p:sp>
+        <p:nvSpPr>
+          <p:cNvPr id="2" name="Title 1"/>
+          <p:cNvSpPr>
+            <a:spLocks noGrp="1"/>
+          </p:cNvSpPr>
+          <p:nvPr>
+            <p:ph type="title"/>
+          </p:nvPr>
+        </p:nvSpPr>
+        <p:spPr/>
+        <p:txBody>
+          <a:bodyPr/>
+          <a:lstStyle/>
+          <a:p>
+            <a:r>
+              <a:rPr lang="en-US" dirty="0" smtClean="0"/>
+              <a:t>Setup…</a:t>
+            </a:r>
+            <a:endParaRPr lang="en-US" dirty="0"/>
+          </a:p>
+        </p:txBody>
+      </p:sp>
+      <p:pic>
+        <p:nvPicPr>
+          <p:cNvPr id="4" name="Content Placeholder 3"/>
+          <p:cNvPicPr>
+            <a:picLocks noGrp="1" noChangeAspect="1"/>
+          </p:cNvPicPr>
+          <p:nvPr>
+            <p:ph idx="1"/>
+          </p:nvPr>
+        </p:nvPicPr>
+        <p:blipFill>
+          <a:blip r:embed="rId2">
+            <a:extLst>
+              <a:ext uri="{28A0092B-C50C-407E-A947-70E740481C1C}">
+                <a14:useLocalDpi xmlns:a14="http://schemas.microsoft.com/office/drawing/2010/main" val="0"/>
+              </a:ext>
+            </a:extLst>
+          </a:blip>
+          <a:stretch>
+            <a:fillRect/>
+          </a:stretch>
+        </p:blipFill>
+        <p:spPr>
+          <a:xfrm>
+            <a:off x="3069885" y="350890"/>
+            <a:ext cx="8283915" cy="6274131"/>
+          </a:xfrm>
+        </p:spPr>
+      </p:pic>
+    </p:spTree>
+    <p:extLst>
+      <p:ext uri="{BB962C8B-B14F-4D97-AF65-F5344CB8AC3E}">
+        <p14:creationId xmlns:p14="http://schemas.microsoft.com/office/powerpoint/2010/main" val="277607875"/>
+      </p:ext>
+    </p:extLst>
+  </p:cSld>
+  <p:clrMapOvr>
+    <a:masterClrMapping/>
+  </p:clrMapOvr>
+</p:sld>
+</file>
+
+<file path=ppt/slides/slide29.xml><?xml version="1.0" encoding="utf-8"?>
+<p:sld xmlns:a="http://schemas.openxmlformats.org/drawingml/2006/main" xmlns:r="http://schemas.openxmlformats.org/officeDocument/2006/relationships" xmlns:p="http://schemas.openxmlformats.org/presentationml/2006/main">
+  <p:cSld>
+    <p:spTree>
+      <p:nvGrpSpPr>
+        <p:cNvPr id="1" name=""/>
+        <p:cNvGrpSpPr/>
+        <p:nvPr/>
+      </p:nvGrpSpPr>
+      <p:grpSpPr>
+        <a:xfrm>
+          <a:off x="0" y="0"/>
+          <a:ext cx="0" cy="0"/>
+          <a:chOff x="0" y="0"/>
+          <a:chExt cx="0" cy="0"/>
+        </a:xfrm>
+      </p:grpSpPr>
+      <p:sp>
+        <p:nvSpPr>
+          <p:cNvPr id="2" name="Title 1"/>
+          <p:cNvSpPr>
+            <a:spLocks noGrp="1"/>
+          </p:cNvSpPr>
+          <p:nvPr>
+            <p:ph type="title"/>
+          </p:nvPr>
+        </p:nvSpPr>
+        <p:spPr/>
+        <p:txBody>
+          <a:bodyPr/>
+          <a:lstStyle/>
+          <a:p>
+            <a:r>
+              <a:rPr lang="en-US" dirty="0" smtClean="0"/>
+              <a:t>Grabbing &amp; printing the data</a:t>
+            </a:r>
+            <a:endParaRPr lang="en-US" dirty="0"/>
+          </a:p>
+        </p:txBody>
+      </p:sp>
+      <p:pic>
+        <p:nvPicPr>
+          <p:cNvPr id="4" name="Content Placeholder 3"/>
+          <p:cNvPicPr>
+            <a:picLocks noGrp="1" noChangeAspect="1"/>
+          </p:cNvPicPr>
+          <p:nvPr>
+            <p:ph idx="1"/>
+          </p:nvPr>
+        </p:nvPicPr>
+        <p:blipFill>
+          <a:blip r:embed="rId2">
+            <a:extLst>
+              <a:ext uri="{28A0092B-C50C-407E-A947-70E740481C1C}">
+                <a14:useLocalDpi xmlns:a14="http://schemas.microsoft.com/office/drawing/2010/main" val="0"/>
+              </a:ext>
+            </a:extLst>
+          </a:blip>
+          <a:stretch>
+            <a:fillRect/>
+          </a:stretch>
+        </p:blipFill>
+        <p:spPr>
+          <a:xfrm>
+            <a:off x="838200" y="2162693"/>
+            <a:ext cx="11353800" cy="2953472"/>
+          </a:xfrm>
+        </p:spPr>
+      </p:pic>
+    </p:spTree>
+    <p:extLst>
+      <p:ext uri="{BB962C8B-B14F-4D97-AF65-F5344CB8AC3E}">
+        <p14:creationId xmlns:p14="http://schemas.microsoft.com/office/powerpoint/2010/main" val="1672284104"/>
       </p:ext>
     </p:extLst>
   </p:cSld>
@@ -5721,6 +6204,2058 @@
     <p:extLst>
       <p:ext uri="{BB962C8B-B14F-4D97-AF65-F5344CB8AC3E}">
         <p14:creationId xmlns:p14="http://schemas.microsoft.com/office/powerpoint/2010/main" val="571293183"/>
+      </p:ext>
+    </p:extLst>
+  </p:cSld>
+  <p:clrMapOvr>
+    <a:masterClrMapping/>
+  </p:clrMapOvr>
+</p:sld>
+</file>
+
+<file path=ppt/slides/slide30.xml><?xml version="1.0" encoding="utf-8"?>
+<p:sld xmlns:a="http://schemas.openxmlformats.org/drawingml/2006/main" xmlns:r="http://schemas.openxmlformats.org/officeDocument/2006/relationships" xmlns:p="http://schemas.openxmlformats.org/presentationml/2006/main">
+  <p:cSld>
+    <p:spTree>
+      <p:nvGrpSpPr>
+        <p:cNvPr id="1" name=""/>
+        <p:cNvGrpSpPr/>
+        <p:nvPr/>
+      </p:nvGrpSpPr>
+      <p:grpSpPr>
+        <a:xfrm>
+          <a:off x="0" y="0"/>
+          <a:ext cx="0" cy="0"/>
+          <a:chOff x="0" y="0"/>
+          <a:chExt cx="0" cy="0"/>
+        </a:xfrm>
+      </p:grpSpPr>
+      <p:sp>
+        <p:nvSpPr>
+          <p:cNvPr id="2" name="Title 1"/>
+          <p:cNvSpPr>
+            <a:spLocks noGrp="1"/>
+          </p:cNvSpPr>
+          <p:nvPr>
+            <p:ph type="title"/>
+          </p:nvPr>
+        </p:nvSpPr>
+        <p:spPr>
+          <a:xfrm>
+            <a:off x="838200" y="365125"/>
+            <a:ext cx="4456176" cy="4956683"/>
+          </a:xfrm>
+        </p:spPr>
+        <p:txBody>
+          <a:bodyPr>
+            <a:normAutofit/>
+          </a:bodyPr>
+          <a:lstStyle/>
+          <a:p>
+            <a:r>
+              <a:rPr lang="en-US" dirty="0" smtClean="0"/>
+              <a:t>Open the ahrs_9dof example</a:t>
+            </a:r>
+            <a:endParaRPr lang="en-US" dirty="0"/>
+          </a:p>
+        </p:txBody>
+      </p:sp>
+      <p:pic>
+        <p:nvPicPr>
+          <p:cNvPr id="4" name="Content Placeholder 3"/>
+          <p:cNvPicPr>
+            <a:picLocks noGrp="1" noChangeAspect="1"/>
+          </p:cNvPicPr>
+          <p:nvPr>
+            <p:ph idx="1"/>
+          </p:nvPr>
+        </p:nvPicPr>
+        <p:blipFill>
+          <a:blip r:embed="rId2">
+            <a:extLst>
+              <a:ext uri="{28A0092B-C50C-407E-A947-70E740481C1C}">
+                <a14:useLocalDpi xmlns:a14="http://schemas.microsoft.com/office/drawing/2010/main" val="0"/>
+              </a:ext>
+            </a:extLst>
+          </a:blip>
+          <a:stretch>
+            <a:fillRect/>
+          </a:stretch>
+        </p:blipFill>
+        <p:spPr>
+          <a:xfrm>
+            <a:off x="5493802" y="30699"/>
+            <a:ext cx="5533862" cy="6827302"/>
+          </a:xfrm>
+        </p:spPr>
+      </p:pic>
+    </p:spTree>
+    <p:extLst>
+      <p:ext uri="{BB962C8B-B14F-4D97-AF65-F5344CB8AC3E}">
+        <p14:creationId xmlns:p14="http://schemas.microsoft.com/office/powerpoint/2010/main" val="3424668796"/>
+      </p:ext>
+    </p:extLst>
+  </p:cSld>
+  <p:clrMapOvr>
+    <a:masterClrMapping/>
+  </p:clrMapOvr>
+</p:sld>
+</file>
+
+<file path=ppt/slides/slide31.xml><?xml version="1.0" encoding="utf-8"?>
+<p:sld xmlns:a="http://schemas.openxmlformats.org/drawingml/2006/main" xmlns:r="http://schemas.openxmlformats.org/officeDocument/2006/relationships" xmlns:p="http://schemas.openxmlformats.org/presentationml/2006/main">
+  <p:cSld>
+    <p:spTree>
+      <p:nvGrpSpPr>
+        <p:cNvPr id="1" name=""/>
+        <p:cNvGrpSpPr/>
+        <p:nvPr/>
+      </p:nvGrpSpPr>
+      <p:grpSpPr>
+        <a:xfrm>
+          <a:off x="0" y="0"/>
+          <a:ext cx="0" cy="0"/>
+          <a:chOff x="0" y="0"/>
+          <a:chExt cx="0" cy="0"/>
+        </a:xfrm>
+      </p:grpSpPr>
+      <p:sp>
+        <p:nvSpPr>
+          <p:cNvPr id="2" name="Title 1"/>
+          <p:cNvSpPr>
+            <a:spLocks noGrp="1"/>
+          </p:cNvSpPr>
+          <p:nvPr>
+            <p:ph type="title"/>
+          </p:nvPr>
+        </p:nvSpPr>
+        <p:spPr/>
+        <p:txBody>
+          <a:bodyPr/>
+          <a:lstStyle/>
+          <a:p>
+            <a:r>
+              <a:rPr lang="en-US" dirty="0" smtClean="0"/>
+              <a:t>AHRS (attitude &amp; heading reference system) startup code</a:t>
+            </a:r>
+            <a:endParaRPr lang="en-US" dirty="0"/>
+          </a:p>
+        </p:txBody>
+      </p:sp>
+      <p:pic>
+        <p:nvPicPr>
+          <p:cNvPr id="4" name="Content Placeholder 3"/>
+          <p:cNvPicPr>
+            <a:picLocks noGrp="1" noChangeAspect="1"/>
+          </p:cNvPicPr>
+          <p:nvPr>
+            <p:ph idx="1"/>
+          </p:nvPr>
+        </p:nvPicPr>
+        <p:blipFill>
+          <a:blip r:embed="rId2">
+            <a:extLst>
+              <a:ext uri="{28A0092B-C50C-407E-A947-70E740481C1C}">
+                <a14:useLocalDpi xmlns:a14="http://schemas.microsoft.com/office/drawing/2010/main" val="0"/>
+              </a:ext>
+            </a:extLst>
+          </a:blip>
+          <a:stretch>
+            <a:fillRect/>
+          </a:stretch>
+        </p:blipFill>
+        <p:spPr>
+          <a:xfrm>
+            <a:off x="838200" y="1690688"/>
+            <a:ext cx="7455408" cy="4772912"/>
+          </a:xfrm>
+        </p:spPr>
+      </p:pic>
+    </p:spTree>
+    <p:extLst>
+      <p:ext uri="{BB962C8B-B14F-4D97-AF65-F5344CB8AC3E}">
+        <p14:creationId xmlns:p14="http://schemas.microsoft.com/office/powerpoint/2010/main" val="3039440778"/>
+      </p:ext>
+    </p:extLst>
+  </p:cSld>
+  <p:clrMapOvr>
+    <a:masterClrMapping/>
+  </p:clrMapOvr>
+</p:sld>
+</file>
+
+<file path=ppt/slides/slide32.xml><?xml version="1.0" encoding="utf-8"?>
+<p:sld xmlns:a="http://schemas.openxmlformats.org/drawingml/2006/main" xmlns:r="http://schemas.openxmlformats.org/officeDocument/2006/relationships" xmlns:p="http://schemas.openxmlformats.org/presentationml/2006/main">
+  <p:cSld>
+    <p:spTree>
+      <p:nvGrpSpPr>
+        <p:cNvPr id="1" name=""/>
+        <p:cNvGrpSpPr/>
+        <p:nvPr/>
+      </p:nvGrpSpPr>
+      <p:grpSpPr>
+        <a:xfrm>
+          <a:off x="0" y="0"/>
+          <a:ext cx="0" cy="0"/>
+          <a:chOff x="0" y="0"/>
+          <a:chExt cx="0" cy="0"/>
+        </a:xfrm>
+      </p:grpSpPr>
+      <p:sp>
+        <p:nvSpPr>
+          <p:cNvPr id="2" name="Title 1"/>
+          <p:cNvSpPr>
+            <a:spLocks noGrp="1"/>
+          </p:cNvSpPr>
+          <p:nvPr>
+            <p:ph type="title"/>
+          </p:nvPr>
+        </p:nvSpPr>
+        <p:spPr/>
+        <p:txBody>
+          <a:bodyPr/>
+          <a:lstStyle/>
+          <a:p>
+            <a:r>
+              <a:rPr lang="en-US" dirty="0" smtClean="0"/>
+              <a:t>Grabbing the data…</a:t>
+            </a:r>
+            <a:endParaRPr lang="en-US" dirty="0"/>
+          </a:p>
+        </p:txBody>
+      </p:sp>
+      <p:pic>
+        <p:nvPicPr>
+          <p:cNvPr id="4" name="Content Placeholder 3"/>
+          <p:cNvPicPr>
+            <a:picLocks noGrp="1" noChangeAspect="1"/>
+          </p:cNvPicPr>
+          <p:nvPr>
+            <p:ph idx="1"/>
+          </p:nvPr>
+        </p:nvPicPr>
+        <p:blipFill>
+          <a:blip r:embed="rId2">
+            <a:extLst>
+              <a:ext uri="{28A0092B-C50C-407E-A947-70E740481C1C}">
+                <a14:useLocalDpi xmlns:a14="http://schemas.microsoft.com/office/drawing/2010/main" val="0"/>
+              </a:ext>
+            </a:extLst>
+          </a:blip>
+          <a:stretch>
+            <a:fillRect/>
+          </a:stretch>
+        </p:blipFill>
+        <p:spPr>
+          <a:xfrm>
+            <a:off x="838200" y="1690688"/>
+            <a:ext cx="7600359" cy="4929963"/>
+          </a:xfrm>
+        </p:spPr>
+      </p:pic>
+    </p:spTree>
+    <p:extLst>
+      <p:ext uri="{BB962C8B-B14F-4D97-AF65-F5344CB8AC3E}">
+        <p14:creationId xmlns:p14="http://schemas.microsoft.com/office/powerpoint/2010/main" val="1723886233"/>
+      </p:ext>
+    </p:extLst>
+  </p:cSld>
+  <p:clrMapOvr>
+    <a:masterClrMapping/>
+  </p:clrMapOvr>
+</p:sld>
+</file>
+
+<file path=ppt/slides/slide33.xml><?xml version="1.0" encoding="utf-8"?>
+<p:sld xmlns:a="http://schemas.openxmlformats.org/drawingml/2006/main" xmlns:r="http://schemas.openxmlformats.org/officeDocument/2006/relationships" xmlns:p="http://schemas.openxmlformats.org/presentationml/2006/main">
+  <p:cSld>
+    <p:spTree>
+      <p:nvGrpSpPr>
+        <p:cNvPr id="1" name=""/>
+        <p:cNvGrpSpPr/>
+        <p:nvPr/>
+      </p:nvGrpSpPr>
+      <p:grpSpPr>
+        <a:xfrm>
+          <a:off x="0" y="0"/>
+          <a:ext cx="0" cy="0"/>
+          <a:chOff x="0" y="0"/>
+          <a:chExt cx="0" cy="0"/>
+        </a:xfrm>
+      </p:grpSpPr>
+      <p:sp>
+        <p:nvSpPr>
+          <p:cNvPr id="2" name="Title 1"/>
+          <p:cNvSpPr>
+            <a:spLocks noGrp="1"/>
+          </p:cNvSpPr>
+          <p:nvPr>
+            <p:ph type="title"/>
+          </p:nvPr>
+        </p:nvSpPr>
+        <p:spPr/>
+        <p:txBody>
+          <a:bodyPr/>
+          <a:lstStyle/>
+          <a:p>
+            <a:r>
+              <a:rPr lang="en-US" dirty="0" smtClean="0"/>
+              <a:t>Euler angles</a:t>
+            </a:r>
+            <a:endParaRPr lang="en-US" dirty="0"/>
+          </a:p>
+        </p:txBody>
+      </p:sp>
+      <p:sp>
+        <p:nvSpPr>
+          <p:cNvPr id="3" name="Content Placeholder 2"/>
+          <p:cNvSpPr>
+            <a:spLocks noGrp="1"/>
+          </p:cNvSpPr>
+          <p:nvPr>
+            <p:ph idx="1"/>
+          </p:nvPr>
+        </p:nvSpPr>
+        <p:spPr>
+          <a:xfrm>
+            <a:off x="838200" y="1825625"/>
+            <a:ext cx="4245864" cy="4351338"/>
+          </a:xfrm>
+        </p:spPr>
+        <p:txBody>
+          <a:bodyPr/>
+          <a:lstStyle/>
+          <a:p>
+            <a:r>
+              <a:rPr lang="en-US" dirty="0" smtClean="0"/>
+              <a:t>Angles around the axes</a:t>
+            </a:r>
+          </a:p>
+          <a:p>
+            <a:r>
+              <a:rPr lang="en-US" dirty="0" smtClean="0"/>
+              <a:t>Roll is around X axis, pitch is around Y axis, and yaw is around Z axis</a:t>
+            </a:r>
+          </a:p>
+          <a:p>
+            <a:r>
+              <a:rPr lang="en-US" dirty="0" smtClean="0"/>
+              <a:t>Order is important!</a:t>
+            </a:r>
+          </a:p>
+          <a:p>
+            <a:r>
+              <a:rPr lang="en-US" dirty="0" smtClean="0"/>
+              <a:t>Z axis points down so positive yaw angle has the same sense as a compass.</a:t>
+            </a:r>
+            <a:endParaRPr lang="en-US" dirty="0"/>
+          </a:p>
+        </p:txBody>
+      </p:sp>
+      <p:pic>
+        <p:nvPicPr>
+          <p:cNvPr id="4" name="Picture 3"/>
+          <p:cNvPicPr>
+            <a:picLocks noChangeAspect="1"/>
+          </p:cNvPicPr>
+          <p:nvPr/>
+        </p:nvPicPr>
+        <p:blipFill>
+          <a:blip r:embed="rId2">
+            <a:extLst>
+              <a:ext uri="{28A0092B-C50C-407E-A947-70E740481C1C}">
+                <a14:useLocalDpi xmlns:a14="http://schemas.microsoft.com/office/drawing/2010/main" val="0"/>
+              </a:ext>
+            </a:extLst>
+          </a:blip>
+          <a:stretch>
+            <a:fillRect/>
+          </a:stretch>
+        </p:blipFill>
+        <p:spPr>
+          <a:xfrm>
+            <a:off x="4572000" y="1027906"/>
+            <a:ext cx="7620000" cy="5724525"/>
+          </a:xfrm>
+          <a:prstGeom prst="rect">
+            <a:avLst/>
+          </a:prstGeom>
+        </p:spPr>
+      </p:pic>
+    </p:spTree>
+    <p:extLst>
+      <p:ext uri="{BB962C8B-B14F-4D97-AF65-F5344CB8AC3E}">
+        <p14:creationId xmlns:p14="http://schemas.microsoft.com/office/powerpoint/2010/main" val="2584993554"/>
+      </p:ext>
+    </p:extLst>
+  </p:cSld>
+  <p:clrMapOvr>
+    <a:masterClrMapping/>
+  </p:clrMapOvr>
+</p:sld>
+</file>
+
+<file path=ppt/slides/slide34.xml><?xml version="1.0" encoding="utf-8"?>
+<p:sld xmlns:a="http://schemas.openxmlformats.org/drawingml/2006/main" xmlns:r="http://schemas.openxmlformats.org/officeDocument/2006/relationships" xmlns:p="http://schemas.openxmlformats.org/presentationml/2006/main">
+  <p:cSld>
+    <p:spTree>
+      <p:nvGrpSpPr>
+        <p:cNvPr id="1" name=""/>
+        <p:cNvGrpSpPr/>
+        <p:nvPr/>
+      </p:nvGrpSpPr>
+      <p:grpSpPr>
+        <a:xfrm>
+          <a:off x="0" y="0"/>
+          <a:ext cx="0" cy="0"/>
+          <a:chOff x="0" y="0"/>
+          <a:chExt cx="0" cy="0"/>
+        </a:xfrm>
+      </p:grpSpPr>
+      <p:sp>
+        <p:nvSpPr>
+          <p:cNvPr id="2" name="Title 1"/>
+          <p:cNvSpPr>
+            <a:spLocks noGrp="1"/>
+          </p:cNvSpPr>
+          <p:nvPr>
+            <p:ph type="title"/>
+          </p:nvPr>
+        </p:nvSpPr>
+        <p:spPr/>
+        <p:txBody>
+          <a:bodyPr/>
+          <a:lstStyle/>
+          <a:p>
+            <a:r>
+              <a:rPr lang="en-US" dirty="0" smtClean="0"/>
+              <a:t>Limits of the </a:t>
+            </a:r>
+            <a:r>
+              <a:rPr lang="en-US" dirty="0" err="1" smtClean="0"/>
+              <a:t>Adafruit</a:t>
+            </a:r>
+            <a:r>
+              <a:rPr lang="en-US" dirty="0" smtClean="0"/>
+              <a:t> AHRS code</a:t>
+            </a:r>
+            <a:endParaRPr lang="en-US" dirty="0"/>
+          </a:p>
+        </p:txBody>
+      </p:sp>
+      <p:sp>
+        <p:nvSpPr>
+          <p:cNvPr id="3" name="Content Placeholder 2"/>
+          <p:cNvSpPr>
+            <a:spLocks noGrp="1"/>
+          </p:cNvSpPr>
+          <p:nvPr>
+            <p:ph idx="1"/>
+          </p:nvPr>
+        </p:nvSpPr>
+        <p:spPr/>
+        <p:txBody>
+          <a:bodyPr/>
+          <a:lstStyle/>
+          <a:p>
+            <a:r>
+              <a:rPr lang="en-US" dirty="0" smtClean="0"/>
+              <a:t>Doesn’t incorporate gyro data</a:t>
+            </a:r>
+          </a:p>
+          <a:p>
+            <a:r>
+              <a:rPr lang="en-US" dirty="0" smtClean="0"/>
+              <a:t>Assumes that the acceleration vector always points down</a:t>
+            </a:r>
+          </a:p>
+          <a:p>
+            <a:r>
+              <a:rPr lang="en-US" dirty="0" smtClean="0"/>
+              <a:t>Doesn’t fix the data rate as a constant</a:t>
+            </a:r>
+          </a:p>
+          <a:p>
+            <a:r>
+              <a:rPr lang="en-US" dirty="0" smtClean="0"/>
+              <a:t>Magnetometer &amp; accelerometer need calibration for </a:t>
+            </a:r>
+            <a:r>
+              <a:rPr lang="en-US" smtClean="0"/>
+              <a:t>best performance.</a:t>
+            </a:r>
+            <a:endParaRPr lang="en-US" dirty="0" smtClean="0"/>
+          </a:p>
+        </p:txBody>
+      </p:sp>
+    </p:spTree>
+    <p:extLst>
+      <p:ext uri="{BB962C8B-B14F-4D97-AF65-F5344CB8AC3E}">
+        <p14:creationId xmlns:p14="http://schemas.microsoft.com/office/powerpoint/2010/main" val="2460689637"/>
+      </p:ext>
+    </p:extLst>
+  </p:cSld>
+  <p:clrMapOvr>
+    <a:masterClrMapping/>
+  </p:clrMapOvr>
+</p:sld>
+</file>
+
+<file path=ppt/slides/slide35.xml><?xml version="1.0" encoding="utf-8"?>
+<p:sld xmlns:a="http://schemas.openxmlformats.org/drawingml/2006/main" xmlns:r="http://schemas.openxmlformats.org/officeDocument/2006/relationships" xmlns:p="http://schemas.openxmlformats.org/presentationml/2006/main">
+  <p:cSld>
+    <p:spTree>
+      <p:nvGrpSpPr>
+        <p:cNvPr id="1" name=""/>
+        <p:cNvGrpSpPr/>
+        <p:nvPr/>
+      </p:nvGrpSpPr>
+      <p:grpSpPr>
+        <a:xfrm>
+          <a:off x="0" y="0"/>
+          <a:ext cx="0" cy="0"/>
+          <a:chOff x="0" y="0"/>
+          <a:chExt cx="0" cy="0"/>
+        </a:xfrm>
+      </p:grpSpPr>
+      <p:pic>
+        <p:nvPicPr>
+          <p:cNvPr id="4" name="Picture 3"/>
+          <p:cNvPicPr>
+            <a:picLocks noChangeAspect="1"/>
+          </p:cNvPicPr>
+          <p:nvPr/>
+        </p:nvPicPr>
+        <p:blipFill>
+          <a:blip r:embed="rId2">
+            <a:extLst>
+              <a:ext uri="{28A0092B-C50C-407E-A947-70E740481C1C}">
+                <a14:useLocalDpi xmlns:a14="http://schemas.microsoft.com/office/drawing/2010/main" val="0"/>
+              </a:ext>
+            </a:extLst>
+          </a:blip>
+          <a:stretch>
+            <a:fillRect/>
+          </a:stretch>
+        </p:blipFill>
+        <p:spPr>
+          <a:xfrm>
+            <a:off x="6593003" y="3063056"/>
+            <a:ext cx="5263445" cy="3248844"/>
+          </a:xfrm>
+          <a:prstGeom prst="rect">
+            <a:avLst/>
+          </a:prstGeom>
+        </p:spPr>
+      </p:pic>
+      <p:sp>
+        <p:nvSpPr>
+          <p:cNvPr id="2" name="Title 1"/>
+          <p:cNvSpPr>
+            <a:spLocks noGrp="1"/>
+          </p:cNvSpPr>
+          <p:nvPr>
+            <p:ph type="title"/>
+          </p:nvPr>
+        </p:nvSpPr>
+        <p:spPr/>
+        <p:txBody>
+          <a:bodyPr/>
+          <a:lstStyle/>
+          <a:p>
+            <a:r>
+              <a:rPr lang="en-US" dirty="0" smtClean="0"/>
+              <a:t>One last device (not really a sensor)</a:t>
+            </a:r>
+            <a:endParaRPr lang="en-US" dirty="0"/>
+          </a:p>
+        </p:txBody>
+      </p:sp>
+      <p:sp>
+        <p:nvSpPr>
+          <p:cNvPr id="3" name="Content Placeholder 2"/>
+          <p:cNvSpPr>
+            <a:spLocks noGrp="1"/>
+          </p:cNvSpPr>
+          <p:nvPr>
+            <p:ph idx="1"/>
+          </p:nvPr>
+        </p:nvSpPr>
+        <p:spPr>
+          <a:xfrm>
+            <a:off x="838200" y="1825625"/>
+            <a:ext cx="8891016" cy="4351338"/>
+          </a:xfrm>
+        </p:spPr>
+        <p:txBody>
+          <a:bodyPr/>
+          <a:lstStyle/>
+          <a:p>
+            <a:r>
+              <a:rPr lang="en-US" dirty="0" smtClean="0"/>
+              <a:t>Each kit also contains a near IR receiver</a:t>
+            </a:r>
+          </a:p>
+          <a:p>
+            <a:r>
+              <a:rPr lang="en-US" dirty="0" smtClean="0"/>
+              <a:t>Demodulates remote control signals (38 kHz modulation)</a:t>
+            </a:r>
+          </a:p>
+        </p:txBody>
+      </p:sp>
+      <p:pic>
+        <p:nvPicPr>
+          <p:cNvPr id="5" name="Picture 4"/>
+          <p:cNvPicPr>
+            <a:picLocks noChangeAspect="1"/>
+          </p:cNvPicPr>
+          <p:nvPr/>
+        </p:nvPicPr>
+        <p:blipFill>
+          <a:blip r:embed="rId3">
+            <a:extLst>
+              <a:ext uri="{28A0092B-C50C-407E-A947-70E740481C1C}">
+                <a14:useLocalDpi xmlns:a14="http://schemas.microsoft.com/office/drawing/2010/main" val="0"/>
+              </a:ext>
+            </a:extLst>
+          </a:blip>
+          <a:stretch>
+            <a:fillRect/>
+          </a:stretch>
+        </p:blipFill>
+        <p:spPr>
+          <a:xfrm>
+            <a:off x="1078635" y="2816352"/>
+            <a:ext cx="4836251" cy="2197239"/>
+          </a:xfrm>
+          <a:prstGeom prst="rect">
+            <a:avLst/>
+          </a:prstGeom>
+        </p:spPr>
+      </p:pic>
+      <p:pic>
+        <p:nvPicPr>
+          <p:cNvPr id="6" name="Picture 5"/>
+          <p:cNvPicPr>
+            <a:picLocks noChangeAspect="1"/>
+          </p:cNvPicPr>
+          <p:nvPr/>
+        </p:nvPicPr>
+        <p:blipFill>
+          <a:blip r:embed="rId4">
+            <a:extLst>
+              <a:ext uri="{28A0092B-C50C-407E-A947-70E740481C1C}">
+                <a14:useLocalDpi xmlns:a14="http://schemas.microsoft.com/office/drawing/2010/main" val="0"/>
+              </a:ext>
+            </a:extLst>
+          </a:blip>
+          <a:stretch>
+            <a:fillRect/>
+          </a:stretch>
+        </p:blipFill>
+        <p:spPr>
+          <a:xfrm>
+            <a:off x="1078635" y="4589226"/>
+            <a:ext cx="4836251" cy="2087649"/>
+          </a:xfrm>
+          <a:prstGeom prst="rect">
+            <a:avLst/>
+          </a:prstGeom>
+        </p:spPr>
+      </p:pic>
+    </p:spTree>
+    <p:extLst>
+      <p:ext uri="{BB962C8B-B14F-4D97-AF65-F5344CB8AC3E}">
+        <p14:creationId xmlns:p14="http://schemas.microsoft.com/office/powerpoint/2010/main" val="1141081938"/>
+      </p:ext>
+    </p:extLst>
+  </p:cSld>
+  <p:clrMapOvr>
+    <a:masterClrMapping/>
+  </p:clrMapOvr>
+</p:sld>
+</file>
+
+<file path=ppt/slides/slide36.xml><?xml version="1.0" encoding="utf-8"?>
+<p:sld xmlns:a="http://schemas.openxmlformats.org/drawingml/2006/main" xmlns:r="http://schemas.openxmlformats.org/officeDocument/2006/relationships" xmlns:p="http://schemas.openxmlformats.org/presentationml/2006/main">
+  <p:cSld>
+    <p:spTree>
+      <p:nvGrpSpPr>
+        <p:cNvPr id="1" name=""/>
+        <p:cNvGrpSpPr/>
+        <p:nvPr/>
+      </p:nvGrpSpPr>
+      <p:grpSpPr>
+        <a:xfrm>
+          <a:off x="0" y="0"/>
+          <a:ext cx="0" cy="0"/>
+          <a:chOff x="0" y="0"/>
+          <a:chExt cx="0" cy="0"/>
+        </a:xfrm>
+      </p:grpSpPr>
+      <p:sp>
+        <p:nvSpPr>
+          <p:cNvPr id="2" name="Title 1"/>
+          <p:cNvSpPr>
+            <a:spLocks noGrp="1"/>
+          </p:cNvSpPr>
+          <p:nvPr>
+            <p:ph type="title"/>
+          </p:nvPr>
+        </p:nvSpPr>
+        <p:spPr/>
+        <p:txBody>
+          <a:bodyPr/>
+          <a:lstStyle/>
+          <a:p>
+            <a:r>
+              <a:rPr lang="en-US" dirty="0" smtClean="0"/>
+              <a:t>Source for parts &amp; kits</a:t>
+            </a:r>
+            <a:endParaRPr lang="en-US" dirty="0"/>
+          </a:p>
+        </p:txBody>
+      </p:sp>
+      <p:sp>
+        <p:nvSpPr>
+          <p:cNvPr id="3" name="Text Placeholder 2"/>
+          <p:cNvSpPr>
+            <a:spLocks noGrp="1"/>
+          </p:cNvSpPr>
+          <p:nvPr>
+            <p:ph type="body" idx="1"/>
+          </p:nvPr>
+        </p:nvSpPr>
+        <p:spPr/>
+        <p:txBody>
+          <a:bodyPr/>
+          <a:lstStyle/>
+          <a:p>
+            <a:r>
+              <a:rPr lang="en-US" dirty="0" smtClean="0"/>
+              <a:t>Local</a:t>
+            </a:r>
+            <a:endParaRPr lang="en-US" dirty="0"/>
+          </a:p>
+        </p:txBody>
+      </p:sp>
+      <p:sp>
+        <p:nvSpPr>
+          <p:cNvPr id="4" name="Content Placeholder 3"/>
+          <p:cNvSpPr>
+            <a:spLocks noGrp="1"/>
+          </p:cNvSpPr>
+          <p:nvPr>
+            <p:ph sz="half" idx="2"/>
+          </p:nvPr>
+        </p:nvSpPr>
+        <p:spPr/>
+        <p:txBody>
+          <a:bodyPr/>
+          <a:lstStyle/>
+          <a:p>
+            <a:r>
+              <a:rPr lang="en-US" dirty="0"/>
+              <a:t>Ada’s Technical Books</a:t>
+            </a:r>
+          </a:p>
+          <a:p>
+            <a:r>
+              <a:rPr lang="en-US" dirty="0" err="1"/>
+              <a:t>Vetco</a:t>
+            </a:r>
+            <a:r>
+              <a:rPr lang="en-US" dirty="0"/>
+              <a:t> </a:t>
+            </a:r>
+          </a:p>
+          <a:p>
+            <a:r>
+              <a:rPr lang="en-US" dirty="0" err="1"/>
+              <a:t>Alphatronics</a:t>
+            </a:r>
+            <a:endParaRPr lang="en-US" dirty="0"/>
+          </a:p>
+          <a:p>
+            <a:r>
+              <a:rPr lang="en-US" dirty="0" smtClean="0"/>
+              <a:t>Fry’s Electronics</a:t>
+            </a:r>
+          </a:p>
+          <a:p>
+            <a:r>
+              <a:rPr lang="en-US" dirty="0" smtClean="0"/>
+              <a:t>Metrix Create Space</a:t>
+            </a:r>
+            <a:endParaRPr lang="en-US" dirty="0"/>
+          </a:p>
+        </p:txBody>
+      </p:sp>
+      <p:sp>
+        <p:nvSpPr>
+          <p:cNvPr id="5" name="Text Placeholder 4"/>
+          <p:cNvSpPr>
+            <a:spLocks noGrp="1"/>
+          </p:cNvSpPr>
+          <p:nvPr>
+            <p:ph type="body" sz="quarter" idx="3"/>
+          </p:nvPr>
+        </p:nvSpPr>
+        <p:spPr/>
+        <p:txBody>
+          <a:bodyPr/>
+          <a:lstStyle/>
+          <a:p>
+            <a:r>
+              <a:rPr lang="en-US" dirty="0" smtClean="0"/>
+              <a:t>Online</a:t>
+            </a:r>
+            <a:endParaRPr lang="en-US" dirty="0"/>
+          </a:p>
+        </p:txBody>
+      </p:sp>
+      <p:sp>
+        <p:nvSpPr>
+          <p:cNvPr id="6" name="Content Placeholder 5"/>
+          <p:cNvSpPr>
+            <a:spLocks noGrp="1"/>
+          </p:cNvSpPr>
+          <p:nvPr>
+            <p:ph sz="quarter" idx="4"/>
+          </p:nvPr>
+        </p:nvSpPr>
+        <p:spPr>
+          <a:xfrm>
+            <a:off x="6172200" y="2505074"/>
+            <a:ext cx="5183188" cy="3968877"/>
+          </a:xfrm>
+        </p:spPr>
+        <p:txBody>
+          <a:bodyPr>
+            <a:normAutofit lnSpcReduction="10000"/>
+          </a:bodyPr>
+          <a:lstStyle/>
+          <a:p>
+            <a:r>
+              <a:rPr lang="en-US" dirty="0" err="1"/>
+              <a:t>Digikey</a:t>
+            </a:r>
+            <a:r>
+              <a:rPr lang="en-US" dirty="0"/>
+              <a:t> (</a:t>
+            </a:r>
+            <a:r>
+              <a:rPr lang="en-US" dirty="0">
+                <a:hlinkClick r:id="rId2"/>
+              </a:rPr>
+              <a:t>www.digikey.com</a:t>
+            </a:r>
+            <a:r>
+              <a:rPr lang="en-US" dirty="0"/>
+              <a:t>)	</a:t>
+            </a:r>
+          </a:p>
+          <a:p>
+            <a:r>
+              <a:rPr lang="en-US" dirty="0"/>
+              <a:t>Mouser (</a:t>
+            </a:r>
+            <a:r>
+              <a:rPr lang="en-US" dirty="0">
+                <a:hlinkClick r:id="rId3"/>
+              </a:rPr>
+              <a:t>www.mouser.com</a:t>
+            </a:r>
+            <a:r>
+              <a:rPr lang="en-US" dirty="0"/>
+              <a:t>)</a:t>
+            </a:r>
+          </a:p>
+          <a:p>
+            <a:r>
+              <a:rPr lang="en-US" dirty="0" err="1"/>
+              <a:t>Sparkfun</a:t>
+            </a:r>
+            <a:r>
+              <a:rPr lang="en-US" dirty="0"/>
+              <a:t> (</a:t>
+            </a:r>
+            <a:r>
+              <a:rPr lang="en-US" dirty="0">
+                <a:hlinkClick r:id="rId4"/>
+              </a:rPr>
+              <a:t>www.sparkfun.com</a:t>
+            </a:r>
+            <a:r>
+              <a:rPr lang="en-US" dirty="0"/>
+              <a:t>)</a:t>
+            </a:r>
+          </a:p>
+          <a:p>
+            <a:r>
+              <a:rPr lang="en-US" dirty="0" err="1"/>
+              <a:t>Adafruit</a:t>
+            </a:r>
+            <a:r>
+              <a:rPr lang="en-US" dirty="0"/>
+              <a:t> Industries (</a:t>
+            </a:r>
+            <a:r>
+              <a:rPr lang="en-US" dirty="0">
+                <a:hlinkClick r:id="rId5"/>
+              </a:rPr>
+              <a:t>www.adafruit.com</a:t>
+            </a:r>
+            <a:r>
+              <a:rPr lang="en-US" dirty="0"/>
+              <a:t>)</a:t>
+            </a:r>
+          </a:p>
+          <a:p>
+            <a:r>
+              <a:rPr lang="en-US" dirty="0" err="1"/>
+              <a:t>Solarbotics</a:t>
+            </a:r>
+            <a:r>
+              <a:rPr lang="en-US" dirty="0"/>
+              <a:t> (www.solarbotics.com)</a:t>
+            </a:r>
+          </a:p>
+          <a:p>
+            <a:r>
+              <a:rPr lang="en-US" dirty="0" err="1" smtClean="0"/>
+              <a:t>Makershed</a:t>
+            </a:r>
+            <a:r>
+              <a:rPr lang="en-US" dirty="0" smtClean="0"/>
+              <a:t> (www.makershed.com)</a:t>
+            </a:r>
+            <a:endParaRPr lang="en-US" dirty="0"/>
+          </a:p>
+        </p:txBody>
+      </p:sp>
+    </p:spTree>
+    <p:extLst>
+      <p:ext uri="{BB962C8B-B14F-4D97-AF65-F5344CB8AC3E}">
+        <p14:creationId xmlns:p14="http://schemas.microsoft.com/office/powerpoint/2010/main" val="1319994494"/>
+      </p:ext>
+    </p:extLst>
+  </p:cSld>
+  <p:clrMapOvr>
+    <a:masterClrMapping/>
+  </p:clrMapOvr>
+</p:sld>
+</file>
+
+<file path=ppt/slides/slide37.xml><?xml version="1.0" encoding="utf-8"?>
+<p:sld xmlns:a="http://schemas.openxmlformats.org/drawingml/2006/main" xmlns:r="http://schemas.openxmlformats.org/officeDocument/2006/relationships" xmlns:p="http://schemas.openxmlformats.org/presentationml/2006/main">
+  <p:cSld>
+    <p:spTree>
+      <p:nvGrpSpPr>
+        <p:cNvPr id="1" name=""/>
+        <p:cNvGrpSpPr/>
+        <p:nvPr/>
+      </p:nvGrpSpPr>
+      <p:grpSpPr>
+        <a:xfrm>
+          <a:off x="0" y="0"/>
+          <a:ext cx="0" cy="0"/>
+          <a:chOff x="0" y="0"/>
+          <a:chExt cx="0" cy="0"/>
+        </a:xfrm>
+      </p:grpSpPr>
+      <p:sp>
+        <p:nvSpPr>
+          <p:cNvPr id="2" name="Title 1"/>
+          <p:cNvSpPr>
+            <a:spLocks noGrp="1"/>
+          </p:cNvSpPr>
+          <p:nvPr>
+            <p:ph type="title"/>
+          </p:nvPr>
+        </p:nvSpPr>
+        <p:spPr/>
+        <p:txBody>
+          <a:bodyPr/>
+          <a:lstStyle/>
+          <a:p>
+            <a:r>
+              <a:rPr lang="en-US" dirty="0" smtClean="0"/>
+              <a:t>Books</a:t>
+            </a:r>
+            <a:endParaRPr lang="en-US" dirty="0"/>
+          </a:p>
+        </p:txBody>
+      </p:sp>
+      <p:sp>
+        <p:nvSpPr>
+          <p:cNvPr id="3" name="Text Placeholder 2"/>
+          <p:cNvSpPr>
+            <a:spLocks noGrp="1"/>
+          </p:cNvSpPr>
+          <p:nvPr>
+            <p:ph type="body" idx="1"/>
+          </p:nvPr>
+        </p:nvSpPr>
+        <p:spPr/>
+        <p:txBody>
+          <a:bodyPr/>
+          <a:lstStyle/>
+          <a:p>
+            <a:r>
+              <a:rPr lang="en-US" dirty="0" smtClean="0"/>
+              <a:t>Electronics</a:t>
+            </a:r>
+            <a:endParaRPr lang="en-US" dirty="0"/>
+          </a:p>
+        </p:txBody>
+      </p:sp>
+      <p:sp>
+        <p:nvSpPr>
+          <p:cNvPr id="4" name="Content Placeholder 3"/>
+          <p:cNvSpPr>
+            <a:spLocks noGrp="1"/>
+          </p:cNvSpPr>
+          <p:nvPr>
+            <p:ph sz="half" idx="2"/>
+          </p:nvPr>
+        </p:nvSpPr>
+        <p:spPr>
+          <a:xfrm>
+            <a:off x="839788" y="2505074"/>
+            <a:ext cx="5157787" cy="3847599"/>
+          </a:xfrm>
+        </p:spPr>
+        <p:txBody>
+          <a:bodyPr/>
+          <a:lstStyle/>
+          <a:p>
+            <a:r>
+              <a:rPr lang="en-US" dirty="0" smtClean="0"/>
+              <a:t>Make: Electronics (Platt)</a:t>
+            </a:r>
+          </a:p>
+          <a:p>
+            <a:r>
+              <a:rPr lang="en-US" dirty="0" smtClean="0"/>
+              <a:t>Engineer’s Mini Notebooks </a:t>
+            </a:r>
+            <a:r>
+              <a:rPr lang="en-US" dirty="0" err="1" smtClean="0"/>
+              <a:t>Vol</a:t>
+            </a:r>
+            <a:r>
+              <a:rPr lang="en-US" dirty="0" smtClean="0"/>
+              <a:t> 1 – 4 (Mims)</a:t>
+            </a:r>
+          </a:p>
+          <a:p>
+            <a:r>
+              <a:rPr lang="en-US" dirty="0" smtClean="0"/>
+              <a:t>The Art of Electronics 2</a:t>
+            </a:r>
+            <a:r>
+              <a:rPr lang="en-US" baseline="30000" dirty="0" smtClean="0"/>
+              <a:t>nd</a:t>
+            </a:r>
+            <a:r>
+              <a:rPr lang="en-US" dirty="0" smtClean="0"/>
+              <a:t> Ed (Horowitz &amp; Hill)</a:t>
+            </a:r>
+          </a:p>
+          <a:p>
+            <a:r>
+              <a:rPr lang="en-US" dirty="0" smtClean="0"/>
+              <a:t>Circuit Design: know it all (Ashby et al)</a:t>
+            </a:r>
+          </a:p>
+          <a:p>
+            <a:endParaRPr lang="en-US" dirty="0"/>
+          </a:p>
+        </p:txBody>
+      </p:sp>
+      <p:sp>
+        <p:nvSpPr>
+          <p:cNvPr id="5" name="Text Placeholder 4"/>
+          <p:cNvSpPr>
+            <a:spLocks noGrp="1"/>
+          </p:cNvSpPr>
+          <p:nvPr>
+            <p:ph type="body" sz="quarter" idx="3"/>
+          </p:nvPr>
+        </p:nvSpPr>
+        <p:spPr>
+          <a:xfrm>
+            <a:off x="6097588" y="3285813"/>
+            <a:ext cx="5183188" cy="823912"/>
+          </a:xfrm>
+        </p:spPr>
+        <p:txBody>
+          <a:bodyPr/>
+          <a:lstStyle/>
+          <a:p>
+            <a:r>
+              <a:rPr lang="en-US" dirty="0" smtClean="0"/>
+              <a:t>Data Analysis</a:t>
+            </a:r>
+            <a:endParaRPr lang="en-US" dirty="0"/>
+          </a:p>
+        </p:txBody>
+      </p:sp>
+      <p:sp>
+        <p:nvSpPr>
+          <p:cNvPr id="6" name="Content Placeholder 5"/>
+          <p:cNvSpPr>
+            <a:spLocks noGrp="1"/>
+          </p:cNvSpPr>
+          <p:nvPr>
+            <p:ph sz="quarter" idx="4"/>
+          </p:nvPr>
+        </p:nvSpPr>
+        <p:spPr>
+          <a:xfrm>
+            <a:off x="6197601" y="4064857"/>
+            <a:ext cx="5183188" cy="1184608"/>
+          </a:xfrm>
+        </p:spPr>
+        <p:txBody>
+          <a:bodyPr/>
+          <a:lstStyle/>
+          <a:p>
+            <a:r>
+              <a:rPr lang="en-US" dirty="0" smtClean="0"/>
+              <a:t>The Statistical Analysis of Experimental Data (Mandel)</a:t>
+            </a:r>
+            <a:endParaRPr lang="en-US" dirty="0"/>
+          </a:p>
+        </p:txBody>
+      </p:sp>
+      <p:sp>
+        <p:nvSpPr>
+          <p:cNvPr id="7" name="Text Placeholder 2"/>
+          <p:cNvSpPr txBox="1">
+            <a:spLocks/>
+          </p:cNvSpPr>
+          <p:nvPr/>
+        </p:nvSpPr>
+        <p:spPr>
+          <a:xfrm>
+            <a:off x="6122989" y="1987435"/>
+            <a:ext cx="5157787" cy="593558"/>
+          </a:xfrm>
+          <a:prstGeom prst="rect">
+            <a:avLst/>
+          </a:prstGeom>
+        </p:spPr>
+        <p:txBody>
+          <a:bodyPr vert="horz" lIns="91440" tIns="45720" rIns="91440" bIns="45720" rtlCol="0" anchor="b">
+            <a:normAutofit/>
+          </a:bodyPr>
+          <a:lstStyle>
+            <a:lvl1pPr marL="0" indent="0" algn="l" defTabSz="914400" rtl="0" eaLnBrk="1" latinLnBrk="0" hangingPunct="1">
+              <a:lnSpc>
+                <a:spcPct val="90000"/>
+              </a:lnSpc>
+              <a:spcBef>
+                <a:spcPts val="1000"/>
+              </a:spcBef>
+              <a:buFont typeface="Arial" panose="020B0604020202020204" pitchFamily="34" charset="0"/>
+              <a:buNone/>
+              <a:defRPr sz="2400" b="1" kern="1200">
+                <a:solidFill>
+                  <a:schemeClr val="tx1"/>
+                </a:solidFill>
+                <a:latin typeface="+mn-lt"/>
+                <a:ea typeface="+mn-ea"/>
+                <a:cs typeface="+mn-cs"/>
+              </a:defRPr>
+            </a:lvl1pPr>
+            <a:lvl2pPr marL="457200" indent="0" algn="l" defTabSz="914400" rtl="0" eaLnBrk="1" latinLnBrk="0" hangingPunct="1">
+              <a:lnSpc>
+                <a:spcPct val="90000"/>
+              </a:lnSpc>
+              <a:spcBef>
+                <a:spcPts val="500"/>
+              </a:spcBef>
+              <a:buFont typeface="Arial" panose="020B0604020202020204" pitchFamily="34" charset="0"/>
+              <a:buNone/>
+              <a:defRPr sz="2000" b="1" kern="1200">
+                <a:solidFill>
+                  <a:schemeClr val="tx1"/>
+                </a:solidFill>
+                <a:latin typeface="+mn-lt"/>
+                <a:ea typeface="+mn-ea"/>
+                <a:cs typeface="+mn-cs"/>
+              </a:defRPr>
+            </a:lvl2pPr>
+            <a:lvl3pPr marL="914400" indent="0" algn="l" defTabSz="914400" rtl="0" eaLnBrk="1" latinLnBrk="0" hangingPunct="1">
+              <a:lnSpc>
+                <a:spcPct val="90000"/>
+              </a:lnSpc>
+              <a:spcBef>
+                <a:spcPts val="500"/>
+              </a:spcBef>
+              <a:buFont typeface="Arial" panose="020B0604020202020204" pitchFamily="34" charset="0"/>
+              <a:buNone/>
+              <a:defRPr sz="1800" b="1" kern="1200">
+                <a:solidFill>
+                  <a:schemeClr val="tx1"/>
+                </a:solidFill>
+                <a:latin typeface="+mn-lt"/>
+                <a:ea typeface="+mn-ea"/>
+                <a:cs typeface="+mn-cs"/>
+              </a:defRPr>
+            </a:lvl3pPr>
+            <a:lvl4pPr marL="1371600" indent="0" algn="l" defTabSz="914400" rtl="0" eaLnBrk="1" latinLnBrk="0" hangingPunct="1">
+              <a:lnSpc>
+                <a:spcPct val="90000"/>
+              </a:lnSpc>
+              <a:spcBef>
+                <a:spcPts val="500"/>
+              </a:spcBef>
+              <a:buFont typeface="Arial" panose="020B0604020202020204" pitchFamily="34" charset="0"/>
+              <a:buNone/>
+              <a:defRPr sz="1600" b="1" kern="1200">
+                <a:solidFill>
+                  <a:schemeClr val="tx1"/>
+                </a:solidFill>
+                <a:latin typeface="+mn-lt"/>
+                <a:ea typeface="+mn-ea"/>
+                <a:cs typeface="+mn-cs"/>
+              </a:defRPr>
+            </a:lvl4pPr>
+            <a:lvl5pPr marL="1828800" indent="0" algn="l" defTabSz="914400" rtl="0" eaLnBrk="1" latinLnBrk="0" hangingPunct="1">
+              <a:lnSpc>
+                <a:spcPct val="90000"/>
+              </a:lnSpc>
+              <a:spcBef>
+                <a:spcPts val="500"/>
+              </a:spcBef>
+              <a:buFont typeface="Arial" panose="020B0604020202020204" pitchFamily="34" charset="0"/>
+              <a:buNone/>
+              <a:defRPr sz="1600" b="1" kern="1200">
+                <a:solidFill>
+                  <a:schemeClr val="tx1"/>
+                </a:solidFill>
+                <a:latin typeface="+mn-lt"/>
+                <a:ea typeface="+mn-ea"/>
+                <a:cs typeface="+mn-cs"/>
+              </a:defRPr>
+            </a:lvl5pPr>
+            <a:lvl6pPr marL="2286000" indent="0" algn="l" defTabSz="914400" rtl="0" eaLnBrk="1" latinLnBrk="0" hangingPunct="1">
+              <a:lnSpc>
+                <a:spcPct val="90000"/>
+              </a:lnSpc>
+              <a:spcBef>
+                <a:spcPts val="500"/>
+              </a:spcBef>
+              <a:buFont typeface="Arial" panose="020B0604020202020204" pitchFamily="34" charset="0"/>
+              <a:buNone/>
+              <a:defRPr sz="1600" b="1" kern="1200">
+                <a:solidFill>
+                  <a:schemeClr val="tx1"/>
+                </a:solidFill>
+                <a:latin typeface="+mn-lt"/>
+                <a:ea typeface="+mn-ea"/>
+                <a:cs typeface="+mn-cs"/>
+              </a:defRPr>
+            </a:lvl6pPr>
+            <a:lvl7pPr marL="2743200" indent="0" algn="l" defTabSz="914400" rtl="0" eaLnBrk="1" latinLnBrk="0" hangingPunct="1">
+              <a:lnSpc>
+                <a:spcPct val="90000"/>
+              </a:lnSpc>
+              <a:spcBef>
+                <a:spcPts val="500"/>
+              </a:spcBef>
+              <a:buFont typeface="Arial" panose="020B0604020202020204" pitchFamily="34" charset="0"/>
+              <a:buNone/>
+              <a:defRPr sz="1600" b="1" kern="1200">
+                <a:solidFill>
+                  <a:schemeClr val="tx1"/>
+                </a:solidFill>
+                <a:latin typeface="+mn-lt"/>
+                <a:ea typeface="+mn-ea"/>
+                <a:cs typeface="+mn-cs"/>
+              </a:defRPr>
+            </a:lvl7pPr>
+            <a:lvl8pPr marL="3200400" indent="0" algn="l" defTabSz="914400" rtl="0" eaLnBrk="1" latinLnBrk="0" hangingPunct="1">
+              <a:lnSpc>
+                <a:spcPct val="90000"/>
+              </a:lnSpc>
+              <a:spcBef>
+                <a:spcPts val="500"/>
+              </a:spcBef>
+              <a:buFont typeface="Arial" panose="020B0604020202020204" pitchFamily="34" charset="0"/>
+              <a:buNone/>
+              <a:defRPr sz="1600" b="1" kern="1200">
+                <a:solidFill>
+                  <a:schemeClr val="tx1"/>
+                </a:solidFill>
+                <a:latin typeface="+mn-lt"/>
+                <a:ea typeface="+mn-ea"/>
+                <a:cs typeface="+mn-cs"/>
+              </a:defRPr>
+            </a:lvl8pPr>
+            <a:lvl9pPr marL="3657600" indent="0" algn="l" defTabSz="914400" rtl="0" eaLnBrk="1" latinLnBrk="0" hangingPunct="1">
+              <a:lnSpc>
+                <a:spcPct val="90000"/>
+              </a:lnSpc>
+              <a:spcBef>
+                <a:spcPts val="500"/>
+              </a:spcBef>
+              <a:buFont typeface="Arial" panose="020B0604020202020204" pitchFamily="34" charset="0"/>
+              <a:buNone/>
+              <a:defRPr sz="1600" b="1" kern="1200">
+                <a:solidFill>
+                  <a:schemeClr val="tx1"/>
+                </a:solidFill>
+                <a:latin typeface="+mn-lt"/>
+                <a:ea typeface="+mn-ea"/>
+                <a:cs typeface="+mn-cs"/>
+              </a:defRPr>
+            </a:lvl9pPr>
+          </a:lstStyle>
+          <a:p>
+            <a:r>
+              <a:rPr lang="en-US" dirty="0" smtClean="0"/>
+              <a:t>Sensors</a:t>
+            </a:r>
+            <a:endParaRPr lang="en-US" dirty="0"/>
+          </a:p>
+        </p:txBody>
+      </p:sp>
+      <p:sp>
+        <p:nvSpPr>
+          <p:cNvPr id="8" name="Content Placeholder 3"/>
+          <p:cNvSpPr txBox="1">
+            <a:spLocks/>
+          </p:cNvSpPr>
+          <p:nvPr/>
+        </p:nvSpPr>
+        <p:spPr>
+          <a:xfrm>
+            <a:off x="6122989" y="2725747"/>
+            <a:ext cx="5157787" cy="1106906"/>
+          </a:xfrm>
+          <a:prstGeom prst="rect">
+            <a:avLst/>
+          </a:prstGeom>
+        </p:spPr>
+        <p:txBody>
+          <a:bodyPr vert="horz" lIns="91440" tIns="45720" rIns="91440" bIns="45720" rtlCol="0">
+            <a:normAutofit/>
+          </a:bodyPr>
+          <a:lstStyle>
+            <a:lvl1pPr marL="228600" indent="-228600" algn="l" defTabSz="914400" rtl="0" eaLnBrk="1" latinLnBrk="0" hangingPunct="1">
+              <a:lnSpc>
+                <a:spcPct val="90000"/>
+              </a:lnSpc>
+              <a:spcBef>
+                <a:spcPts val="1000"/>
+              </a:spcBef>
+              <a:buFont typeface="Arial" panose="020B0604020202020204" pitchFamily="34" charset="0"/>
+              <a:buChar char="•"/>
+              <a:defRPr sz="2800" kern="1200">
+                <a:solidFill>
+                  <a:schemeClr val="tx1"/>
+                </a:solidFill>
+                <a:latin typeface="+mn-lt"/>
+                <a:ea typeface="+mn-ea"/>
+                <a:cs typeface="+mn-cs"/>
+              </a:defRPr>
+            </a:lvl1pPr>
+            <a:lvl2pPr marL="685800" indent="-228600" algn="l" defTabSz="914400" rtl="0" eaLnBrk="1" latinLnBrk="0" hangingPunct="1">
+              <a:lnSpc>
+                <a:spcPct val="90000"/>
+              </a:lnSpc>
+              <a:spcBef>
+                <a:spcPts val="500"/>
+              </a:spcBef>
+              <a:buFont typeface="Arial" panose="020B0604020202020204" pitchFamily="34" charset="0"/>
+              <a:buChar char="•"/>
+              <a:defRPr sz="2400" kern="1200">
+                <a:solidFill>
+                  <a:schemeClr val="tx1"/>
+                </a:solidFill>
+                <a:latin typeface="+mn-lt"/>
+                <a:ea typeface="+mn-ea"/>
+                <a:cs typeface="+mn-cs"/>
+              </a:defRPr>
+            </a:lvl2pPr>
+            <a:lvl3pPr marL="1143000" indent="-228600" algn="l" defTabSz="914400" rtl="0" eaLnBrk="1" latinLnBrk="0" hangingPunct="1">
+              <a:lnSpc>
+                <a:spcPct val="90000"/>
+              </a:lnSpc>
+              <a:spcBef>
+                <a:spcPts val="500"/>
+              </a:spcBef>
+              <a:buFont typeface="Arial" panose="020B0604020202020204" pitchFamily="34" charset="0"/>
+              <a:buChar char="•"/>
+              <a:defRPr sz="2000" kern="1200">
+                <a:solidFill>
+                  <a:schemeClr val="tx1"/>
+                </a:solidFill>
+                <a:latin typeface="+mn-lt"/>
+                <a:ea typeface="+mn-ea"/>
+                <a:cs typeface="+mn-cs"/>
+              </a:defRPr>
+            </a:lvl3pPr>
+            <a:lvl4pPr marL="1600200" indent="-228600" algn="l" defTabSz="914400" rtl="0" eaLnBrk="1" latinLnBrk="0" hangingPunct="1">
+              <a:lnSpc>
+                <a:spcPct val="90000"/>
+              </a:lnSpc>
+              <a:spcBef>
+                <a:spcPts val="500"/>
+              </a:spcBef>
+              <a:buFont typeface="Arial" panose="020B0604020202020204" pitchFamily="34" charset="0"/>
+              <a:buChar char="•"/>
+              <a:defRPr sz="1800" kern="1200">
+                <a:solidFill>
+                  <a:schemeClr val="tx1"/>
+                </a:solidFill>
+                <a:latin typeface="+mn-lt"/>
+                <a:ea typeface="+mn-ea"/>
+                <a:cs typeface="+mn-cs"/>
+              </a:defRPr>
+            </a:lvl4pPr>
+            <a:lvl5pPr marL="2057400" indent="-228600" algn="l" defTabSz="914400" rtl="0" eaLnBrk="1" latinLnBrk="0" hangingPunct="1">
+              <a:lnSpc>
+                <a:spcPct val="90000"/>
+              </a:lnSpc>
+              <a:spcBef>
+                <a:spcPts val="500"/>
+              </a:spcBef>
+              <a:buFont typeface="Arial" panose="020B0604020202020204" pitchFamily="34" charset="0"/>
+              <a:buChar char="•"/>
+              <a:defRPr sz="1800" kern="1200">
+                <a:solidFill>
+                  <a:schemeClr val="tx1"/>
+                </a:solidFill>
+                <a:latin typeface="+mn-lt"/>
+                <a:ea typeface="+mn-ea"/>
+                <a:cs typeface="+mn-cs"/>
+              </a:defRPr>
+            </a:lvl5pPr>
+            <a:lvl6pPr marL="2514600" indent="-228600" algn="l" defTabSz="914400" rtl="0" eaLnBrk="1" latinLnBrk="0" hangingPunct="1">
+              <a:lnSpc>
+                <a:spcPct val="90000"/>
+              </a:lnSpc>
+              <a:spcBef>
+                <a:spcPts val="500"/>
+              </a:spcBef>
+              <a:buFont typeface="Arial" panose="020B0604020202020204" pitchFamily="34" charset="0"/>
+              <a:buChar char="•"/>
+              <a:defRPr sz="1800" kern="1200">
+                <a:solidFill>
+                  <a:schemeClr val="tx1"/>
+                </a:solidFill>
+                <a:latin typeface="+mn-lt"/>
+                <a:ea typeface="+mn-ea"/>
+                <a:cs typeface="+mn-cs"/>
+              </a:defRPr>
+            </a:lvl6pPr>
+            <a:lvl7pPr marL="2971800" indent="-228600" algn="l" defTabSz="914400" rtl="0" eaLnBrk="1" latinLnBrk="0" hangingPunct="1">
+              <a:lnSpc>
+                <a:spcPct val="90000"/>
+              </a:lnSpc>
+              <a:spcBef>
+                <a:spcPts val="500"/>
+              </a:spcBef>
+              <a:buFont typeface="Arial" panose="020B0604020202020204" pitchFamily="34" charset="0"/>
+              <a:buChar char="•"/>
+              <a:defRPr sz="1800" kern="1200">
+                <a:solidFill>
+                  <a:schemeClr val="tx1"/>
+                </a:solidFill>
+                <a:latin typeface="+mn-lt"/>
+                <a:ea typeface="+mn-ea"/>
+                <a:cs typeface="+mn-cs"/>
+              </a:defRPr>
+            </a:lvl7pPr>
+            <a:lvl8pPr marL="3429000" indent="-228600" algn="l" defTabSz="914400" rtl="0" eaLnBrk="1" latinLnBrk="0" hangingPunct="1">
+              <a:lnSpc>
+                <a:spcPct val="90000"/>
+              </a:lnSpc>
+              <a:spcBef>
+                <a:spcPts val="500"/>
+              </a:spcBef>
+              <a:buFont typeface="Arial" panose="020B0604020202020204" pitchFamily="34" charset="0"/>
+              <a:buChar char="•"/>
+              <a:defRPr sz="1800" kern="1200">
+                <a:solidFill>
+                  <a:schemeClr val="tx1"/>
+                </a:solidFill>
+                <a:latin typeface="+mn-lt"/>
+                <a:ea typeface="+mn-ea"/>
+                <a:cs typeface="+mn-cs"/>
+              </a:defRPr>
+            </a:lvl8pPr>
+            <a:lvl9pPr marL="3886200" indent="-228600" algn="l" defTabSz="914400" rtl="0" eaLnBrk="1" latinLnBrk="0" hangingPunct="1">
+              <a:lnSpc>
+                <a:spcPct val="90000"/>
+              </a:lnSpc>
+              <a:spcBef>
+                <a:spcPts val="500"/>
+              </a:spcBef>
+              <a:buFont typeface="Arial" panose="020B0604020202020204" pitchFamily="34" charset="0"/>
+              <a:buChar char="•"/>
+              <a:defRPr sz="1800" kern="1200">
+                <a:solidFill>
+                  <a:schemeClr val="tx1"/>
+                </a:solidFill>
+                <a:latin typeface="+mn-lt"/>
+                <a:ea typeface="+mn-ea"/>
+                <a:cs typeface="+mn-cs"/>
+              </a:defRPr>
+            </a:lvl9pPr>
+          </a:lstStyle>
+          <a:p>
+            <a:r>
+              <a:rPr lang="en-US" dirty="0" smtClean="0"/>
+              <a:t>Handbook of Modern Sensors (</a:t>
+            </a:r>
+            <a:r>
+              <a:rPr lang="en-US" dirty="0" err="1" smtClean="0"/>
+              <a:t>Fraden</a:t>
+            </a:r>
+            <a:r>
+              <a:rPr lang="en-US" dirty="0" smtClean="0"/>
+              <a:t>)</a:t>
+            </a:r>
+            <a:endParaRPr lang="en-US" dirty="0"/>
+          </a:p>
+        </p:txBody>
+      </p:sp>
+      <p:sp>
+        <p:nvSpPr>
+          <p:cNvPr id="9" name="Text Placeholder 4"/>
+          <p:cNvSpPr txBox="1">
+            <a:spLocks/>
+          </p:cNvSpPr>
+          <p:nvPr/>
+        </p:nvSpPr>
+        <p:spPr>
+          <a:xfrm>
+            <a:off x="6097588" y="4681412"/>
+            <a:ext cx="5183188" cy="823912"/>
+          </a:xfrm>
+          <a:prstGeom prst="rect">
+            <a:avLst/>
+          </a:prstGeom>
+        </p:spPr>
+        <p:txBody>
+          <a:bodyPr vert="horz" lIns="91440" tIns="45720" rIns="91440" bIns="45720" rtlCol="0" anchor="b">
+            <a:normAutofit/>
+          </a:bodyPr>
+          <a:lstStyle>
+            <a:lvl1pPr marL="0" indent="0" algn="l" defTabSz="914400" rtl="0" eaLnBrk="1" latinLnBrk="0" hangingPunct="1">
+              <a:lnSpc>
+                <a:spcPct val="90000"/>
+              </a:lnSpc>
+              <a:spcBef>
+                <a:spcPts val="1000"/>
+              </a:spcBef>
+              <a:buFont typeface="Arial" panose="020B0604020202020204" pitchFamily="34" charset="0"/>
+              <a:buNone/>
+              <a:defRPr sz="2400" b="1" kern="1200">
+                <a:solidFill>
+                  <a:schemeClr val="tx1"/>
+                </a:solidFill>
+                <a:latin typeface="+mn-lt"/>
+                <a:ea typeface="+mn-ea"/>
+                <a:cs typeface="+mn-cs"/>
+              </a:defRPr>
+            </a:lvl1pPr>
+            <a:lvl2pPr marL="457200" indent="0" algn="l" defTabSz="914400" rtl="0" eaLnBrk="1" latinLnBrk="0" hangingPunct="1">
+              <a:lnSpc>
+                <a:spcPct val="90000"/>
+              </a:lnSpc>
+              <a:spcBef>
+                <a:spcPts val="500"/>
+              </a:spcBef>
+              <a:buFont typeface="Arial" panose="020B0604020202020204" pitchFamily="34" charset="0"/>
+              <a:buNone/>
+              <a:defRPr sz="2000" b="1" kern="1200">
+                <a:solidFill>
+                  <a:schemeClr val="tx1"/>
+                </a:solidFill>
+                <a:latin typeface="+mn-lt"/>
+                <a:ea typeface="+mn-ea"/>
+                <a:cs typeface="+mn-cs"/>
+              </a:defRPr>
+            </a:lvl2pPr>
+            <a:lvl3pPr marL="914400" indent="0" algn="l" defTabSz="914400" rtl="0" eaLnBrk="1" latinLnBrk="0" hangingPunct="1">
+              <a:lnSpc>
+                <a:spcPct val="90000"/>
+              </a:lnSpc>
+              <a:spcBef>
+                <a:spcPts val="500"/>
+              </a:spcBef>
+              <a:buFont typeface="Arial" panose="020B0604020202020204" pitchFamily="34" charset="0"/>
+              <a:buNone/>
+              <a:defRPr sz="1800" b="1" kern="1200">
+                <a:solidFill>
+                  <a:schemeClr val="tx1"/>
+                </a:solidFill>
+                <a:latin typeface="+mn-lt"/>
+                <a:ea typeface="+mn-ea"/>
+                <a:cs typeface="+mn-cs"/>
+              </a:defRPr>
+            </a:lvl3pPr>
+            <a:lvl4pPr marL="1371600" indent="0" algn="l" defTabSz="914400" rtl="0" eaLnBrk="1" latinLnBrk="0" hangingPunct="1">
+              <a:lnSpc>
+                <a:spcPct val="90000"/>
+              </a:lnSpc>
+              <a:spcBef>
+                <a:spcPts val="500"/>
+              </a:spcBef>
+              <a:buFont typeface="Arial" panose="020B0604020202020204" pitchFamily="34" charset="0"/>
+              <a:buNone/>
+              <a:defRPr sz="1600" b="1" kern="1200">
+                <a:solidFill>
+                  <a:schemeClr val="tx1"/>
+                </a:solidFill>
+                <a:latin typeface="+mn-lt"/>
+                <a:ea typeface="+mn-ea"/>
+                <a:cs typeface="+mn-cs"/>
+              </a:defRPr>
+            </a:lvl4pPr>
+            <a:lvl5pPr marL="1828800" indent="0" algn="l" defTabSz="914400" rtl="0" eaLnBrk="1" latinLnBrk="0" hangingPunct="1">
+              <a:lnSpc>
+                <a:spcPct val="90000"/>
+              </a:lnSpc>
+              <a:spcBef>
+                <a:spcPts val="500"/>
+              </a:spcBef>
+              <a:buFont typeface="Arial" panose="020B0604020202020204" pitchFamily="34" charset="0"/>
+              <a:buNone/>
+              <a:defRPr sz="1600" b="1" kern="1200">
+                <a:solidFill>
+                  <a:schemeClr val="tx1"/>
+                </a:solidFill>
+                <a:latin typeface="+mn-lt"/>
+                <a:ea typeface="+mn-ea"/>
+                <a:cs typeface="+mn-cs"/>
+              </a:defRPr>
+            </a:lvl5pPr>
+            <a:lvl6pPr marL="2286000" indent="0" algn="l" defTabSz="914400" rtl="0" eaLnBrk="1" latinLnBrk="0" hangingPunct="1">
+              <a:lnSpc>
+                <a:spcPct val="90000"/>
+              </a:lnSpc>
+              <a:spcBef>
+                <a:spcPts val="500"/>
+              </a:spcBef>
+              <a:buFont typeface="Arial" panose="020B0604020202020204" pitchFamily="34" charset="0"/>
+              <a:buNone/>
+              <a:defRPr sz="1600" b="1" kern="1200">
+                <a:solidFill>
+                  <a:schemeClr val="tx1"/>
+                </a:solidFill>
+                <a:latin typeface="+mn-lt"/>
+                <a:ea typeface="+mn-ea"/>
+                <a:cs typeface="+mn-cs"/>
+              </a:defRPr>
+            </a:lvl6pPr>
+            <a:lvl7pPr marL="2743200" indent="0" algn="l" defTabSz="914400" rtl="0" eaLnBrk="1" latinLnBrk="0" hangingPunct="1">
+              <a:lnSpc>
+                <a:spcPct val="90000"/>
+              </a:lnSpc>
+              <a:spcBef>
+                <a:spcPts val="500"/>
+              </a:spcBef>
+              <a:buFont typeface="Arial" panose="020B0604020202020204" pitchFamily="34" charset="0"/>
+              <a:buNone/>
+              <a:defRPr sz="1600" b="1" kern="1200">
+                <a:solidFill>
+                  <a:schemeClr val="tx1"/>
+                </a:solidFill>
+                <a:latin typeface="+mn-lt"/>
+                <a:ea typeface="+mn-ea"/>
+                <a:cs typeface="+mn-cs"/>
+              </a:defRPr>
+            </a:lvl7pPr>
+            <a:lvl8pPr marL="3200400" indent="0" algn="l" defTabSz="914400" rtl="0" eaLnBrk="1" latinLnBrk="0" hangingPunct="1">
+              <a:lnSpc>
+                <a:spcPct val="90000"/>
+              </a:lnSpc>
+              <a:spcBef>
+                <a:spcPts val="500"/>
+              </a:spcBef>
+              <a:buFont typeface="Arial" panose="020B0604020202020204" pitchFamily="34" charset="0"/>
+              <a:buNone/>
+              <a:defRPr sz="1600" b="1" kern="1200">
+                <a:solidFill>
+                  <a:schemeClr val="tx1"/>
+                </a:solidFill>
+                <a:latin typeface="+mn-lt"/>
+                <a:ea typeface="+mn-ea"/>
+                <a:cs typeface="+mn-cs"/>
+              </a:defRPr>
+            </a:lvl8pPr>
+            <a:lvl9pPr marL="3657600" indent="0" algn="l" defTabSz="914400" rtl="0" eaLnBrk="1" latinLnBrk="0" hangingPunct="1">
+              <a:lnSpc>
+                <a:spcPct val="90000"/>
+              </a:lnSpc>
+              <a:spcBef>
+                <a:spcPts val="500"/>
+              </a:spcBef>
+              <a:buFont typeface="Arial" panose="020B0604020202020204" pitchFamily="34" charset="0"/>
+              <a:buNone/>
+              <a:defRPr sz="1600" b="1" kern="1200">
+                <a:solidFill>
+                  <a:schemeClr val="tx1"/>
+                </a:solidFill>
+                <a:latin typeface="+mn-lt"/>
+                <a:ea typeface="+mn-ea"/>
+                <a:cs typeface="+mn-cs"/>
+              </a:defRPr>
+            </a:lvl9pPr>
+          </a:lstStyle>
+          <a:p>
+            <a:r>
+              <a:rPr lang="en-US" dirty="0" smtClean="0"/>
+              <a:t>AHRS &amp; Euler Angles</a:t>
+            </a:r>
+            <a:endParaRPr lang="en-US" dirty="0"/>
+          </a:p>
+        </p:txBody>
+      </p:sp>
+      <p:sp>
+        <p:nvSpPr>
+          <p:cNvPr id="10" name="Content Placeholder 5"/>
+          <p:cNvSpPr txBox="1">
+            <a:spLocks/>
+          </p:cNvSpPr>
+          <p:nvPr/>
+        </p:nvSpPr>
+        <p:spPr>
+          <a:xfrm>
+            <a:off x="6097588" y="5529575"/>
+            <a:ext cx="5183188" cy="967478"/>
+          </a:xfrm>
+          <a:prstGeom prst="rect">
+            <a:avLst/>
+          </a:prstGeom>
+        </p:spPr>
+        <p:txBody>
+          <a:bodyPr vert="horz" lIns="91440" tIns="45720" rIns="91440" bIns="45720" rtlCol="0">
+            <a:normAutofit/>
+          </a:bodyPr>
+          <a:lstStyle>
+            <a:lvl1pPr marL="228600" indent="-228600" algn="l" defTabSz="914400" rtl="0" eaLnBrk="1" latinLnBrk="0" hangingPunct="1">
+              <a:lnSpc>
+                <a:spcPct val="90000"/>
+              </a:lnSpc>
+              <a:spcBef>
+                <a:spcPts val="1000"/>
+              </a:spcBef>
+              <a:buFont typeface="Arial" panose="020B0604020202020204" pitchFamily="34" charset="0"/>
+              <a:buChar char="•"/>
+              <a:defRPr sz="2800" kern="1200">
+                <a:solidFill>
+                  <a:schemeClr val="tx1"/>
+                </a:solidFill>
+                <a:latin typeface="+mn-lt"/>
+                <a:ea typeface="+mn-ea"/>
+                <a:cs typeface="+mn-cs"/>
+              </a:defRPr>
+            </a:lvl1pPr>
+            <a:lvl2pPr marL="685800" indent="-228600" algn="l" defTabSz="914400" rtl="0" eaLnBrk="1" latinLnBrk="0" hangingPunct="1">
+              <a:lnSpc>
+                <a:spcPct val="90000"/>
+              </a:lnSpc>
+              <a:spcBef>
+                <a:spcPts val="500"/>
+              </a:spcBef>
+              <a:buFont typeface="Arial" panose="020B0604020202020204" pitchFamily="34" charset="0"/>
+              <a:buChar char="•"/>
+              <a:defRPr sz="2400" kern="1200">
+                <a:solidFill>
+                  <a:schemeClr val="tx1"/>
+                </a:solidFill>
+                <a:latin typeface="+mn-lt"/>
+                <a:ea typeface="+mn-ea"/>
+                <a:cs typeface="+mn-cs"/>
+              </a:defRPr>
+            </a:lvl2pPr>
+            <a:lvl3pPr marL="1143000" indent="-228600" algn="l" defTabSz="914400" rtl="0" eaLnBrk="1" latinLnBrk="0" hangingPunct="1">
+              <a:lnSpc>
+                <a:spcPct val="90000"/>
+              </a:lnSpc>
+              <a:spcBef>
+                <a:spcPts val="500"/>
+              </a:spcBef>
+              <a:buFont typeface="Arial" panose="020B0604020202020204" pitchFamily="34" charset="0"/>
+              <a:buChar char="•"/>
+              <a:defRPr sz="2000" kern="1200">
+                <a:solidFill>
+                  <a:schemeClr val="tx1"/>
+                </a:solidFill>
+                <a:latin typeface="+mn-lt"/>
+                <a:ea typeface="+mn-ea"/>
+                <a:cs typeface="+mn-cs"/>
+              </a:defRPr>
+            </a:lvl3pPr>
+            <a:lvl4pPr marL="1600200" indent="-228600" algn="l" defTabSz="914400" rtl="0" eaLnBrk="1" latinLnBrk="0" hangingPunct="1">
+              <a:lnSpc>
+                <a:spcPct val="90000"/>
+              </a:lnSpc>
+              <a:spcBef>
+                <a:spcPts val="500"/>
+              </a:spcBef>
+              <a:buFont typeface="Arial" panose="020B0604020202020204" pitchFamily="34" charset="0"/>
+              <a:buChar char="•"/>
+              <a:defRPr sz="1800" kern="1200">
+                <a:solidFill>
+                  <a:schemeClr val="tx1"/>
+                </a:solidFill>
+                <a:latin typeface="+mn-lt"/>
+                <a:ea typeface="+mn-ea"/>
+                <a:cs typeface="+mn-cs"/>
+              </a:defRPr>
+            </a:lvl4pPr>
+            <a:lvl5pPr marL="2057400" indent="-228600" algn="l" defTabSz="914400" rtl="0" eaLnBrk="1" latinLnBrk="0" hangingPunct="1">
+              <a:lnSpc>
+                <a:spcPct val="90000"/>
+              </a:lnSpc>
+              <a:spcBef>
+                <a:spcPts val="500"/>
+              </a:spcBef>
+              <a:buFont typeface="Arial" panose="020B0604020202020204" pitchFamily="34" charset="0"/>
+              <a:buChar char="•"/>
+              <a:defRPr sz="1800" kern="1200">
+                <a:solidFill>
+                  <a:schemeClr val="tx1"/>
+                </a:solidFill>
+                <a:latin typeface="+mn-lt"/>
+                <a:ea typeface="+mn-ea"/>
+                <a:cs typeface="+mn-cs"/>
+              </a:defRPr>
+            </a:lvl5pPr>
+            <a:lvl6pPr marL="2514600" indent="-228600" algn="l" defTabSz="914400" rtl="0" eaLnBrk="1" latinLnBrk="0" hangingPunct="1">
+              <a:lnSpc>
+                <a:spcPct val="90000"/>
+              </a:lnSpc>
+              <a:spcBef>
+                <a:spcPts val="500"/>
+              </a:spcBef>
+              <a:buFont typeface="Arial" panose="020B0604020202020204" pitchFamily="34" charset="0"/>
+              <a:buChar char="•"/>
+              <a:defRPr sz="1800" kern="1200">
+                <a:solidFill>
+                  <a:schemeClr val="tx1"/>
+                </a:solidFill>
+                <a:latin typeface="+mn-lt"/>
+                <a:ea typeface="+mn-ea"/>
+                <a:cs typeface="+mn-cs"/>
+              </a:defRPr>
+            </a:lvl6pPr>
+            <a:lvl7pPr marL="2971800" indent="-228600" algn="l" defTabSz="914400" rtl="0" eaLnBrk="1" latinLnBrk="0" hangingPunct="1">
+              <a:lnSpc>
+                <a:spcPct val="90000"/>
+              </a:lnSpc>
+              <a:spcBef>
+                <a:spcPts val="500"/>
+              </a:spcBef>
+              <a:buFont typeface="Arial" panose="020B0604020202020204" pitchFamily="34" charset="0"/>
+              <a:buChar char="•"/>
+              <a:defRPr sz="1800" kern="1200">
+                <a:solidFill>
+                  <a:schemeClr val="tx1"/>
+                </a:solidFill>
+                <a:latin typeface="+mn-lt"/>
+                <a:ea typeface="+mn-ea"/>
+                <a:cs typeface="+mn-cs"/>
+              </a:defRPr>
+            </a:lvl7pPr>
+            <a:lvl8pPr marL="3429000" indent="-228600" algn="l" defTabSz="914400" rtl="0" eaLnBrk="1" latinLnBrk="0" hangingPunct="1">
+              <a:lnSpc>
+                <a:spcPct val="90000"/>
+              </a:lnSpc>
+              <a:spcBef>
+                <a:spcPts val="500"/>
+              </a:spcBef>
+              <a:buFont typeface="Arial" panose="020B0604020202020204" pitchFamily="34" charset="0"/>
+              <a:buChar char="•"/>
+              <a:defRPr sz="1800" kern="1200">
+                <a:solidFill>
+                  <a:schemeClr val="tx1"/>
+                </a:solidFill>
+                <a:latin typeface="+mn-lt"/>
+                <a:ea typeface="+mn-ea"/>
+                <a:cs typeface="+mn-cs"/>
+              </a:defRPr>
+            </a:lvl8pPr>
+            <a:lvl9pPr marL="3886200" indent="-228600" algn="l" defTabSz="914400" rtl="0" eaLnBrk="1" latinLnBrk="0" hangingPunct="1">
+              <a:lnSpc>
+                <a:spcPct val="90000"/>
+              </a:lnSpc>
+              <a:spcBef>
+                <a:spcPts val="500"/>
+              </a:spcBef>
+              <a:buFont typeface="Arial" panose="020B0604020202020204" pitchFamily="34" charset="0"/>
+              <a:buChar char="•"/>
+              <a:defRPr sz="1800" kern="1200">
+                <a:solidFill>
+                  <a:schemeClr val="tx1"/>
+                </a:solidFill>
+                <a:latin typeface="+mn-lt"/>
+                <a:ea typeface="+mn-ea"/>
+                <a:cs typeface="+mn-cs"/>
+              </a:defRPr>
+            </a:lvl9pPr>
+          </a:lstStyle>
+          <a:p>
+            <a:r>
+              <a:rPr lang="en-US" dirty="0" smtClean="0"/>
+              <a:t>Physics for Game Developers (Bourg)</a:t>
+            </a:r>
+          </a:p>
+        </p:txBody>
+      </p:sp>
+    </p:spTree>
+    <p:extLst>
+      <p:ext uri="{BB962C8B-B14F-4D97-AF65-F5344CB8AC3E}">
+        <p14:creationId xmlns:p14="http://schemas.microsoft.com/office/powerpoint/2010/main" val="685040008"/>
+      </p:ext>
+    </p:extLst>
+  </p:cSld>
+  <p:clrMapOvr>
+    <a:masterClrMapping/>
+  </p:clrMapOvr>
+</p:sld>
+</file>
+
+<file path=ppt/slides/slide38.xml><?xml version="1.0" encoding="utf-8"?>
+<p:sld xmlns:a="http://schemas.openxmlformats.org/drawingml/2006/main" xmlns:r="http://schemas.openxmlformats.org/officeDocument/2006/relationships" xmlns:p="http://schemas.openxmlformats.org/presentationml/2006/main">
+  <p:cSld>
+    <p:spTree>
+      <p:nvGrpSpPr>
+        <p:cNvPr id="1" name=""/>
+        <p:cNvGrpSpPr/>
+        <p:nvPr/>
+      </p:nvGrpSpPr>
+      <p:grpSpPr>
+        <a:xfrm>
+          <a:off x="0" y="0"/>
+          <a:ext cx="0" cy="0"/>
+          <a:chOff x="0" y="0"/>
+          <a:chExt cx="0" cy="0"/>
+        </a:xfrm>
+      </p:grpSpPr>
+      <p:sp>
+        <p:nvSpPr>
+          <p:cNvPr id="2" name="Title 1"/>
+          <p:cNvSpPr>
+            <a:spLocks noGrp="1"/>
+          </p:cNvSpPr>
+          <p:nvPr>
+            <p:ph type="title"/>
+          </p:nvPr>
+        </p:nvSpPr>
+        <p:spPr/>
+        <p:txBody>
+          <a:bodyPr/>
+          <a:lstStyle/>
+          <a:p>
+            <a:r>
+              <a:rPr lang="en-US" dirty="0" smtClean="0"/>
+              <a:t>Online learning resources</a:t>
+            </a:r>
+            <a:endParaRPr lang="en-US" dirty="0"/>
+          </a:p>
+        </p:txBody>
+      </p:sp>
+      <p:sp>
+        <p:nvSpPr>
+          <p:cNvPr id="3" name="Content Placeholder 2"/>
+          <p:cNvSpPr>
+            <a:spLocks noGrp="1"/>
+          </p:cNvSpPr>
+          <p:nvPr>
+            <p:ph idx="1"/>
+          </p:nvPr>
+        </p:nvSpPr>
+        <p:spPr/>
+        <p:txBody>
+          <a:bodyPr/>
+          <a:lstStyle/>
+          <a:p>
+            <a:r>
+              <a:rPr lang="en-US" dirty="0" err="1" smtClean="0"/>
+              <a:t>Sparkfun</a:t>
+            </a:r>
+            <a:r>
+              <a:rPr lang="en-US" dirty="0" smtClean="0"/>
+              <a:t> (learn.sparkfun.com)</a:t>
+            </a:r>
+          </a:p>
+          <a:p>
+            <a:r>
+              <a:rPr lang="en-US" dirty="0" err="1" smtClean="0"/>
+              <a:t>Adafruit</a:t>
+            </a:r>
+            <a:r>
+              <a:rPr lang="en-US" dirty="0" smtClean="0"/>
+              <a:t> (learn.adafruit.com)</a:t>
+            </a:r>
+          </a:p>
+          <a:p>
+            <a:r>
+              <a:rPr lang="en-US" dirty="0"/>
+              <a:t>Arduino Playground </a:t>
+            </a:r>
+            <a:r>
+              <a:rPr lang="en-US" dirty="0" smtClean="0"/>
+              <a:t>(playground.arduino.cc)</a:t>
+            </a:r>
+          </a:p>
+          <a:p>
+            <a:r>
+              <a:rPr lang="en-US" dirty="0" smtClean="0"/>
+              <a:t>Arduino Forum (forum.arduino.cc)</a:t>
+            </a:r>
+          </a:p>
+          <a:p>
+            <a:r>
+              <a:rPr lang="en-US" dirty="0"/>
+              <a:t>Arduino Reference </a:t>
+            </a:r>
+            <a:r>
+              <a:rPr lang="en-US" dirty="0" smtClean="0"/>
+              <a:t>(arduino.cc/</a:t>
+            </a:r>
+            <a:r>
+              <a:rPr lang="en-US" dirty="0" err="1" smtClean="0"/>
+              <a:t>en</a:t>
+            </a:r>
+            <a:r>
+              <a:rPr lang="en-US" dirty="0" smtClean="0"/>
+              <a:t>/Reference/</a:t>
+            </a:r>
+            <a:r>
+              <a:rPr lang="en-US" dirty="0" err="1" smtClean="0"/>
+              <a:t>HomePage</a:t>
+            </a:r>
+            <a:r>
+              <a:rPr lang="en-US" dirty="0" smtClean="0"/>
+              <a:t>)</a:t>
+            </a:r>
+          </a:p>
+          <a:p>
+            <a:r>
+              <a:rPr lang="en-US" dirty="0" smtClean="0"/>
+              <a:t>Wikipedia</a:t>
+            </a:r>
+            <a:endParaRPr lang="en-US" dirty="0"/>
+          </a:p>
+        </p:txBody>
+      </p:sp>
+    </p:spTree>
+    <p:extLst>
+      <p:ext uri="{BB962C8B-B14F-4D97-AF65-F5344CB8AC3E}">
+        <p14:creationId xmlns:p14="http://schemas.microsoft.com/office/powerpoint/2010/main" val="541050337"/>
       </p:ext>
     </p:extLst>
   </p:cSld>
@@ -6310,8 +8845,8 @@
           </a:p>
         </p:txBody>
       </p:sp>
-      <mc:AlternateContent xmlns:mc="http://schemas.openxmlformats.org/markup-compatibility/2006">
-        <mc:Choice xmlns:a14="http://schemas.microsoft.com/office/drawing/2010/main" Requires="a14">
+      <mc:AlternateContent xmlns:mc="http://schemas.openxmlformats.org/markup-compatibility/2006" xmlns:a14="http://schemas.microsoft.com/office/drawing/2010/main">
+        <mc:Choice Requires="a14">
           <p:sp>
             <p:nvSpPr>
               <p:cNvPr id="3" name="Content Placeholder 2"/>
@@ -6517,7 +9052,7 @@
             </p:txBody>
           </p:sp>
         </mc:Choice>
-        <mc:Fallback>
+        <mc:Fallback xmlns="">
           <p:sp>
             <p:nvSpPr>
               <p:cNvPr id="3" name="Content Placeholder 2"/>
@@ -6598,94 +9133,308 @@
           <a:p>
             <a:r>
               <a:rPr lang="en-US" dirty="0" smtClean="0"/>
-              <a:t>A quick note on decibels (dB)</a:t>
+              <a:t>Example calculation</a:t>
             </a:r>
             <a:endParaRPr lang="en-US" dirty="0"/>
           </a:p>
         </p:txBody>
       </p:sp>
-      <p:sp>
-        <p:nvSpPr>
-          <p:cNvPr id="3" name="Content Placeholder 2"/>
-          <p:cNvSpPr>
-            <a:spLocks noGrp="1"/>
-          </p:cNvSpPr>
-          <p:nvPr>
-            <p:ph idx="1"/>
-          </p:nvPr>
-        </p:nvSpPr>
-        <p:spPr/>
-        <p:txBody>
-          <a:bodyPr>
-            <a:normAutofit/>
-          </a:bodyPr>
-          <a:lstStyle/>
-          <a:p>
-            <a:r>
-              <a:rPr lang="en-US" dirty="0" smtClean="0"/>
-              <a:t>The decibel is a logarithmic unit for expressing ratios</a:t>
-            </a:r>
-          </a:p>
-          <a:p>
-            <a:r>
-              <a:rPr lang="en-US" dirty="0" smtClean="0"/>
-              <a:t>10 dB is one order of magnitude (x10) when measuring power</a:t>
-            </a:r>
-          </a:p>
-          <a:p>
-            <a:r>
-              <a:rPr lang="en-US" dirty="0" smtClean="0"/>
-              <a:t>20 dB is one order of magnitude when measuring voltage or amplitude, since power is usually proportional to the square of amplitude                </a:t>
-            </a:r>
-          </a:p>
-          <a:p>
-            <a:r>
-              <a:rPr lang="en-US" dirty="0" smtClean="0"/>
-              <a:t>Decibels used to measure things like sound power and output power are based on some reference level</a:t>
-            </a:r>
-          </a:p>
-          <a:p>
-            <a:pPr lvl="1"/>
-            <a:r>
-              <a:rPr lang="en-US" dirty="0" smtClean="0"/>
-              <a:t>Sound in air, 1 dB = 20 </a:t>
-            </a:r>
-            <a:r>
-              <a:rPr lang="en-US" dirty="0" err="1" smtClean="0"/>
-              <a:t>micropascals</a:t>
-            </a:r>
-            <a:endParaRPr lang="en-US" dirty="0" smtClean="0"/>
-          </a:p>
-          <a:p>
-            <a:pPr lvl="1"/>
-            <a:r>
-              <a:rPr lang="en-US" dirty="0" smtClean="0"/>
-              <a:t>Sound in water, 1 dB = 1 </a:t>
-            </a:r>
-            <a:r>
-              <a:rPr lang="en-US" dirty="0" err="1" smtClean="0"/>
-              <a:t>micropascal</a:t>
-            </a:r>
-            <a:endParaRPr lang="en-US" dirty="0" smtClean="0"/>
-          </a:p>
-          <a:p>
-            <a:pPr lvl="1"/>
-            <a:r>
-              <a:rPr lang="en-US" dirty="0" smtClean="0"/>
-              <a:t>RF output, 1 dB = 1 </a:t>
-            </a:r>
-            <a:r>
-              <a:rPr lang="en-US" dirty="0" err="1" smtClean="0"/>
-              <a:t>mW</a:t>
-            </a:r>
-            <a:endParaRPr lang="en-US" dirty="0"/>
-          </a:p>
-        </p:txBody>
-      </p:sp>
+      <mc:AlternateContent xmlns:mc="http://schemas.openxmlformats.org/markup-compatibility/2006">
+        <mc:Choice xmlns:a14="http://schemas.microsoft.com/office/drawing/2010/main" Requires="a14">
+          <p:sp>
+            <p:nvSpPr>
+              <p:cNvPr id="3" name="Content Placeholder 2"/>
+              <p:cNvSpPr>
+                <a:spLocks noGrp="1"/>
+              </p:cNvSpPr>
+              <p:nvPr>
+                <p:ph idx="1"/>
+              </p:nvPr>
+            </p:nvSpPr>
+            <p:spPr/>
+            <p:txBody>
+              <a:bodyPr/>
+              <a:lstStyle/>
+              <a:p>
+                <a:r>
+                  <a:rPr lang="en-US" dirty="0" smtClean="0"/>
+                  <a:t>R = 100 k</a:t>
+                </a:r>
+                <a:r>
+                  <a:rPr lang="el-GR" dirty="0" smtClean="0"/>
+                  <a:t>Ω</a:t>
+                </a:r>
+                <a:endParaRPr lang="en-US" dirty="0" smtClean="0"/>
+              </a:p>
+              <a:p>
+                <a:r>
+                  <a:rPr lang="en-US" dirty="0" smtClean="0"/>
+                  <a:t>C = 100 </a:t>
+                </a:r>
+                <a:r>
+                  <a:rPr lang="en-US" dirty="0" err="1" smtClean="0"/>
+                  <a:t>nF</a:t>
+                </a:r>
+                <a:endParaRPr lang="en-US" dirty="0" smtClean="0"/>
+              </a:p>
+              <a:p>
+                <a14:m>
+                  <m:oMath xmlns:m="http://schemas.openxmlformats.org/officeDocument/2006/math">
+                    <m:sSub>
+                      <m:sSubPr>
+                        <m:ctrlPr>
+                          <a:rPr lang="en-US" i="1" smtClean="0">
+                            <a:latin typeface="Cambria Math" panose="02040503050406030204" pitchFamily="18" charset="0"/>
+                          </a:rPr>
+                        </m:ctrlPr>
+                      </m:sSubPr>
+                      <m:e>
+                        <m:r>
+                          <a:rPr lang="en-US" b="0" i="1" smtClean="0">
+                            <a:latin typeface="Cambria Math" panose="02040503050406030204" pitchFamily="18" charset="0"/>
+                          </a:rPr>
+                          <m:t>𝑓</m:t>
+                        </m:r>
+                      </m:e>
+                      <m:sub>
+                        <m:r>
+                          <a:rPr lang="en-US" b="0" i="1" smtClean="0">
+                            <a:latin typeface="Cambria Math" panose="02040503050406030204" pitchFamily="18" charset="0"/>
+                          </a:rPr>
+                          <m:t>𝑐</m:t>
+                        </m:r>
+                      </m:sub>
+                    </m:sSub>
+                    <m:r>
+                      <a:rPr lang="en-US" i="1" smtClean="0">
+                        <a:latin typeface="Cambria Math" panose="02040503050406030204" pitchFamily="18" charset="0"/>
+                        <a:ea typeface="Cambria Math" panose="02040503050406030204" pitchFamily="18" charset="0"/>
+                      </a:rPr>
+                      <m:t>=</m:t>
+                    </m:r>
+                    <m:f>
+                      <m:fPr>
+                        <m:ctrlPr>
+                          <a:rPr lang="en-US" i="1" smtClean="0">
+                            <a:latin typeface="Cambria Math" panose="02040503050406030204" pitchFamily="18" charset="0"/>
+                            <a:ea typeface="Cambria Math" panose="02040503050406030204" pitchFamily="18" charset="0"/>
+                          </a:rPr>
+                        </m:ctrlPr>
+                      </m:fPr>
+                      <m:num>
+                        <m:r>
+                          <a:rPr lang="en-US" b="0" i="1" smtClean="0">
+                            <a:latin typeface="Cambria Math" panose="02040503050406030204" pitchFamily="18" charset="0"/>
+                            <a:ea typeface="Cambria Math" panose="02040503050406030204" pitchFamily="18" charset="0"/>
+                          </a:rPr>
+                          <m:t>1</m:t>
+                        </m:r>
+                      </m:num>
+                      <m:den>
+                        <m:r>
+                          <a:rPr lang="en-US" b="0" i="1" smtClean="0">
+                            <a:latin typeface="Cambria Math" panose="02040503050406030204" pitchFamily="18" charset="0"/>
+                            <a:ea typeface="Cambria Math" panose="02040503050406030204" pitchFamily="18" charset="0"/>
+                          </a:rPr>
+                          <m:t>2</m:t>
+                        </m:r>
+                        <m:r>
+                          <a:rPr lang="en-US" b="0" i="1" smtClean="0">
+                            <a:latin typeface="Cambria Math" panose="02040503050406030204" pitchFamily="18" charset="0"/>
+                            <a:ea typeface="Cambria Math" panose="02040503050406030204" pitchFamily="18" charset="0"/>
+                          </a:rPr>
+                          <m:t>𝜋</m:t>
+                        </m:r>
+                        <m:d>
+                          <m:dPr>
+                            <m:ctrlPr>
+                              <a:rPr lang="en-US" b="0" i="1" smtClean="0">
+                                <a:latin typeface="Cambria Math" panose="02040503050406030204" pitchFamily="18" charset="0"/>
+                                <a:ea typeface="Cambria Math" panose="02040503050406030204" pitchFamily="18" charset="0"/>
+                              </a:rPr>
+                            </m:ctrlPr>
+                          </m:dPr>
+                          <m:e>
+                            <m:r>
+                              <a:rPr lang="en-US" i="1">
+                                <a:latin typeface="Cambria Math" panose="02040503050406030204" pitchFamily="18" charset="0"/>
+                                <a:ea typeface="Cambria Math" panose="02040503050406030204" pitchFamily="18" charset="0"/>
+                              </a:rPr>
+                              <m:t>1</m:t>
+                            </m:r>
+                            <m:r>
+                              <a:rPr lang="en-US" b="0" i="1" smtClean="0">
+                                <a:latin typeface="Cambria Math" panose="02040503050406030204" pitchFamily="18" charset="0"/>
+                                <a:ea typeface="Cambria Math" panose="02040503050406030204" pitchFamily="18" charset="0"/>
+                              </a:rPr>
+                              <m:t>00</m:t>
+                            </m:r>
+                            <m:r>
+                              <a:rPr lang="en-US" i="1">
+                                <a:latin typeface="Cambria Math" panose="02040503050406030204" pitchFamily="18" charset="0"/>
+                                <a:ea typeface="Cambria Math" panose="02040503050406030204" pitchFamily="18" charset="0"/>
+                              </a:rPr>
+                              <m:t>∗</m:t>
+                            </m:r>
+                            <m:sSup>
+                              <m:sSupPr>
+                                <m:ctrlPr>
+                                  <a:rPr lang="en-US" i="1">
+                                    <a:latin typeface="Cambria Math" panose="02040503050406030204" pitchFamily="18" charset="0"/>
+                                    <a:ea typeface="Cambria Math" panose="02040503050406030204" pitchFamily="18" charset="0"/>
+                                  </a:rPr>
+                                </m:ctrlPr>
+                              </m:sSupPr>
+                              <m:e>
+                                <m:r>
+                                  <a:rPr lang="en-US" b="0" i="1" smtClean="0">
+                                    <a:latin typeface="Cambria Math" panose="02040503050406030204" pitchFamily="18" charset="0"/>
+                                    <a:ea typeface="Cambria Math" panose="02040503050406030204" pitchFamily="18" charset="0"/>
+                                  </a:rPr>
+                                  <m:t>10</m:t>
+                                </m:r>
+                              </m:e>
+                              <m:sup>
+                                <m:r>
+                                  <a:rPr lang="en-US" b="0" i="1" smtClean="0">
+                                    <a:latin typeface="Cambria Math" panose="02040503050406030204" pitchFamily="18" charset="0"/>
+                                    <a:ea typeface="Cambria Math" panose="02040503050406030204" pitchFamily="18" charset="0"/>
+                                  </a:rPr>
+                                  <m:t>3</m:t>
+                                </m:r>
+                              </m:sup>
+                            </m:sSup>
+                          </m:e>
+                        </m:d>
+                        <m:d>
+                          <m:dPr>
+                            <m:ctrlPr>
+                              <a:rPr lang="en-US" i="1">
+                                <a:latin typeface="Cambria Math" panose="02040503050406030204" pitchFamily="18" charset="0"/>
+                                <a:ea typeface="Cambria Math" panose="02040503050406030204" pitchFamily="18" charset="0"/>
+                              </a:rPr>
+                            </m:ctrlPr>
+                          </m:dPr>
+                          <m:e>
+                            <m:r>
+                              <a:rPr lang="en-US" i="1">
+                                <a:latin typeface="Cambria Math" panose="02040503050406030204" pitchFamily="18" charset="0"/>
+                                <a:ea typeface="Cambria Math" panose="02040503050406030204" pitchFamily="18" charset="0"/>
+                              </a:rPr>
+                              <m:t>1</m:t>
+                            </m:r>
+                            <m:r>
+                              <a:rPr lang="en-US" b="0" i="1" smtClean="0">
+                                <a:latin typeface="Cambria Math" panose="02040503050406030204" pitchFamily="18" charset="0"/>
+                                <a:ea typeface="Cambria Math" panose="02040503050406030204" pitchFamily="18" charset="0"/>
+                              </a:rPr>
+                              <m:t>00</m:t>
+                            </m:r>
+                            <m:r>
+                              <a:rPr lang="en-US" i="1">
+                                <a:latin typeface="Cambria Math" panose="02040503050406030204" pitchFamily="18" charset="0"/>
+                                <a:ea typeface="Cambria Math" panose="02040503050406030204" pitchFamily="18" charset="0"/>
+                              </a:rPr>
+                              <m:t>∗</m:t>
+                            </m:r>
+                            <m:sSup>
+                              <m:sSupPr>
+                                <m:ctrlPr>
+                                  <a:rPr lang="en-US" i="1">
+                                    <a:latin typeface="Cambria Math" panose="02040503050406030204" pitchFamily="18" charset="0"/>
+                                    <a:ea typeface="Cambria Math" panose="02040503050406030204" pitchFamily="18" charset="0"/>
+                                  </a:rPr>
+                                </m:ctrlPr>
+                              </m:sSupPr>
+                              <m:e>
+                                <m:r>
+                                  <a:rPr lang="en-US" i="1">
+                                    <a:latin typeface="Cambria Math" panose="02040503050406030204" pitchFamily="18" charset="0"/>
+                                    <a:ea typeface="Cambria Math" panose="02040503050406030204" pitchFamily="18" charset="0"/>
+                                  </a:rPr>
+                                  <m:t>10</m:t>
+                                </m:r>
+                              </m:e>
+                              <m:sup>
+                                <m:r>
+                                  <a:rPr lang="en-US" b="0" i="1" smtClean="0">
+                                    <a:latin typeface="Cambria Math" panose="02040503050406030204" pitchFamily="18" charset="0"/>
+                                    <a:ea typeface="Cambria Math" panose="02040503050406030204" pitchFamily="18" charset="0"/>
+                                  </a:rPr>
+                                  <m:t>−9</m:t>
+                                </m:r>
+                              </m:sup>
+                            </m:sSup>
+                          </m:e>
+                        </m:d>
+                      </m:den>
+                    </m:f>
+                    <m:r>
+                      <a:rPr lang="en-US" i="1" smtClean="0">
+                        <a:latin typeface="Cambria Math" panose="02040503050406030204" pitchFamily="18" charset="0"/>
+                        <a:ea typeface="Cambria Math" panose="02040503050406030204" pitchFamily="18" charset="0"/>
+                      </a:rPr>
+                      <m:t>=</m:t>
+                    </m:r>
+                    <m:r>
+                      <a:rPr lang="en-US" b="0" i="1" smtClean="0">
+                        <a:latin typeface="Cambria Math" panose="02040503050406030204" pitchFamily="18" charset="0"/>
+                        <a:ea typeface="Cambria Math" panose="02040503050406030204" pitchFamily="18" charset="0"/>
+                      </a:rPr>
+                      <m:t>15.9 </m:t>
+                    </m:r>
+                    <m:r>
+                      <a:rPr lang="en-US" b="0" i="1" smtClean="0">
+                        <a:latin typeface="Cambria Math" panose="02040503050406030204" pitchFamily="18" charset="0"/>
+                        <a:ea typeface="Cambria Math" panose="02040503050406030204" pitchFamily="18" charset="0"/>
+                      </a:rPr>
+                      <m:t>𝐻𝑧</m:t>
+                    </m:r>
+                  </m:oMath>
+                </a14:m>
+                <a:endParaRPr lang="en-US" dirty="0"/>
+              </a:p>
+            </p:txBody>
+          </p:sp>
+        </mc:Choice>
+        <mc:Fallback>
+          <p:sp>
+            <p:nvSpPr>
+              <p:cNvPr id="3" name="Content Placeholder 2"/>
+              <p:cNvSpPr>
+                <a:spLocks noGrp="1" noRot="1" noChangeAspect="1" noMove="1" noResize="1" noEditPoints="1" noAdjustHandles="1" noChangeArrowheads="1" noChangeShapeType="1" noTextEdit="1"/>
+              </p:cNvSpPr>
+              <p:nvPr>
+                <p:ph idx="1"/>
+              </p:nvPr>
+            </p:nvSpPr>
+            <p:spPr>
+              <a:blipFill rotWithShape="0">
+                <a:blip r:embed="rId2"/>
+                <a:stretch>
+                  <a:fillRect l="-1043" t="-2241"/>
+                </a:stretch>
+              </a:blipFill>
+            </p:spPr>
+            <p:txBody>
+              <a:bodyPr/>
+              <a:lstStyle/>
+              <a:p>
+                <a:r>
+                  <a:rPr lang="en-US">
+                    <a:noFill/>
+                  </a:rPr>
+                  <a:t> </a:t>
+                </a:r>
+              </a:p>
+            </p:txBody>
+          </p:sp>
+        </mc:Fallback>
+      </mc:AlternateContent>
     </p:spTree>
     <p:extLst>
       <p:ext uri="{BB962C8B-B14F-4D97-AF65-F5344CB8AC3E}">
-        <p14:creationId xmlns:p14="http://schemas.microsoft.com/office/powerpoint/2010/main" val="2134029180"/>
+        <p14:creationId xmlns:p14="http://schemas.microsoft.com/office/powerpoint/2010/main" val="201433202"/>
       </p:ext>
     </p:extLst>
   </p:cSld>

--- a/presentation/Mobile Sensors Workshop, Part 2.pptx
+++ b/presentation/Mobile Sensors Workshop, Part 2.pptx
@@ -6678,13 +6678,8 @@
           <a:p>
             <a:r>
               <a:rPr lang="en-US" dirty="0" smtClean="0"/>
-              <a:t>Magnetometer &amp; accelerometer need calibration for </a:t>
-            </a:r>
-            <a:r>
-              <a:rPr lang="en-US" smtClean="0"/>
-              <a:t>best performance.</a:t>
-            </a:r>
-            <a:endParaRPr lang="en-US" dirty="0" smtClean="0"/>
+              <a:t>Magnetometer &amp; accelerometer need calibration for best performance.</a:t>
+            </a:r>
           </a:p>
         </p:txBody>
       </p:sp>
@@ -7271,6 +7266,14 @@
             </a:r>
           </a:p>
           <a:p>
+            <a:r>
+              <a:rPr lang="en-US" dirty="0" smtClean="0"/>
+              <a:t>Arduino Cookbook </a:t>
+            </a:r>
+            <a:r>
+              <a:rPr lang="en-US" smtClean="0"/>
+              <a:t>(Margolis)</a:t>
+            </a:r>
             <a:endParaRPr lang="en-US" dirty="0"/>
           </a:p>
         </p:txBody>

--- a/presentation/Mobile Sensors Workshop, Part 2.pptx
+++ b/presentation/Mobile Sensors Workshop, Part 2.pptx
@@ -234,7 +234,7 @@
           <a:p>
             <a:fld id="{A7C5DE8E-CB8C-4F00-9EBE-0F5775031933}" type="datetimeFigureOut">
               <a:rPr lang="en-US" smtClean="0"/>
-              <a:t>10/18/2014</a:t>
+              <a:t>2/14/2015</a:t>
             </a:fld>
             <a:endParaRPr lang="en-US"/>
           </a:p>
@@ -733,7 +733,7 @@
           <a:p>
             <a:fld id="{F635EFCD-DE28-441F-88C5-3E2C5E31EA82}" type="datetimeFigureOut">
               <a:rPr lang="en-US" smtClean="0"/>
-              <a:t>10/18/2014</a:t>
+              <a:t>2/14/2015</a:t>
             </a:fld>
             <a:endParaRPr lang="en-US"/>
           </a:p>
@@ -903,7 +903,7 @@
           <a:p>
             <a:fld id="{F635EFCD-DE28-441F-88C5-3E2C5E31EA82}" type="datetimeFigureOut">
               <a:rPr lang="en-US" smtClean="0"/>
-              <a:t>10/18/2014</a:t>
+              <a:t>2/14/2015</a:t>
             </a:fld>
             <a:endParaRPr lang="en-US"/>
           </a:p>
@@ -1083,7 +1083,7 @@
           <a:p>
             <a:fld id="{F635EFCD-DE28-441F-88C5-3E2C5E31EA82}" type="datetimeFigureOut">
               <a:rPr lang="en-US" smtClean="0"/>
-              <a:t>10/18/2014</a:t>
+              <a:t>2/14/2015</a:t>
             </a:fld>
             <a:endParaRPr lang="en-US"/>
           </a:p>
@@ -1253,7 +1253,7 @@
           <a:p>
             <a:fld id="{F635EFCD-DE28-441F-88C5-3E2C5E31EA82}" type="datetimeFigureOut">
               <a:rPr lang="en-US" smtClean="0"/>
-              <a:t>10/18/2014</a:t>
+              <a:t>2/14/2015</a:t>
             </a:fld>
             <a:endParaRPr lang="en-US"/>
           </a:p>
@@ -1499,7 +1499,7 @@
           <a:p>
             <a:fld id="{F635EFCD-DE28-441F-88C5-3E2C5E31EA82}" type="datetimeFigureOut">
               <a:rPr lang="en-US" smtClean="0"/>
-              <a:t>10/18/2014</a:t>
+              <a:t>2/14/2015</a:t>
             </a:fld>
             <a:endParaRPr lang="en-US"/>
           </a:p>
@@ -1731,7 +1731,7 @@
           <a:p>
             <a:fld id="{F635EFCD-DE28-441F-88C5-3E2C5E31EA82}" type="datetimeFigureOut">
               <a:rPr lang="en-US" smtClean="0"/>
-              <a:t>10/18/2014</a:t>
+              <a:t>2/14/2015</a:t>
             </a:fld>
             <a:endParaRPr lang="en-US"/>
           </a:p>
@@ -2098,7 +2098,7 @@
           <a:p>
             <a:fld id="{F635EFCD-DE28-441F-88C5-3E2C5E31EA82}" type="datetimeFigureOut">
               <a:rPr lang="en-US" smtClean="0"/>
-              <a:t>10/18/2014</a:t>
+              <a:t>2/14/2015</a:t>
             </a:fld>
             <a:endParaRPr lang="en-US"/>
           </a:p>
@@ -2216,7 +2216,7 @@
           <a:p>
             <a:fld id="{F635EFCD-DE28-441F-88C5-3E2C5E31EA82}" type="datetimeFigureOut">
               <a:rPr lang="en-US" smtClean="0"/>
-              <a:t>10/18/2014</a:t>
+              <a:t>2/14/2015</a:t>
             </a:fld>
             <a:endParaRPr lang="en-US"/>
           </a:p>
@@ -2311,7 +2311,7 @@
           <a:p>
             <a:fld id="{F635EFCD-DE28-441F-88C5-3E2C5E31EA82}" type="datetimeFigureOut">
               <a:rPr lang="en-US" smtClean="0"/>
-              <a:t>10/18/2014</a:t>
+              <a:t>2/14/2015</a:t>
             </a:fld>
             <a:endParaRPr lang="en-US"/>
           </a:p>
@@ -2588,7 +2588,7 @@
           <a:p>
             <a:fld id="{F635EFCD-DE28-441F-88C5-3E2C5E31EA82}" type="datetimeFigureOut">
               <a:rPr lang="en-US" smtClean="0"/>
-              <a:t>10/18/2014</a:t>
+              <a:t>2/14/2015</a:t>
             </a:fld>
             <a:endParaRPr lang="en-US"/>
           </a:p>
@@ -2841,7 +2841,7 @@
           <a:p>
             <a:fld id="{F635EFCD-DE28-441F-88C5-3E2C5E31EA82}" type="datetimeFigureOut">
               <a:rPr lang="en-US" smtClean="0"/>
-              <a:t>10/18/2014</a:t>
+              <a:t>2/14/2015</a:t>
             </a:fld>
             <a:endParaRPr lang="en-US"/>
           </a:p>
@@ -3054,7 +3054,7 @@
           <a:p>
             <a:fld id="{F635EFCD-DE28-441F-88C5-3E2C5E31EA82}" type="datetimeFigureOut">
               <a:rPr lang="en-US" smtClean="0"/>
-              <a:t>10/18/2014</a:t>
+              <a:t>2/14/2015</a:t>
             </a:fld>
             <a:endParaRPr lang="en-US"/>
           </a:p>
@@ -3505,8 +3505,9 @@
           <a:p>
             <a:r>
               <a:rPr lang="en-US" dirty="0" smtClean="0"/>
-              <a:t>18 October 2014</a:t>
-            </a:r>
+              <a:t>15 February 2015</a:t>
+            </a:r>
+            <a:endParaRPr lang="en-US" dirty="0" smtClean="0"/>
           </a:p>
           <a:p>
             <a:endParaRPr lang="en-US" dirty="0"/>
@@ -5475,7 +5476,11 @@
           <a:p>
             <a:r>
               <a:rPr lang="en-US" dirty="0" smtClean="0"/>
-              <a:t>9-DoF IMU</a:t>
+              <a:t>9-DoF </a:t>
+            </a:r>
+            <a:r>
+              <a:rPr lang="en-US" dirty="0" smtClean="0"/>
+              <a:t>IMU (</a:t>
             </a:r>
             <a:endParaRPr lang="en-US" dirty="0"/>
           </a:p>
@@ -5711,25 +5716,7 @@
             <a:pPr lvl="1"/>
             <a:r>
               <a:rPr lang="en-US" dirty="0" smtClean="0"/>
-              <a:t>Adafruit_9DOF</a:t>
-            </a:r>
-          </a:p>
-          <a:p>
-            <a:pPr lvl="1"/>
-            <a:r>
-              <a:rPr lang="en-US" dirty="0" smtClean="0"/>
-              <a:t>Adafruit_L3GD20_U (gyro)</a:t>
-            </a:r>
-          </a:p>
-          <a:p>
-            <a:pPr lvl="1"/>
-            <a:r>
-              <a:rPr lang="en-US" dirty="0" smtClean="0"/>
-              <a:t>Adafruit_LSM303DLHC (accelerometer &amp; magnetometer</a:t>
-            </a:r>
-            <a:r>
-              <a:rPr lang="en-US" dirty="0" smtClean="0"/>
-              <a:t>)</a:t>
+              <a:t>Adafruit_LSM9DSO</a:t>
             </a:r>
           </a:p>
           <a:p>
@@ -5804,13 +5791,11 @@
       </p:sp>
       <p:pic>
         <p:nvPicPr>
-          <p:cNvPr id="4" name="Content Placeholder 3"/>
+          <p:cNvPr id="3" name="Picture 2"/>
           <p:cNvPicPr>
-            <a:picLocks noGrp="1" noChangeAspect="1"/>
+            <a:picLocks noChangeAspect="1"/>
           </p:cNvPicPr>
-          <p:nvPr>
-            <p:ph idx="1"/>
-          </p:nvPr>
+          <p:nvPr/>
         </p:nvPicPr>
         <p:blipFill>
           <a:blip r:embed="rId2">
@@ -5826,11 +5811,33 @@
         </p:blipFill>
         <p:spPr>
           <a:xfrm>
-            <a:off x="5576098" y="19416"/>
-            <a:ext cx="5543006" cy="6838584"/>
+            <a:off x="5812465" y="0"/>
+            <a:ext cx="6379535" cy="6858000"/>
           </a:xfrm>
+          <a:prstGeom prst="rect">
+            <a:avLst/>
+          </a:prstGeom>
         </p:spPr>
       </p:pic>
+      <p:sp>
+        <p:nvSpPr>
+          <p:cNvPr id="5" name="Content Placeholder 4"/>
+          <p:cNvSpPr>
+            <a:spLocks noGrp="1"/>
+          </p:cNvSpPr>
+          <p:nvPr>
+            <p:ph idx="1"/>
+          </p:nvPr>
+        </p:nvSpPr>
+        <p:spPr/>
+        <p:txBody>
+          <a:bodyPr/>
+          <a:lstStyle/>
+          <a:p>
+            <a:endParaRPr lang="en-US"/>
+          </a:p>
+        </p:txBody>
+      </p:sp>
     </p:spTree>
     <p:extLst>
       <p:ext uri="{BB962C8B-B14F-4D97-AF65-F5344CB8AC3E}">
@@ -9142,8 +9149,8 @@
           </a:p>
         </p:txBody>
       </p:sp>
-      <mc:AlternateContent xmlns:mc="http://schemas.openxmlformats.org/markup-compatibility/2006">
-        <mc:Choice xmlns:a14="http://schemas.microsoft.com/office/drawing/2010/main" Requires="a14">
+      <mc:AlternateContent xmlns:mc="http://schemas.openxmlformats.org/markup-compatibility/2006" xmlns:a14="http://schemas.microsoft.com/office/drawing/2010/main">
+        <mc:Choice Requires="a14">
           <p:sp>
             <p:nvSpPr>
               <p:cNvPr id="3" name="Content Placeholder 2"/>
@@ -9400,7 +9407,7 @@
             </p:txBody>
           </p:sp>
         </mc:Choice>
-        <mc:Fallback>
+        <mc:Fallback xmlns="">
           <p:sp>
             <p:nvSpPr>
               <p:cNvPr id="3" name="Content Placeholder 2"/>

--- a/presentation/Mobile Sensors Workshop, Part 2.pptx
+++ b/presentation/Mobile Sensors Workshop, Part 2.pptx
@@ -3524,6 +3524,13 @@
   <p:clrMapOvr>
     <a:masterClrMapping/>
   </p:clrMapOvr>
+  <p:timing>
+    <p:tnLst>
+      <p:par>
+        <p:cTn id="1" dur="indefinite" restart="never" nodeType="tmRoot"/>
+      </p:par>
+    </p:tnLst>
+  </p:timing>
 </p:sld>
 </file>
 
@@ -3655,6 +3662,13 @@
   <p:clrMapOvr>
     <a:masterClrMapping/>
   </p:clrMapOvr>
+  <p:timing>
+    <p:tnLst>
+      <p:par>
+        <p:cTn id="1" dur="indefinite" restart="never" nodeType="tmRoot"/>
+      </p:par>
+    </p:tnLst>
+  </p:timing>
 </p:sld>
 </file>
 
@@ -4101,6 +4115,13 @@
   <p:clrMapOvr>
     <a:masterClrMapping/>
   </p:clrMapOvr>
+  <p:timing>
+    <p:tnLst>
+      <p:par>
+        <p:cTn id="1" dur="indefinite" restart="never" nodeType="tmRoot"/>
+      </p:par>
+    </p:tnLst>
+  </p:timing>
 </p:sld>
 </file>
 
@@ -4219,6 +4240,13 @@
   <p:clrMapOvr>
     <a:masterClrMapping/>
   </p:clrMapOvr>
+  <p:timing>
+    <p:tnLst>
+      <p:par>
+        <p:cTn id="1" dur="indefinite" restart="never" nodeType="tmRoot"/>
+      </p:par>
+    </p:tnLst>
+  </p:timing>
 </p:sld>
 </file>
 
@@ -4291,6 +4319,13 @@
   <p:clrMapOvr>
     <a:masterClrMapping/>
   </p:clrMapOvr>
+  <p:timing>
+    <p:tnLst>
+      <p:par>
+        <p:cTn id="1" dur="indefinite" restart="never" nodeType="tmRoot"/>
+      </p:par>
+    </p:tnLst>
+  </p:timing>
 </p:sld>
 </file>
 
@@ -4379,6 +4414,13 @@
   <p:clrMapOvr>
     <a:masterClrMapping/>
   </p:clrMapOvr>
+  <p:timing>
+    <p:tnLst>
+      <p:par>
+        <p:cTn id="1" dur="indefinite" restart="never" nodeType="tmRoot"/>
+      </p:par>
+    </p:tnLst>
+  </p:timing>
 </p:sld>
 </file>
 
@@ -4496,6 +4538,13 @@
   <p:clrMapOvr>
     <a:masterClrMapping/>
   </p:clrMapOvr>
+  <p:timing>
+    <p:tnLst>
+      <p:par>
+        <p:cTn id="1" dur="indefinite" restart="never" nodeType="tmRoot"/>
+      </p:par>
+    </p:tnLst>
+  </p:timing>
 </p:sld>
 </file>
 
@@ -4643,6 +4692,13 @@
   <p:clrMapOvr>
     <a:masterClrMapping/>
   </p:clrMapOvr>
+  <p:timing>
+    <p:tnLst>
+      <p:par>
+        <p:cTn id="1" dur="indefinite" restart="never" nodeType="tmRoot"/>
+      </p:par>
+    </p:tnLst>
+  </p:timing>
 </p:sld>
 </file>
 
@@ -4763,6 +4819,13 @@
   <p:clrMapOvr>
     <a:masterClrMapping/>
   </p:clrMapOvr>
+  <p:timing>
+    <p:tnLst>
+      <p:par>
+        <p:cTn id="1" dur="indefinite" restart="never" nodeType="tmRoot"/>
+      </p:par>
+    </p:tnLst>
+  </p:timing>
 </p:sld>
 </file>
 
@@ -4885,6 +4948,13 @@
   <p:clrMapOvr>
     <a:masterClrMapping/>
   </p:clrMapOvr>
+  <p:timing>
+    <p:tnLst>
+      <p:par>
+        <p:cTn id="1" dur="indefinite" restart="never" nodeType="tmRoot"/>
+      </p:par>
+    </p:tnLst>
+  </p:timing>
 </p:sld>
 </file>
 
@@ -4975,6 +5045,13 @@
   <p:clrMapOvr>
     <a:masterClrMapping/>
   </p:clrMapOvr>
+  <p:timing>
+    <p:tnLst>
+      <p:par>
+        <p:cTn id="1" dur="indefinite" restart="never" nodeType="tmRoot"/>
+      </p:par>
+    </p:tnLst>
+  </p:timing>
 </p:sld>
 </file>
 
@@ -5104,6 +5181,13 @@
   <p:clrMapOvr>
     <a:masterClrMapping/>
   </p:clrMapOvr>
+  <p:timing>
+    <p:tnLst>
+      <p:par>
+        <p:cTn id="1" dur="indefinite" restart="never" nodeType="tmRoot"/>
+      </p:par>
+    </p:tnLst>
+  </p:timing>
 </p:sld>
 </file>
 
@@ -5277,6 +5361,13 @@
   <p:clrMapOvr>
     <a:masterClrMapping/>
   </p:clrMapOvr>
+  <p:timing>
+    <p:tnLst>
+      <p:par>
+        <p:cTn id="1" dur="indefinite" restart="never" nodeType="tmRoot"/>
+      </p:par>
+    </p:tnLst>
+  </p:timing>
 </p:sld>
 </file>
 
@@ -5367,6 +5458,13 @@
   <p:clrMapOvr>
     <a:masterClrMapping/>
   </p:clrMapOvr>
+  <p:timing>
+    <p:tnLst>
+      <p:par>
+        <p:cTn id="1" dur="indefinite" restart="never" nodeType="tmRoot"/>
+      </p:par>
+    </p:tnLst>
+  </p:timing>
 </p:sld>
 </file>
 
@@ -5439,6 +5537,13 @@
   <p:clrMapOvr>
     <a:masterClrMapping/>
   </p:clrMapOvr>
+  <p:timing>
+    <p:tnLst>
+      <p:par>
+        <p:cTn id="1" dur="indefinite" restart="never" nodeType="tmRoot"/>
+      </p:par>
+    </p:tnLst>
+  </p:timing>
 </p:sld>
 </file>
 
@@ -5560,6 +5665,13 @@
   <p:clrMapOvr>
     <a:masterClrMapping/>
   </p:clrMapOvr>
+  <p:timing>
+    <p:tnLst>
+      <p:par>
+        <p:cTn id="1" dur="indefinite" restart="never" nodeType="tmRoot"/>
+      </p:par>
+    </p:tnLst>
+  </p:timing>
 </p:sld>
 </file>
 
@@ -5641,6 +5753,13 @@
   <p:clrMapOvr>
     <a:masterClrMapping/>
   </p:clrMapOvr>
+  <p:timing>
+    <p:tnLst>
+      <p:par>
+        <p:cTn id="1" dur="indefinite" restart="never" nodeType="tmRoot"/>
+      </p:par>
+    </p:tnLst>
+  </p:timing>
 </p:sld>
 </file>
 
@@ -5739,6 +5858,13 @@
   <p:clrMapOvr>
     <a:masterClrMapping/>
   </p:clrMapOvr>
+  <p:timing>
+    <p:tnLst>
+      <p:par>
+        <p:cTn id="1" dur="indefinite" restart="never" nodeType="tmRoot"/>
+      </p:par>
+    </p:tnLst>
+  </p:timing>
 </p:sld>
 </file>
 
@@ -5848,6 +5974,13 @@
   <p:clrMapOvr>
     <a:masterClrMapping/>
   </p:clrMapOvr>
+  <p:timing>
+    <p:tnLst>
+      <p:par>
+        <p:cTn id="1" dur="indefinite" restart="never" nodeType="tmRoot"/>
+      </p:par>
+    </p:tnLst>
+  </p:timing>
 </p:sld>
 </file>
 
@@ -5893,7 +6026,7 @@
       </p:sp>
       <p:pic>
         <p:nvPicPr>
-          <p:cNvPr id="4" name="Content Placeholder 3"/>
+          <p:cNvPr id="5" name="Content Placeholder 4"/>
           <p:cNvPicPr>
             <a:picLocks noGrp="1" noChangeAspect="1"/>
           </p:cNvPicPr>
@@ -5915,8 +6048,8 @@
         </p:blipFill>
         <p:spPr>
           <a:xfrm>
-            <a:off x="1753885" y="1690688"/>
-            <a:ext cx="7856459" cy="5070790"/>
+            <a:off x="5295174" y="0"/>
+            <a:ext cx="6896826" cy="6646033"/>
           </a:xfrm>
         </p:spPr>
       </p:pic>
@@ -5930,6 +6063,13 @@
   <p:clrMapOvr>
     <a:masterClrMapping/>
   </p:clrMapOvr>
+  <p:timing>
+    <p:tnLst>
+      <p:par>
+        <p:cTn id="1" dur="indefinite" restart="never" nodeType="tmRoot"/>
+      </p:par>
+    </p:tnLst>
+  </p:timing>
 </p:sld>
 </file>
 
@@ -5975,7 +6115,7 @@
       </p:sp>
       <p:pic>
         <p:nvPicPr>
-          <p:cNvPr id="4" name="Content Placeholder 3"/>
+          <p:cNvPr id="5" name="Content Placeholder 4"/>
           <p:cNvPicPr>
             <a:picLocks noGrp="1" noChangeAspect="1"/>
           </p:cNvPicPr>
@@ -5997,8 +6137,8 @@
         </p:blipFill>
         <p:spPr>
           <a:xfrm>
-            <a:off x="3069885" y="350890"/>
-            <a:ext cx="8283915" cy="6274131"/>
+            <a:off x="1666279" y="1690688"/>
+            <a:ext cx="9793179" cy="4632521"/>
           </a:xfrm>
         </p:spPr>
       </p:pic>
@@ -6012,6 +6152,13 @@
   <p:clrMapOvr>
     <a:masterClrMapping/>
   </p:clrMapOvr>
+  <p:timing>
+    <p:tnLst>
+      <p:par>
+        <p:cTn id="1" dur="indefinite" restart="never" nodeType="tmRoot"/>
+      </p:par>
+    </p:tnLst>
+  </p:timing>
 </p:sld>
 </file>
 
@@ -6057,7 +6204,7 @@
       </p:sp>
       <p:pic>
         <p:nvPicPr>
-          <p:cNvPr id="4" name="Content Placeholder 3"/>
+          <p:cNvPr id="5" name="Content Placeholder 4"/>
           <p:cNvPicPr>
             <a:picLocks noGrp="1" noChangeAspect="1"/>
           </p:cNvPicPr>
@@ -6079,8 +6226,8 @@
         </p:blipFill>
         <p:spPr>
           <a:xfrm>
-            <a:off x="838200" y="2162693"/>
-            <a:ext cx="11353800" cy="2953472"/>
+            <a:off x="497350" y="1690688"/>
+            <a:ext cx="11363781" cy="4810827"/>
           </a:xfrm>
         </p:spPr>
       </p:pic>
@@ -6094,6 +6241,13 @@
   <p:clrMapOvr>
     <a:masterClrMapping/>
   </p:clrMapOvr>
+  <p:timing>
+    <p:tnLst>
+      <p:par>
+        <p:cTn id="1" dur="indefinite" restart="never" nodeType="tmRoot"/>
+      </p:par>
+    </p:tnLst>
+  </p:timing>
 </p:sld>
 </file>
 
@@ -6217,6 +6371,13 @@
   <p:clrMapOvr>
     <a:masterClrMapping/>
   </p:clrMapOvr>
+  <p:timing>
+    <p:tnLst>
+      <p:par>
+        <p:cTn id="1" dur="indefinite" restart="never" nodeType="tmRoot"/>
+      </p:par>
+    </p:tnLst>
+  </p:timing>
 </p:sld>
 </file>
 
@@ -6261,7 +6422,15 @@
           <a:p>
             <a:r>
               <a:rPr lang="en-US" dirty="0" smtClean="0"/>
-              <a:t>Open the ahrs_9dof example</a:t>
+              <a:t>Open the </a:t>
+            </a:r>
+            <a:r>
+              <a:rPr lang="en-US" dirty="0" smtClean="0"/>
+              <a:t>ahrs_lsm9ds0 </a:t>
+            </a:r>
+            <a:r>
+              <a:rPr lang="en-US" dirty="0" smtClean="0"/>
+              <a:t>example</a:t>
             </a:r>
             <a:endParaRPr lang="en-US" dirty="0"/>
           </a:p>
@@ -6269,13 +6438,11 @@
       </p:sp>
       <p:pic>
         <p:nvPicPr>
-          <p:cNvPr id="4" name="Content Placeholder 3"/>
+          <p:cNvPr id="5" name="Picture 4"/>
           <p:cNvPicPr>
-            <a:picLocks noGrp="1" noChangeAspect="1"/>
+            <a:picLocks noChangeAspect="1"/>
           </p:cNvPicPr>
-          <p:nvPr>
-            <p:ph idx="1"/>
-          </p:nvPr>
+          <p:nvPr/>
         </p:nvPicPr>
         <p:blipFill>
           <a:blip r:embed="rId2">
@@ -6291,9 +6458,12 @@
         </p:blipFill>
         <p:spPr>
           <a:xfrm>
-            <a:off x="5493802" y="30699"/>
-            <a:ext cx="5533862" cy="6827302"/>
+            <a:off x="4680168" y="0"/>
+            <a:ext cx="6379535" cy="6858000"/>
           </a:xfrm>
+          <a:prstGeom prst="rect">
+            <a:avLst/>
+          </a:prstGeom>
         </p:spPr>
       </p:pic>
     </p:spTree>
@@ -6306,6 +6476,13 @@
   <p:clrMapOvr>
     <a:masterClrMapping/>
   </p:clrMapOvr>
+  <p:timing>
+    <p:tnLst>
+      <p:par>
+        <p:cTn id="1" dur="indefinite" restart="never" nodeType="tmRoot"/>
+      </p:par>
+    </p:tnLst>
+  </p:timing>
 </p:sld>
 </file>
 
@@ -6351,7 +6528,7 @@
       </p:sp>
       <p:pic>
         <p:nvPicPr>
-          <p:cNvPr id="4" name="Content Placeholder 3"/>
+          <p:cNvPr id="5" name="Content Placeholder 4"/>
           <p:cNvPicPr>
             <a:picLocks noGrp="1" noChangeAspect="1"/>
           </p:cNvPicPr>
@@ -6373,8 +6550,8 @@
         </p:blipFill>
         <p:spPr>
           <a:xfrm>
-            <a:off x="838200" y="1690688"/>
-            <a:ext cx="7455408" cy="4772912"/>
+            <a:off x="4069080" y="1166112"/>
+            <a:ext cx="7360919" cy="5548868"/>
           </a:xfrm>
         </p:spPr>
       </p:pic>
@@ -6388,6 +6565,13 @@
   <p:clrMapOvr>
     <a:masterClrMapping/>
   </p:clrMapOvr>
+  <p:timing>
+    <p:tnLst>
+      <p:par>
+        <p:cTn id="1" dur="indefinite" restart="never" nodeType="tmRoot"/>
+      </p:par>
+    </p:tnLst>
+  </p:timing>
 </p:sld>
 </file>
 
@@ -6433,7 +6617,7 @@
       </p:sp>
       <p:pic>
         <p:nvPicPr>
-          <p:cNvPr id="4" name="Content Placeholder 3"/>
+          <p:cNvPr id="5" name="Content Placeholder 4"/>
           <p:cNvPicPr>
             <a:picLocks noGrp="1" noChangeAspect="1"/>
           </p:cNvPicPr>
@@ -6455,8 +6639,8 @@
         </p:blipFill>
         <p:spPr>
           <a:xfrm>
-            <a:off x="838200" y="1690688"/>
-            <a:ext cx="7600359" cy="4929963"/>
+            <a:off x="1086252" y="1463040"/>
+            <a:ext cx="11123443" cy="5093208"/>
           </a:xfrm>
         </p:spPr>
       </p:pic>
@@ -6470,6 +6654,13 @@
   <p:clrMapOvr>
     <a:masterClrMapping/>
   </p:clrMapOvr>
+  <p:timing>
+    <p:tnLst>
+      <p:par>
+        <p:cTn id="1" dur="indefinite" restart="never" nodeType="tmRoot"/>
+      </p:par>
+    </p:tnLst>
+  </p:timing>
 </p:sld>
 </file>
 
@@ -6599,6 +6790,13 @@
   <p:clrMapOvr>
     <a:masterClrMapping/>
   </p:clrMapOvr>
+  <p:timing>
+    <p:tnLst>
+      <p:par>
+        <p:cTn id="1" dur="indefinite" restart="never" nodeType="tmRoot"/>
+      </p:par>
+    </p:tnLst>
+  </p:timing>
 </p:sld>
 </file>
 
@@ -6700,6 +6898,13 @@
   <p:clrMapOvr>
     <a:masterClrMapping/>
   </p:clrMapOvr>
+  <p:timing>
+    <p:tnLst>
+      <p:par>
+        <p:cTn id="1" dur="indefinite" restart="never" nodeType="tmRoot"/>
+      </p:par>
+    </p:tnLst>
+  </p:timing>
 </p:sld>
 </file>
 
@@ -6876,6 +7081,13 @@
   <p:clrMapOvr>
     <a:masterClrMapping/>
   </p:clrMapOvr>
+  <p:timing>
+    <p:tnLst>
+      <p:par>
+        <p:cTn id="1" dur="indefinite" restart="never" nodeType="tmRoot"/>
+      </p:par>
+    </p:tnLst>
+  </p:timing>
 </p:sld>
 </file>
 
@@ -7147,6 +7359,13 @@
   <p:clrMapOvr>
     <a:masterClrMapping/>
   </p:clrMapOvr>
+  <p:timing>
+    <p:tnLst>
+      <p:par>
+        <p:cTn id="1" dur="indefinite" restart="never" nodeType="tmRoot"/>
+      </p:par>
+    </p:tnLst>
+  </p:timing>
 </p:sld>
 </file>
 
@@ -8134,6 +8353,13 @@
   <p:clrMapOvr>
     <a:masterClrMapping/>
   </p:clrMapOvr>
+  <p:timing>
+    <p:tnLst>
+      <p:par>
+        <p:cTn id="1" dur="indefinite" restart="never" nodeType="tmRoot"/>
+      </p:par>
+    </p:tnLst>
+  </p:timing>
 </p:sld>
 </file>
 
@@ -8272,6 +8498,13 @@
   <p:clrMapOvr>
     <a:masterClrMapping/>
   </p:clrMapOvr>
+  <p:timing>
+    <p:tnLst>
+      <p:par>
+        <p:cTn id="1" dur="indefinite" restart="never" nodeType="tmRoot"/>
+      </p:par>
+    </p:tnLst>
+  </p:timing>
 </p:sld>
 </file>
 
@@ -8395,6 +8628,13 @@
   <p:clrMapOvr>
     <a:masterClrMapping/>
   </p:clrMapOvr>
+  <p:timing>
+    <p:tnLst>
+      <p:par>
+        <p:cTn id="1" dur="indefinite" restart="never" nodeType="tmRoot"/>
+      </p:par>
+    </p:tnLst>
+  </p:timing>
 </p:sld>
 </file>
 
@@ -8523,6 +8763,13 @@
   <p:clrMapOvr>
     <a:masterClrMapping/>
   </p:clrMapOvr>
+  <p:timing>
+    <p:tnLst>
+      <p:par>
+        <p:cTn id="1" dur="indefinite" restart="never" nodeType="tmRoot"/>
+      </p:par>
+    </p:tnLst>
+  </p:timing>
 </p:sld>
 </file>
 
@@ -8683,6 +8930,13 @@
   <p:clrMapOvr>
     <a:masterClrMapping/>
   </p:clrMapOvr>
+  <p:timing>
+    <p:tnLst>
+      <p:par>
+        <p:cTn id="1" dur="indefinite" restart="never" nodeType="tmRoot"/>
+      </p:par>
+    </p:tnLst>
+  </p:timing>
 </p:sld>
 </file>
 
@@ -8812,6 +9066,13 @@
   <p:clrMapOvr>
     <a:masterClrMapping/>
   </p:clrMapOvr>
+  <p:timing>
+    <p:tnLst>
+      <p:par>
+        <p:cTn id="1" dur="indefinite" restart="never" nodeType="tmRoot"/>
+      </p:par>
+    </p:tnLst>
+  </p:timing>
 </p:sld>
 </file>
 
@@ -9106,6 +9367,13 @@
   <p:clrMapOvr>
     <a:masterClrMapping/>
   </p:clrMapOvr>
+  <p:timing>
+    <p:tnLst>
+      <p:par>
+        <p:cTn id="1" dur="indefinite" restart="never" nodeType="tmRoot"/>
+      </p:par>
+    </p:tnLst>
+  </p:timing>
 </p:sld>
 </file>
 
@@ -9451,6 +9719,13 @@
   <p:clrMapOvr>
     <a:masterClrMapping/>
   </p:clrMapOvr>
+  <p:timing>
+    <p:tnLst>
+      <p:par>
+        <p:cTn id="1" dur="indefinite" restart="never" nodeType="tmRoot"/>
+      </p:par>
+    </p:tnLst>
+  </p:timing>
 </p:sld>
 </file>
 

--- a/presentation/Mobile Sensors Workshop, Part 2.pptx
+++ b/presentation/Mobile Sensors Workshop, Part 2.pptx
@@ -5,7 +5,7 @@
     <p:sldMasterId id="2147483648" r:id="rId1"/>
   </p:sldMasterIdLst>
   <p:notesMasterIdLst>
-    <p:notesMasterId r:id="rId40"/>
+    <p:notesMasterId r:id="rId43"/>
   </p:notesMasterIdLst>
   <p:sldIdLst>
     <p:sldId id="256" r:id="rId2"/>
@@ -43,9 +43,12 @@
     <p:sldId id="288" r:id="rId34"/>
     <p:sldId id="289" r:id="rId35"/>
     <p:sldId id="290" r:id="rId36"/>
-    <p:sldId id="292" r:id="rId37"/>
-    <p:sldId id="295" r:id="rId38"/>
-    <p:sldId id="293" r:id="rId39"/>
+    <p:sldId id="296" r:id="rId37"/>
+    <p:sldId id="297" r:id="rId38"/>
+    <p:sldId id="298" r:id="rId39"/>
+    <p:sldId id="292" r:id="rId40"/>
+    <p:sldId id="295" r:id="rId41"/>
+    <p:sldId id="293" r:id="rId42"/>
   </p:sldIdLst>
   <p:sldSz cx="12192000" cy="6858000"/>
   <p:notesSz cx="6858000" cy="9144000"/>
@@ -234,7 +237,7 @@
           <a:p>
             <a:fld id="{A7C5DE8E-CB8C-4F00-9EBE-0F5775031933}" type="datetimeFigureOut">
               <a:rPr lang="en-US" smtClean="0"/>
-              <a:t>2/14/2015</a:t>
+              <a:t>10/4/2015</a:t>
             </a:fld>
             <a:endParaRPr lang="en-US"/>
           </a:p>
@@ -733,7 +736,7 @@
           <a:p>
             <a:fld id="{F635EFCD-DE28-441F-88C5-3E2C5E31EA82}" type="datetimeFigureOut">
               <a:rPr lang="en-US" smtClean="0"/>
-              <a:t>2/14/2015</a:t>
+              <a:t>10/4/2015</a:t>
             </a:fld>
             <a:endParaRPr lang="en-US"/>
           </a:p>
@@ -903,7 +906,7 @@
           <a:p>
             <a:fld id="{F635EFCD-DE28-441F-88C5-3E2C5E31EA82}" type="datetimeFigureOut">
               <a:rPr lang="en-US" smtClean="0"/>
-              <a:t>2/14/2015</a:t>
+              <a:t>10/4/2015</a:t>
             </a:fld>
             <a:endParaRPr lang="en-US"/>
           </a:p>
@@ -1083,7 +1086,7 @@
           <a:p>
             <a:fld id="{F635EFCD-DE28-441F-88C5-3E2C5E31EA82}" type="datetimeFigureOut">
               <a:rPr lang="en-US" smtClean="0"/>
-              <a:t>2/14/2015</a:t>
+              <a:t>10/4/2015</a:t>
             </a:fld>
             <a:endParaRPr lang="en-US"/>
           </a:p>
@@ -1253,7 +1256,7 @@
           <a:p>
             <a:fld id="{F635EFCD-DE28-441F-88C5-3E2C5E31EA82}" type="datetimeFigureOut">
               <a:rPr lang="en-US" smtClean="0"/>
-              <a:t>2/14/2015</a:t>
+              <a:t>10/4/2015</a:t>
             </a:fld>
             <a:endParaRPr lang="en-US"/>
           </a:p>
@@ -1499,7 +1502,7 @@
           <a:p>
             <a:fld id="{F635EFCD-DE28-441F-88C5-3E2C5E31EA82}" type="datetimeFigureOut">
               <a:rPr lang="en-US" smtClean="0"/>
-              <a:t>2/14/2015</a:t>
+              <a:t>10/4/2015</a:t>
             </a:fld>
             <a:endParaRPr lang="en-US"/>
           </a:p>
@@ -1731,7 +1734,7 @@
           <a:p>
             <a:fld id="{F635EFCD-DE28-441F-88C5-3E2C5E31EA82}" type="datetimeFigureOut">
               <a:rPr lang="en-US" smtClean="0"/>
-              <a:t>2/14/2015</a:t>
+              <a:t>10/4/2015</a:t>
             </a:fld>
             <a:endParaRPr lang="en-US"/>
           </a:p>
@@ -2098,7 +2101,7 @@
           <a:p>
             <a:fld id="{F635EFCD-DE28-441F-88C5-3E2C5E31EA82}" type="datetimeFigureOut">
               <a:rPr lang="en-US" smtClean="0"/>
-              <a:t>2/14/2015</a:t>
+              <a:t>10/4/2015</a:t>
             </a:fld>
             <a:endParaRPr lang="en-US"/>
           </a:p>
@@ -2216,7 +2219,7 @@
           <a:p>
             <a:fld id="{F635EFCD-DE28-441F-88C5-3E2C5E31EA82}" type="datetimeFigureOut">
               <a:rPr lang="en-US" smtClean="0"/>
-              <a:t>2/14/2015</a:t>
+              <a:t>10/4/2015</a:t>
             </a:fld>
             <a:endParaRPr lang="en-US"/>
           </a:p>
@@ -2311,7 +2314,7 @@
           <a:p>
             <a:fld id="{F635EFCD-DE28-441F-88C5-3E2C5E31EA82}" type="datetimeFigureOut">
               <a:rPr lang="en-US" smtClean="0"/>
-              <a:t>2/14/2015</a:t>
+              <a:t>10/4/2015</a:t>
             </a:fld>
             <a:endParaRPr lang="en-US"/>
           </a:p>
@@ -2588,7 +2591,7 @@
           <a:p>
             <a:fld id="{F635EFCD-DE28-441F-88C5-3E2C5E31EA82}" type="datetimeFigureOut">
               <a:rPr lang="en-US" smtClean="0"/>
-              <a:t>2/14/2015</a:t>
+              <a:t>10/4/2015</a:t>
             </a:fld>
             <a:endParaRPr lang="en-US"/>
           </a:p>
@@ -2841,7 +2844,7 @@
           <a:p>
             <a:fld id="{F635EFCD-DE28-441F-88C5-3E2C5E31EA82}" type="datetimeFigureOut">
               <a:rPr lang="en-US" smtClean="0"/>
-              <a:t>2/14/2015</a:t>
+              <a:t>10/4/2015</a:t>
             </a:fld>
             <a:endParaRPr lang="en-US"/>
           </a:p>
@@ -3054,7 +3057,7 @@
           <a:p>
             <a:fld id="{F635EFCD-DE28-441F-88C5-3E2C5E31EA82}" type="datetimeFigureOut">
               <a:rPr lang="en-US" smtClean="0"/>
-              <a:t>2/14/2015</a:t>
+              <a:t>10/4/2015</a:t>
             </a:fld>
             <a:endParaRPr lang="en-US"/>
           </a:p>
@@ -3507,7 +3510,6 @@
               <a:rPr lang="en-US" dirty="0" smtClean="0"/>
               <a:t>15 February 2015</a:t>
             </a:r>
-            <a:endParaRPr lang="en-US" dirty="0" smtClean="0"/>
           </a:p>
           <a:p>
             <a:endParaRPr lang="en-US" dirty="0"/>
@@ -5581,11 +5583,7 @@
           <a:p>
             <a:r>
               <a:rPr lang="en-US" dirty="0" smtClean="0"/>
-              <a:t>9-DoF </a:t>
-            </a:r>
-            <a:r>
-              <a:rPr lang="en-US" dirty="0" smtClean="0"/>
-              <a:t>IMU (</a:t>
+              <a:t>9-DoF IMU (</a:t>
             </a:r>
             <a:endParaRPr lang="en-US" dirty="0"/>
           </a:p>
@@ -6422,15 +6420,7 @@
           <a:p>
             <a:r>
               <a:rPr lang="en-US" dirty="0" smtClean="0"/>
-              <a:t>Open the </a:t>
-            </a:r>
-            <a:r>
-              <a:rPr lang="en-US" dirty="0" smtClean="0"/>
-              <a:t>ahrs_lsm9ds0 </a:t>
-            </a:r>
-            <a:r>
-              <a:rPr lang="en-US" dirty="0" smtClean="0"/>
-              <a:t>example</a:t>
+              <a:t>Open the ahrs_lsm9ds0 example</a:t>
             </a:r>
             <a:endParaRPr lang="en-US" dirty="0"/>
           </a:p>
@@ -6927,6 +6917,36 @@
       </p:grpSpPr>
       <p:pic>
         <p:nvPicPr>
+          <p:cNvPr id="5" name="Picture 4"/>
+          <p:cNvPicPr>
+            <a:picLocks noChangeAspect="1"/>
+          </p:cNvPicPr>
+          <p:nvPr/>
+        </p:nvPicPr>
+        <p:blipFill>
+          <a:blip r:embed="rId2">
+            <a:extLst>
+              <a:ext uri="{28A0092B-C50C-407E-A947-70E740481C1C}">
+                <a14:useLocalDpi xmlns:a14="http://schemas.microsoft.com/office/drawing/2010/main" val="0"/>
+              </a:ext>
+            </a:extLst>
+          </a:blip>
+          <a:stretch>
+            <a:fillRect/>
+          </a:stretch>
+        </p:blipFill>
+        <p:spPr>
+          <a:xfrm>
+            <a:off x="1078634" y="3079795"/>
+            <a:ext cx="4836251" cy="2197239"/>
+          </a:xfrm>
+          <a:prstGeom prst="rect">
+            <a:avLst/>
+          </a:prstGeom>
+        </p:spPr>
+      </p:pic>
+      <p:pic>
+        <p:nvPicPr>
           <p:cNvPr id="4" name="Picture 3"/>
           <p:cNvPicPr>
             <a:picLocks noChangeAspect="1"/>
@@ -6934,7 +6954,7 @@
           <p:nvPr/>
         </p:nvPicPr>
         <p:blipFill>
-          <a:blip r:embed="rId2">
+          <a:blip r:embed="rId3">
             <a:extLst>
               <a:ext uri="{28A0092B-C50C-407E-A947-70E740481C1C}">
                 <a14:useLocalDpi xmlns:a14="http://schemas.microsoft.com/office/drawing/2010/main" val="0"/>
@@ -7006,41 +7026,32 @@
           <a:p>
             <a:r>
               <a:rPr lang="en-US" dirty="0" smtClean="0"/>
-              <a:t>Demodulates remote control signals (38 kHz modulation)</a:t>
-            </a:r>
-          </a:p>
-        </p:txBody>
-      </p:sp>
-      <p:pic>
-        <p:nvPicPr>
-          <p:cNvPr id="5" name="Picture 4"/>
-          <p:cNvPicPr>
-            <a:picLocks noChangeAspect="1"/>
-          </p:cNvPicPr>
-          <p:nvPr/>
-        </p:nvPicPr>
-        <p:blipFill>
-          <a:blip r:embed="rId3">
-            <a:extLst>
-              <a:ext uri="{28A0092B-C50C-407E-A947-70E740481C1C}">
-                <a14:useLocalDpi xmlns:a14="http://schemas.microsoft.com/office/drawing/2010/main" val="0"/>
-              </a:ext>
-            </a:extLst>
-          </a:blip>
-          <a:stretch>
-            <a:fillRect/>
-          </a:stretch>
-        </p:blipFill>
-        <p:spPr>
-          <a:xfrm>
-            <a:off x="1078635" y="2816352"/>
-            <a:ext cx="4836251" cy="2197239"/>
-          </a:xfrm>
-          <a:prstGeom prst="rect">
-            <a:avLst/>
-          </a:prstGeom>
-        </p:spPr>
-      </p:pic>
+              <a:t>Demodulates remote control signals (38 kHz modulation</a:t>
+            </a:r>
+            <a:r>
+              <a:rPr lang="en-US" dirty="0" smtClean="0"/>
+              <a:t>)</a:t>
+            </a:r>
+          </a:p>
+          <a:p>
+            <a:r>
+              <a:rPr lang="en-US" dirty="0" smtClean="0"/>
+              <a:t>Active low </a:t>
+            </a:r>
+            <a:r>
+              <a:rPr lang="en-US" dirty="0"/>
+              <a:t>o</a:t>
+            </a:r>
+            <a:r>
+              <a:rPr lang="en-US" dirty="0" smtClean="0"/>
+              <a:t>utput</a:t>
+            </a:r>
+          </a:p>
+          <a:p>
+            <a:endParaRPr lang="en-US" dirty="0" smtClean="0"/>
+          </a:p>
+        </p:txBody>
+      </p:sp>
       <p:pic>
         <p:nvPicPr>
           <p:cNvPr id="6" name="Picture 5"/>
@@ -7063,7 +7074,7 @@
         </p:blipFill>
         <p:spPr>
           <a:xfrm>
-            <a:off x="1078635" y="4589226"/>
+            <a:off x="1078634" y="4770351"/>
             <a:ext cx="4836251" cy="2087649"/>
           </a:xfrm>
           <a:prstGeom prst="rect">
@@ -7108,6 +7119,430 @@
           <a:chExt cx="0" cy="0"/>
         </a:xfrm>
       </p:grpSpPr>
+      <p:pic>
+        <p:nvPicPr>
+          <p:cNvPr id="5" name="Picture 4"/>
+          <p:cNvPicPr>
+            <a:picLocks noChangeAspect="1"/>
+          </p:cNvPicPr>
+          <p:nvPr/>
+        </p:nvPicPr>
+        <p:blipFill>
+          <a:blip r:embed="rId2">
+            <a:extLst>
+              <a:ext uri="{28A0092B-C50C-407E-A947-70E740481C1C}">
+                <a14:useLocalDpi xmlns:a14="http://schemas.microsoft.com/office/drawing/2010/main" val="0"/>
+              </a:ext>
+            </a:extLst>
+          </a:blip>
+          <a:stretch>
+            <a:fillRect/>
+          </a:stretch>
+        </p:blipFill>
+        <p:spPr>
+          <a:xfrm>
+            <a:off x="2682816" y="1825625"/>
+            <a:ext cx="8246024" cy="4624276"/>
+          </a:xfrm>
+          <a:prstGeom prst="rect">
+            <a:avLst/>
+          </a:prstGeom>
+        </p:spPr>
+      </p:pic>
+      <p:sp>
+        <p:nvSpPr>
+          <p:cNvPr id="2" name="Title 1"/>
+          <p:cNvSpPr>
+            <a:spLocks noGrp="1"/>
+          </p:cNvSpPr>
+          <p:nvPr>
+            <p:ph type="title"/>
+          </p:nvPr>
+        </p:nvSpPr>
+        <p:spPr/>
+        <p:txBody>
+          <a:bodyPr/>
+          <a:lstStyle/>
+          <a:p>
+            <a:r>
+              <a:rPr lang="en-US" dirty="0" smtClean="0"/>
+              <a:t>Serial IR </a:t>
+            </a:r>
+            <a:r>
+              <a:rPr lang="en-US" dirty="0" smtClean="0"/>
+              <a:t>transmitter hookup</a:t>
+            </a:r>
+            <a:endParaRPr lang="en-US" dirty="0"/>
+          </a:p>
+        </p:txBody>
+      </p:sp>
+      <p:sp>
+        <p:nvSpPr>
+          <p:cNvPr id="3" name="Content Placeholder 2"/>
+          <p:cNvSpPr>
+            <a:spLocks noGrp="1"/>
+          </p:cNvSpPr>
+          <p:nvPr>
+            <p:ph idx="1"/>
+          </p:nvPr>
+        </p:nvSpPr>
+        <p:spPr>
+          <a:xfrm>
+            <a:off x="838199" y="1825625"/>
+            <a:ext cx="6615023" cy="1029718"/>
+          </a:xfrm>
+        </p:spPr>
+        <p:txBody>
+          <a:bodyPr>
+            <a:normAutofit/>
+          </a:bodyPr>
+          <a:lstStyle/>
+          <a:p>
+            <a:r>
+              <a:rPr lang="en-US" sz="2400" dirty="0" smtClean="0"/>
+              <a:t>Connect transmitter as shown.</a:t>
+            </a:r>
+          </a:p>
+          <a:p>
+            <a:r>
+              <a:rPr lang="en-US" sz="2400" dirty="0" smtClean="0"/>
+              <a:t>Connect output of IR receiver to D0 (RX)</a:t>
+            </a:r>
+            <a:endParaRPr lang="en-US" sz="2400" dirty="0"/>
+          </a:p>
+        </p:txBody>
+      </p:sp>
+      <p:sp>
+        <p:nvSpPr>
+          <p:cNvPr id="6" name="TextBox 5"/>
+          <p:cNvSpPr txBox="1"/>
+          <p:nvPr/>
+        </p:nvSpPr>
+        <p:spPr>
+          <a:xfrm>
+            <a:off x="838199" y="4689386"/>
+            <a:ext cx="6029865" cy="1569660"/>
+          </a:xfrm>
+          <a:prstGeom prst="rect">
+            <a:avLst/>
+          </a:prstGeom>
+          <a:noFill/>
+        </p:spPr>
+        <p:txBody>
+          <a:bodyPr wrap="square" rtlCol="0">
+            <a:spAutoFit/>
+          </a:bodyPr>
+          <a:lstStyle/>
+          <a:p>
+            <a:pPr marL="285750" indent="-285750">
+              <a:buFont typeface="Arial" panose="020B0604020202020204" pitchFamily="34" charset="0"/>
+              <a:buChar char="•"/>
+            </a:pPr>
+            <a:r>
+              <a:rPr lang="en-US" sz="2400" dirty="0" smtClean="0"/>
+              <a:t>D10 is used as an output for the Tone library.</a:t>
+            </a:r>
+          </a:p>
+          <a:p>
+            <a:pPr marL="285750" indent="-285750">
+              <a:buFont typeface="Arial" panose="020B0604020202020204" pitchFamily="34" charset="0"/>
+              <a:buChar char="•"/>
+            </a:pPr>
+            <a:r>
+              <a:rPr lang="en-US" sz="2400" dirty="0" smtClean="0"/>
+              <a:t>The NOR output is high only when both inputs are low… which produces a matching signal to D1 on the  IR receiver output.</a:t>
+            </a:r>
+            <a:endParaRPr lang="en-US" sz="2400" dirty="0"/>
+          </a:p>
+        </p:txBody>
+      </p:sp>
+    </p:spTree>
+    <p:extLst>
+      <p:ext uri="{BB962C8B-B14F-4D97-AF65-F5344CB8AC3E}">
+        <p14:creationId xmlns:p14="http://schemas.microsoft.com/office/powerpoint/2010/main" val="152796696"/>
+      </p:ext>
+    </p:extLst>
+  </p:cSld>
+  <p:clrMapOvr>
+    <a:masterClrMapping/>
+  </p:clrMapOvr>
+  <p:timing>
+    <p:tnLst>
+      <p:par>
+        <p:cTn id="1" dur="indefinite" restart="never" nodeType="tmRoot"/>
+      </p:par>
+    </p:tnLst>
+  </p:timing>
+</p:sld>
+</file>
+
+<file path=ppt/slides/slide37.xml><?xml version="1.0" encoding="utf-8"?>
+<p:sld xmlns:a="http://schemas.openxmlformats.org/drawingml/2006/main" xmlns:r="http://schemas.openxmlformats.org/officeDocument/2006/relationships" xmlns:p="http://schemas.openxmlformats.org/presentationml/2006/main">
+  <p:cSld>
+    <p:spTree>
+      <p:nvGrpSpPr>
+        <p:cNvPr id="1" name=""/>
+        <p:cNvGrpSpPr/>
+        <p:nvPr/>
+      </p:nvGrpSpPr>
+      <p:grpSpPr>
+        <a:xfrm>
+          <a:off x="0" y="0"/>
+          <a:ext cx="0" cy="0"/>
+          <a:chOff x="0" y="0"/>
+          <a:chExt cx="0" cy="0"/>
+        </a:xfrm>
+      </p:grpSpPr>
+      <p:sp>
+        <p:nvSpPr>
+          <p:cNvPr id="2" name="Title 1"/>
+          <p:cNvSpPr>
+            <a:spLocks noGrp="1"/>
+          </p:cNvSpPr>
+          <p:nvPr>
+            <p:ph type="title"/>
+          </p:nvPr>
+        </p:nvSpPr>
+        <p:spPr/>
+        <p:txBody>
+          <a:bodyPr/>
+          <a:lstStyle/>
+          <a:p>
+            <a:r>
+              <a:rPr lang="en-US" dirty="0" smtClean="0"/>
+              <a:t>Serial IR demo code</a:t>
+            </a:r>
+            <a:endParaRPr lang="en-US" dirty="0"/>
+          </a:p>
+        </p:txBody>
+      </p:sp>
+      <p:sp>
+        <p:nvSpPr>
+          <p:cNvPr id="3" name="Content Placeholder 2"/>
+          <p:cNvSpPr>
+            <a:spLocks noGrp="1"/>
+          </p:cNvSpPr>
+          <p:nvPr>
+            <p:ph idx="1"/>
+          </p:nvPr>
+        </p:nvSpPr>
+        <p:spPr/>
+        <p:txBody>
+          <a:bodyPr/>
+          <a:lstStyle/>
+          <a:p>
+            <a:r>
+              <a:rPr lang="en-US" dirty="0" smtClean="0"/>
+              <a:t>Load </a:t>
+            </a:r>
+            <a:r>
+              <a:rPr lang="en-US" dirty="0" err="1" smtClean="0">
+                <a:latin typeface="Courier New" panose="02070309020205020404" pitchFamily="49" charset="0"/>
+                <a:cs typeface="Courier New" panose="02070309020205020404" pitchFamily="49" charset="0"/>
+              </a:rPr>
+              <a:t>serialIRtransmitter.ino</a:t>
+            </a:r>
+            <a:r>
+              <a:rPr lang="en-US" dirty="0" smtClean="0"/>
+              <a:t> on one Arduino and </a:t>
+            </a:r>
+            <a:r>
+              <a:rPr lang="en-US" dirty="0" err="1" smtClean="0">
+                <a:latin typeface="Courier New" panose="02070309020205020404" pitchFamily="49" charset="0"/>
+                <a:cs typeface="Courier New" panose="02070309020205020404" pitchFamily="49" charset="0"/>
+              </a:rPr>
+              <a:t>serialIRreceiver.ino</a:t>
+            </a:r>
+            <a:r>
+              <a:rPr lang="en-US" dirty="0" smtClean="0"/>
+              <a:t> on another. Start serial monitor on the receiver side at 2400 baud</a:t>
+            </a:r>
+          </a:p>
+          <a:p>
+            <a:r>
+              <a:rPr lang="en-US" dirty="0" smtClean="0"/>
+              <a:t>Point the LED at the receiver. Note that the </a:t>
+            </a:r>
+            <a:r>
+              <a:rPr lang="en-US" dirty="0" err="1" smtClean="0"/>
+              <a:t>beamwidth</a:t>
+            </a:r>
+            <a:r>
+              <a:rPr lang="en-US" dirty="0" smtClean="0"/>
+              <a:t> is very narrow, so this may take a few tries.</a:t>
+            </a:r>
+          </a:p>
+          <a:p>
+            <a:r>
+              <a:rPr lang="en-US" dirty="0" smtClean="0"/>
+              <a:t>Watch the serial monitor for signs of contact.</a:t>
+            </a:r>
+          </a:p>
+          <a:p>
+            <a:r>
+              <a:rPr lang="en-US" dirty="0" smtClean="0"/>
+              <a:t>Try moving the two sides apart. </a:t>
+            </a:r>
+          </a:p>
+          <a:p>
+            <a:endParaRPr lang="en-US" dirty="0"/>
+          </a:p>
+        </p:txBody>
+      </p:sp>
+    </p:spTree>
+    <p:extLst>
+      <p:ext uri="{BB962C8B-B14F-4D97-AF65-F5344CB8AC3E}">
+        <p14:creationId xmlns:p14="http://schemas.microsoft.com/office/powerpoint/2010/main" val="2345928098"/>
+      </p:ext>
+    </p:extLst>
+  </p:cSld>
+  <p:clrMapOvr>
+    <a:masterClrMapping/>
+  </p:clrMapOvr>
+  <p:timing>
+    <p:tnLst>
+      <p:par>
+        <p:cTn id="1" dur="indefinite" restart="never" nodeType="tmRoot"/>
+      </p:par>
+    </p:tnLst>
+  </p:timing>
+</p:sld>
+</file>
+
+<file path=ppt/slides/slide38.xml><?xml version="1.0" encoding="utf-8"?>
+<p:sld xmlns:a="http://schemas.openxmlformats.org/drawingml/2006/main" xmlns:r="http://schemas.openxmlformats.org/officeDocument/2006/relationships" xmlns:p="http://schemas.openxmlformats.org/presentationml/2006/main">
+  <p:cSld>
+    <p:spTree>
+      <p:nvGrpSpPr>
+        <p:cNvPr id="1" name=""/>
+        <p:cNvGrpSpPr/>
+        <p:nvPr/>
+      </p:nvGrpSpPr>
+      <p:grpSpPr>
+        <a:xfrm>
+          <a:off x="0" y="0"/>
+          <a:ext cx="0" cy="0"/>
+          <a:chOff x="0" y="0"/>
+          <a:chExt cx="0" cy="0"/>
+        </a:xfrm>
+      </p:grpSpPr>
+      <p:sp>
+        <p:nvSpPr>
+          <p:cNvPr id="2" name="Title 1"/>
+          <p:cNvSpPr>
+            <a:spLocks noGrp="1"/>
+          </p:cNvSpPr>
+          <p:nvPr>
+            <p:ph type="title"/>
+          </p:nvPr>
+        </p:nvSpPr>
+        <p:spPr/>
+        <p:txBody>
+          <a:bodyPr/>
+          <a:lstStyle/>
+          <a:p>
+            <a:r>
+              <a:rPr lang="en-US" dirty="0" smtClean="0"/>
+              <a:t>Serial IR code</a:t>
+            </a:r>
+            <a:endParaRPr lang="en-US" dirty="0"/>
+          </a:p>
+        </p:txBody>
+      </p:sp>
+      <p:pic>
+        <p:nvPicPr>
+          <p:cNvPr id="4" name="Content Placeholder 3"/>
+          <p:cNvPicPr>
+            <a:picLocks noGrp="1" noChangeAspect="1"/>
+          </p:cNvPicPr>
+          <p:nvPr>
+            <p:ph idx="1"/>
+          </p:nvPr>
+        </p:nvPicPr>
+        <p:blipFill rotWithShape="1">
+          <a:blip r:embed="rId2">
+            <a:extLst>
+              <a:ext uri="{28A0092B-C50C-407E-A947-70E740481C1C}">
+                <a14:useLocalDpi xmlns:a14="http://schemas.microsoft.com/office/drawing/2010/main" val="0"/>
+              </a:ext>
+            </a:extLst>
+          </a:blip>
+          <a:srcRect r="64276"/>
+          <a:stretch/>
+        </p:blipFill>
+        <p:spPr>
+          <a:xfrm>
+            <a:off x="303616" y="1690688"/>
+            <a:ext cx="3947542" cy="4341144"/>
+          </a:xfrm>
+        </p:spPr>
+      </p:pic>
+      <p:pic>
+        <p:nvPicPr>
+          <p:cNvPr id="5" name="Picture 4"/>
+          <p:cNvPicPr>
+            <a:picLocks noChangeAspect="1"/>
+          </p:cNvPicPr>
+          <p:nvPr/>
+        </p:nvPicPr>
+        <p:blipFill rotWithShape="1">
+          <a:blip r:embed="rId3">
+            <a:extLst>
+              <a:ext uri="{28A0092B-C50C-407E-A947-70E740481C1C}">
+                <a14:useLocalDpi xmlns:a14="http://schemas.microsoft.com/office/drawing/2010/main" val="0"/>
+              </a:ext>
+            </a:extLst>
+          </a:blip>
+          <a:srcRect r="12176"/>
+          <a:stretch/>
+        </p:blipFill>
+        <p:spPr>
+          <a:xfrm>
+            <a:off x="4755789" y="1217414"/>
+            <a:ext cx="6826611" cy="4814418"/>
+          </a:xfrm>
+          <a:prstGeom prst="rect">
+            <a:avLst/>
+          </a:prstGeom>
+        </p:spPr>
+      </p:pic>
+    </p:spTree>
+    <p:extLst>
+      <p:ext uri="{BB962C8B-B14F-4D97-AF65-F5344CB8AC3E}">
+        <p14:creationId xmlns:p14="http://schemas.microsoft.com/office/powerpoint/2010/main" val="3147625710"/>
+      </p:ext>
+    </p:extLst>
+  </p:cSld>
+  <p:clrMapOvr>
+    <a:masterClrMapping/>
+  </p:clrMapOvr>
+  <p:timing>
+    <p:tnLst>
+      <p:par>
+        <p:cTn id="1" dur="indefinite" restart="never" nodeType="tmRoot"/>
+      </p:par>
+    </p:tnLst>
+  </p:timing>
+</p:sld>
+</file>
+
+<file path=ppt/slides/slide39.xml><?xml version="1.0" encoding="utf-8"?>
+<p:sld xmlns:a="http://schemas.openxmlformats.org/drawingml/2006/main" xmlns:r="http://schemas.openxmlformats.org/officeDocument/2006/relationships" xmlns:p="http://schemas.openxmlformats.org/presentationml/2006/main">
+  <p:cSld>
+    <p:spTree>
+      <p:nvGrpSpPr>
+        <p:cNvPr id="1" name=""/>
+        <p:cNvGrpSpPr/>
+        <p:nvPr/>
+      </p:nvGrpSpPr>
+      <p:grpSpPr>
+        <a:xfrm>
+          <a:off x="0" y="0"/>
+          <a:ext cx="0" cy="0"/>
+          <a:chOff x="0" y="0"/>
+          <a:chExt cx="0" cy="0"/>
+        </a:xfrm>
+      </p:grpSpPr>
       <p:sp>
         <p:nvSpPr>
           <p:cNvPr id="2" name="Title 1"/>
@@ -7369,7 +7804,137 @@
 </p:sld>
 </file>
 
-<file path=ppt/slides/slide37.xml><?xml version="1.0" encoding="utf-8"?>
+<file path=ppt/slides/slide4.xml><?xml version="1.0" encoding="utf-8"?>
+<p:sld xmlns:a="http://schemas.openxmlformats.org/drawingml/2006/main" xmlns:r="http://schemas.openxmlformats.org/officeDocument/2006/relationships" xmlns:p="http://schemas.openxmlformats.org/presentationml/2006/main">
+  <p:cSld>
+    <p:spTree>
+      <p:nvGrpSpPr>
+        <p:cNvPr id="1" name=""/>
+        <p:cNvGrpSpPr/>
+        <p:nvPr/>
+      </p:nvGrpSpPr>
+      <p:grpSpPr>
+        <a:xfrm>
+          <a:off x="0" y="0"/>
+          <a:ext cx="0" cy="0"/>
+          <a:chOff x="0" y="0"/>
+          <a:chExt cx="0" cy="0"/>
+        </a:xfrm>
+      </p:grpSpPr>
+      <p:sp>
+        <p:nvSpPr>
+          <p:cNvPr id="2" name="Title 1"/>
+          <p:cNvSpPr>
+            <a:spLocks noGrp="1"/>
+          </p:cNvSpPr>
+          <p:nvPr>
+            <p:ph type="title"/>
+          </p:nvPr>
+        </p:nvSpPr>
+        <p:spPr/>
+        <p:txBody>
+          <a:bodyPr/>
+          <a:lstStyle/>
+          <a:p>
+            <a:r>
+              <a:rPr lang="en-US" dirty="0" smtClean="0"/>
+              <a:t>Aliasing</a:t>
+            </a:r>
+            <a:endParaRPr lang="en-US" dirty="0"/>
+          </a:p>
+        </p:txBody>
+      </p:sp>
+      <p:sp>
+        <p:nvSpPr>
+          <p:cNvPr id="3" name="Content Placeholder 2"/>
+          <p:cNvSpPr>
+            <a:spLocks noGrp="1"/>
+          </p:cNvSpPr>
+          <p:nvPr>
+            <p:ph idx="1"/>
+          </p:nvPr>
+        </p:nvSpPr>
+        <p:spPr>
+          <a:xfrm>
+            <a:off x="838200" y="1825625"/>
+            <a:ext cx="5579853" cy="4351338"/>
+          </a:xfrm>
+        </p:spPr>
+        <p:txBody>
+          <a:bodyPr/>
+          <a:lstStyle/>
+          <a:p>
+            <a:r>
+              <a:rPr lang="en-US" dirty="0" smtClean="0"/>
+              <a:t>Since we’re only measuring at discrete times, it’s possible to get fooled. </a:t>
+            </a:r>
+          </a:p>
+          <a:p>
+            <a:r>
+              <a:rPr lang="en-US" dirty="0" smtClean="0"/>
+              <a:t>Higher frequency signals can masquerade as lower frequency signals.</a:t>
+            </a:r>
+          </a:p>
+          <a:p>
+            <a:r>
+              <a:rPr lang="en-US" dirty="0" smtClean="0"/>
+              <a:t>No way to tell the difference post sampling. </a:t>
+            </a:r>
+            <a:endParaRPr lang="en-US" dirty="0"/>
+          </a:p>
+        </p:txBody>
+      </p:sp>
+      <p:pic>
+        <p:nvPicPr>
+          <p:cNvPr id="4" name="Picture 3"/>
+          <p:cNvPicPr>
+            <a:picLocks noChangeAspect="1"/>
+          </p:cNvPicPr>
+          <p:nvPr/>
+        </p:nvPicPr>
+        <p:blipFill>
+          <a:blip r:embed="rId3">
+            <a:extLst>
+              <a:ext uri="{28A0092B-C50C-407E-A947-70E740481C1C}">
+                <a14:useLocalDpi xmlns:a14="http://schemas.microsoft.com/office/drawing/2010/main" val="0"/>
+              </a:ext>
+            </a:extLst>
+          </a:blip>
+          <a:stretch>
+            <a:fillRect/>
+          </a:stretch>
+        </p:blipFill>
+        <p:spPr>
+          <a:xfrm>
+            <a:off x="6127646" y="1690688"/>
+            <a:ext cx="5935047" cy="4054504"/>
+          </a:xfrm>
+          <a:prstGeom prst="rect">
+            <a:avLst/>
+          </a:prstGeom>
+        </p:spPr>
+      </p:pic>
+    </p:spTree>
+    <p:extLst>
+      <p:ext uri="{BB962C8B-B14F-4D97-AF65-F5344CB8AC3E}">
+        <p14:creationId xmlns:p14="http://schemas.microsoft.com/office/powerpoint/2010/main" val="3122339918"/>
+      </p:ext>
+    </p:extLst>
+  </p:cSld>
+  <p:clrMapOvr>
+    <a:masterClrMapping/>
+  </p:clrMapOvr>
+  <p:timing>
+    <p:tnLst>
+      <p:par>
+        <p:cTn id="1" dur="indefinite" restart="never" nodeType="tmRoot"/>
+      </p:par>
+    </p:tnLst>
+  </p:timing>
+</p:sld>
+</file>
+
+<file path=ppt/slides/slide40.xml><?xml version="1.0" encoding="utf-8"?>
 <p:sld xmlns:a="http://schemas.openxmlformats.org/drawingml/2006/main" xmlns:r="http://schemas.openxmlformats.org/officeDocument/2006/relationships" xmlns:p="http://schemas.openxmlformats.org/presentationml/2006/main">
   <p:cSld>
     <p:spTree>
@@ -8363,7 +8928,7 @@
 </p:sld>
 </file>
 
-<file path=ppt/slides/slide38.xml><?xml version="1.0" encoding="utf-8"?>
+<file path=ppt/slides/slide41.xml><?xml version="1.0" encoding="utf-8"?>
 <p:sld xmlns:a="http://schemas.openxmlformats.org/drawingml/2006/main" xmlns:r="http://schemas.openxmlformats.org/officeDocument/2006/relationships" xmlns:p="http://schemas.openxmlformats.org/presentationml/2006/main">
   <p:cSld>
     <p:spTree>
@@ -8492,136 +9057,6 @@
     <p:extLst>
       <p:ext uri="{BB962C8B-B14F-4D97-AF65-F5344CB8AC3E}">
         <p14:creationId xmlns:p14="http://schemas.microsoft.com/office/powerpoint/2010/main" val="541050337"/>
-      </p:ext>
-    </p:extLst>
-  </p:cSld>
-  <p:clrMapOvr>
-    <a:masterClrMapping/>
-  </p:clrMapOvr>
-  <p:timing>
-    <p:tnLst>
-      <p:par>
-        <p:cTn id="1" dur="indefinite" restart="never" nodeType="tmRoot"/>
-      </p:par>
-    </p:tnLst>
-  </p:timing>
-</p:sld>
-</file>
-
-<file path=ppt/slides/slide4.xml><?xml version="1.0" encoding="utf-8"?>
-<p:sld xmlns:a="http://schemas.openxmlformats.org/drawingml/2006/main" xmlns:r="http://schemas.openxmlformats.org/officeDocument/2006/relationships" xmlns:p="http://schemas.openxmlformats.org/presentationml/2006/main">
-  <p:cSld>
-    <p:spTree>
-      <p:nvGrpSpPr>
-        <p:cNvPr id="1" name=""/>
-        <p:cNvGrpSpPr/>
-        <p:nvPr/>
-      </p:nvGrpSpPr>
-      <p:grpSpPr>
-        <a:xfrm>
-          <a:off x="0" y="0"/>
-          <a:ext cx="0" cy="0"/>
-          <a:chOff x="0" y="0"/>
-          <a:chExt cx="0" cy="0"/>
-        </a:xfrm>
-      </p:grpSpPr>
-      <p:sp>
-        <p:nvSpPr>
-          <p:cNvPr id="2" name="Title 1"/>
-          <p:cNvSpPr>
-            <a:spLocks noGrp="1"/>
-          </p:cNvSpPr>
-          <p:nvPr>
-            <p:ph type="title"/>
-          </p:nvPr>
-        </p:nvSpPr>
-        <p:spPr/>
-        <p:txBody>
-          <a:bodyPr/>
-          <a:lstStyle/>
-          <a:p>
-            <a:r>
-              <a:rPr lang="en-US" dirty="0" smtClean="0"/>
-              <a:t>Aliasing</a:t>
-            </a:r>
-            <a:endParaRPr lang="en-US" dirty="0"/>
-          </a:p>
-        </p:txBody>
-      </p:sp>
-      <p:sp>
-        <p:nvSpPr>
-          <p:cNvPr id="3" name="Content Placeholder 2"/>
-          <p:cNvSpPr>
-            <a:spLocks noGrp="1"/>
-          </p:cNvSpPr>
-          <p:nvPr>
-            <p:ph idx="1"/>
-          </p:nvPr>
-        </p:nvSpPr>
-        <p:spPr>
-          <a:xfrm>
-            <a:off x="838200" y="1825625"/>
-            <a:ext cx="5579853" cy="4351338"/>
-          </a:xfrm>
-        </p:spPr>
-        <p:txBody>
-          <a:bodyPr/>
-          <a:lstStyle/>
-          <a:p>
-            <a:r>
-              <a:rPr lang="en-US" dirty="0" smtClean="0"/>
-              <a:t>Since we’re only measuring at discrete times, it’s possible to get fooled. </a:t>
-            </a:r>
-          </a:p>
-          <a:p>
-            <a:r>
-              <a:rPr lang="en-US" dirty="0" smtClean="0"/>
-              <a:t>Higher frequency signals can masquerade as lower frequency signals.</a:t>
-            </a:r>
-          </a:p>
-          <a:p>
-            <a:r>
-              <a:rPr lang="en-US" dirty="0" smtClean="0"/>
-              <a:t>No way to tell the difference post sampling. </a:t>
-            </a:r>
-            <a:endParaRPr lang="en-US" dirty="0"/>
-          </a:p>
-        </p:txBody>
-      </p:sp>
-      <p:pic>
-        <p:nvPicPr>
-          <p:cNvPr id="4" name="Picture 3"/>
-          <p:cNvPicPr>
-            <a:picLocks noChangeAspect="1"/>
-          </p:cNvPicPr>
-          <p:nvPr/>
-        </p:nvPicPr>
-        <p:blipFill>
-          <a:blip r:embed="rId3">
-            <a:extLst>
-              <a:ext uri="{28A0092B-C50C-407E-A947-70E740481C1C}">
-                <a14:useLocalDpi xmlns:a14="http://schemas.microsoft.com/office/drawing/2010/main" val="0"/>
-              </a:ext>
-            </a:extLst>
-          </a:blip>
-          <a:stretch>
-            <a:fillRect/>
-          </a:stretch>
-        </p:blipFill>
-        <p:spPr>
-          <a:xfrm>
-            <a:off x="6127646" y="1690688"/>
-            <a:ext cx="5935047" cy="4054504"/>
-          </a:xfrm>
-          <a:prstGeom prst="rect">
-            <a:avLst/>
-          </a:prstGeom>
-        </p:spPr>
-      </p:pic>
-    </p:spTree>
-    <p:extLst>
-      <p:ext uri="{BB962C8B-B14F-4D97-AF65-F5344CB8AC3E}">
-        <p14:creationId xmlns:p14="http://schemas.microsoft.com/office/powerpoint/2010/main" val="3122339918"/>
       </p:ext>
     </p:extLst>
   </p:cSld>
